--- a/CircularPie/Final Presentation/8. UseCaseDiagrams-(UML).pptx
+++ b/CircularPie/Final Presentation/8. UseCaseDiagrams-(UML).pptx
@@ -1,25 +1,25 @@
 
 <file path=ppt/presentation.xml><?xml version="1.0" encoding="utf-8"?>
-<p:presentation xmlns:a="http://schemas.openxmlformats.org/drawingml/2006/main" xmlns:r="http://schemas.openxmlformats.org/officeDocument/2006/relationships" xmlns:mc="http://schemas.openxmlformats.org/markup-compatibility/2006" xmlns:mv="urn:schemas-microsoft-com:mac:vml" xmlns:p="http://schemas.openxmlformats.org/presentationml/2006/main" xmlns:c="http://schemas.openxmlformats.org/drawingml/2006/chart" xmlns:dgm="http://schemas.openxmlformats.org/drawingml/2006/diagram" xmlns:o="urn:schemas-microsoft-com:office:office" xmlns:v="urn:schemas-microsoft-com:vml" xmlns:pvml="urn:schemas-microsoft-com:office:powerpoint" xmlns:com="http://schemas.openxmlformats.org/drawingml/2006/compatibility" xmlns:p14="http://schemas.microsoft.com/office/powerpoint/2010/main" xmlns:p15="http://schemas.microsoft.com/office/powerpoint/2012/main" xmlns:ahyp="http://schemas.microsoft.com/office/drawing/2018/hyperlinkcolor" autoCompressPictures="0" strictFirstAndLastChars="0" saveSubsetFonts="1">
+<p:presentation xmlns:a="http://schemas.openxmlformats.org/drawingml/2006/main" xmlns:r="http://schemas.openxmlformats.org/officeDocument/2006/relationships" xmlns:p="http://schemas.openxmlformats.org/presentationml/2006/main" strictFirstAndLastChars="0" saveSubsetFonts="1" autoCompressPictures="0">
   <p:sldMasterIdLst>
-    <p:sldMasterId id="2147483659" r:id="rId4"/>
+    <p:sldMasterId id="2147483659" r:id="rId1"/>
   </p:sldMasterIdLst>
   <p:notesMasterIdLst>
-    <p:notesMasterId r:id="rId5"/>
+    <p:notesMasterId r:id="rId9"/>
   </p:notesMasterIdLst>
   <p:sldIdLst>
-    <p:sldId id="256" r:id="rId6"/>
-    <p:sldId id="257" r:id="rId7"/>
-    <p:sldId id="258" r:id="rId8"/>
-    <p:sldId id="259" r:id="rId9"/>
-    <p:sldId id="260" r:id="rId10"/>
-    <p:sldId id="261" r:id="rId11"/>
-    <p:sldId id="262" r:id="rId12"/>
+    <p:sldId id="256" r:id="rId2"/>
+    <p:sldId id="257" r:id="rId3"/>
+    <p:sldId id="258" r:id="rId4"/>
+    <p:sldId id="259" r:id="rId5"/>
+    <p:sldId id="260" r:id="rId6"/>
+    <p:sldId id="261" r:id="rId7"/>
+    <p:sldId id="262" r:id="rId8"/>
   </p:sldIdLst>
-  <p:sldSz cy="5143500" cx="9144000"/>
+  <p:sldSz cx="9144000" cy="5143500" type="screen16x9"/>
   <p:notesSz cx="6858000" cy="9144000"/>
   <p:defaultTextStyle>
-    <a:defPPr lvl="0" marR="0" rtl="0" algn="l">
+    <a:defPPr marR="0" lvl="0" algn="l" rtl="0">
       <a:lnSpc>
         <a:spcPct val="100000"/>
       </a:lnSpc>
@@ -30,7 +30,7 @@
         <a:spcPts val="0"/>
       </a:spcAft>
     </a:defPPr>
-    <a:lvl1pPr lvl="0" marR="0" rtl="0" algn="l">
+    <a:lvl1pPr marR="0" lvl="0" algn="l" rtl="0">
       <a:lnSpc>
         <a:spcPct val="100000"/>
       </a:lnSpc>
@@ -44,7 +44,7 @@
         <a:srgbClr val="000000"/>
       </a:buClr>
       <a:buFont typeface="Arial"/>
-      <a:defRPr b="0" i="0" sz="1400" u="none" cap="none" strike="noStrike">
+      <a:defRPr sz="1400" b="0" i="0" u="none" strike="noStrike" cap="none">
         <a:solidFill>
           <a:srgbClr val="000000"/>
         </a:solidFill>
@@ -54,7 +54,7 @@
         <a:sym typeface="Arial"/>
       </a:defRPr>
     </a:lvl1pPr>
-    <a:lvl2pPr lvl="1" marR="0" rtl="0" algn="l">
+    <a:lvl2pPr marR="0" lvl="1" algn="l" rtl="0">
       <a:lnSpc>
         <a:spcPct val="100000"/>
       </a:lnSpc>
@@ -68,7 +68,7 @@
         <a:srgbClr val="000000"/>
       </a:buClr>
       <a:buFont typeface="Arial"/>
-      <a:defRPr b="0" i="0" sz="1400" u="none" cap="none" strike="noStrike">
+      <a:defRPr sz="1400" b="0" i="0" u="none" strike="noStrike" cap="none">
         <a:solidFill>
           <a:srgbClr val="000000"/>
         </a:solidFill>
@@ -78,7 +78,7 @@
         <a:sym typeface="Arial"/>
       </a:defRPr>
     </a:lvl2pPr>
-    <a:lvl3pPr lvl="2" marR="0" rtl="0" algn="l">
+    <a:lvl3pPr marR="0" lvl="2" algn="l" rtl="0">
       <a:lnSpc>
         <a:spcPct val="100000"/>
       </a:lnSpc>
@@ -92,7 +92,7 @@
         <a:srgbClr val="000000"/>
       </a:buClr>
       <a:buFont typeface="Arial"/>
-      <a:defRPr b="0" i="0" sz="1400" u="none" cap="none" strike="noStrike">
+      <a:defRPr sz="1400" b="0" i="0" u="none" strike="noStrike" cap="none">
         <a:solidFill>
           <a:srgbClr val="000000"/>
         </a:solidFill>
@@ -102,7 +102,7 @@
         <a:sym typeface="Arial"/>
       </a:defRPr>
     </a:lvl3pPr>
-    <a:lvl4pPr lvl="3" marR="0" rtl="0" algn="l">
+    <a:lvl4pPr marR="0" lvl="3" algn="l" rtl="0">
       <a:lnSpc>
         <a:spcPct val="100000"/>
       </a:lnSpc>
@@ -116,7 +116,7 @@
         <a:srgbClr val="000000"/>
       </a:buClr>
       <a:buFont typeface="Arial"/>
-      <a:defRPr b="0" i="0" sz="1400" u="none" cap="none" strike="noStrike">
+      <a:defRPr sz="1400" b="0" i="0" u="none" strike="noStrike" cap="none">
         <a:solidFill>
           <a:srgbClr val="000000"/>
         </a:solidFill>
@@ -126,7 +126,7 @@
         <a:sym typeface="Arial"/>
       </a:defRPr>
     </a:lvl4pPr>
-    <a:lvl5pPr lvl="4" marR="0" rtl="0" algn="l">
+    <a:lvl5pPr marR="0" lvl="4" algn="l" rtl="0">
       <a:lnSpc>
         <a:spcPct val="100000"/>
       </a:lnSpc>
@@ -140,7 +140,7 @@
         <a:srgbClr val="000000"/>
       </a:buClr>
       <a:buFont typeface="Arial"/>
-      <a:defRPr b="0" i="0" sz="1400" u="none" cap="none" strike="noStrike">
+      <a:defRPr sz="1400" b="0" i="0" u="none" strike="noStrike" cap="none">
         <a:solidFill>
           <a:srgbClr val="000000"/>
         </a:solidFill>
@@ -150,7 +150,7 @@
         <a:sym typeface="Arial"/>
       </a:defRPr>
     </a:lvl5pPr>
-    <a:lvl6pPr lvl="5" marR="0" rtl="0" algn="l">
+    <a:lvl6pPr marR="0" lvl="5" algn="l" rtl="0">
       <a:lnSpc>
         <a:spcPct val="100000"/>
       </a:lnSpc>
@@ -164,7 +164,7 @@
         <a:srgbClr val="000000"/>
       </a:buClr>
       <a:buFont typeface="Arial"/>
-      <a:defRPr b="0" i="0" sz="1400" u="none" cap="none" strike="noStrike">
+      <a:defRPr sz="1400" b="0" i="0" u="none" strike="noStrike" cap="none">
         <a:solidFill>
           <a:srgbClr val="000000"/>
         </a:solidFill>
@@ -174,7 +174,7 @@
         <a:sym typeface="Arial"/>
       </a:defRPr>
     </a:lvl6pPr>
-    <a:lvl7pPr lvl="6" marR="0" rtl="0" algn="l">
+    <a:lvl7pPr marR="0" lvl="6" algn="l" rtl="0">
       <a:lnSpc>
         <a:spcPct val="100000"/>
       </a:lnSpc>
@@ -188,7 +188,7 @@
         <a:srgbClr val="000000"/>
       </a:buClr>
       <a:buFont typeface="Arial"/>
-      <a:defRPr b="0" i="0" sz="1400" u="none" cap="none" strike="noStrike">
+      <a:defRPr sz="1400" b="0" i="0" u="none" strike="noStrike" cap="none">
         <a:solidFill>
           <a:srgbClr val="000000"/>
         </a:solidFill>
@@ -198,7 +198,7 @@
         <a:sym typeface="Arial"/>
       </a:defRPr>
     </a:lvl7pPr>
-    <a:lvl8pPr lvl="7" marR="0" rtl="0" algn="l">
+    <a:lvl8pPr marR="0" lvl="7" algn="l" rtl="0">
       <a:lnSpc>
         <a:spcPct val="100000"/>
       </a:lnSpc>
@@ -212,7 +212,7 @@
         <a:srgbClr val="000000"/>
       </a:buClr>
       <a:buFont typeface="Arial"/>
-      <a:defRPr b="0" i="0" sz="1400" u="none" cap="none" strike="noStrike">
+      <a:defRPr sz="1400" b="0" i="0" u="none" strike="noStrike" cap="none">
         <a:solidFill>
           <a:srgbClr val="000000"/>
         </a:solidFill>
@@ -222,7 +222,7 @@
         <a:sym typeface="Arial"/>
       </a:defRPr>
     </a:lvl8pPr>
-    <a:lvl9pPr lvl="8" marR="0" rtl="0" algn="l">
+    <a:lvl9pPr marR="0" lvl="8" algn="l" rtl="0">
       <a:lnSpc>
         <a:spcPct val="100000"/>
       </a:lnSpc>
@@ -236,7 +236,7 @@
         <a:srgbClr val="000000"/>
       </a:buClr>
       <a:buFont typeface="Arial"/>
-      <a:defRPr b="0" i="0" sz="1400" u="none" cap="none" strike="noStrike">
+      <a:defRPr sz="1400" b="0" i="0" u="none" strike="noStrike" cap="none">
         <a:solidFill>
           <a:srgbClr val="000000"/>
         </a:solidFill>
@@ -249,7 +249,7 @@
   </p:defaultTextStyle>
   <p:extLst>
     <p:ext uri="{EFAFB233-063F-42B5-8137-9DF3F51BA10A}">
-      <p15:sldGuideLst>
+      <p15:sldGuideLst xmlns:p15="http://schemas.microsoft.com/office/powerpoint/2012/main">
         <p15:guide id="1" orient="horz" pos="1620">
           <p15:clr>
             <a:srgbClr val="A4A3A4"/>
@@ -267,11 +267,16 @@
 </file>
 
 <file path=ppt/notesMasters/notesMaster1.xml><?xml version="1.0" encoding="utf-8"?>
-<p:notesMaster xmlns:a="http://schemas.openxmlformats.org/drawingml/2006/main" xmlns:r="http://schemas.openxmlformats.org/officeDocument/2006/relationships" xmlns:mc="http://schemas.openxmlformats.org/markup-compatibility/2006" xmlns:mv="urn:schemas-microsoft-com:mac:vml" xmlns:p="http://schemas.openxmlformats.org/presentationml/2006/main" xmlns:c="http://schemas.openxmlformats.org/drawingml/2006/chart" xmlns:dgm="http://schemas.openxmlformats.org/drawingml/2006/diagram" xmlns:o="urn:schemas-microsoft-com:office:office" xmlns:v="urn:schemas-microsoft-com:vml" xmlns:pvml="urn:schemas-microsoft-com:office:powerpoint" xmlns:com="http://schemas.openxmlformats.org/drawingml/2006/compatibility" xmlns:p14="http://schemas.microsoft.com/office/powerpoint/2010/main" xmlns:p15="http://schemas.microsoft.com/office/powerpoint/2012/main" xmlns:ahyp="http://schemas.microsoft.com/office/drawing/2018/hyperlinkcolor">
+<p:notesMaster xmlns:a="http://schemas.openxmlformats.org/drawingml/2006/main" xmlns:r="http://schemas.openxmlformats.org/officeDocument/2006/relationships" xmlns:p="http://schemas.openxmlformats.org/presentationml/2006/main">
   <p:cSld>
+    <p:bg>
+      <p:bgRef idx="1001">
+        <a:schemeClr val="bg1"/>
+      </p:bgRef>
+    </p:bg>
     <p:spTree>
       <p:nvGrpSpPr>
-        <p:cNvPr id="2" name="Shape 2"/>
+        <p:cNvPr id="1" name="Shape 2"/>
         <p:cNvGrpSpPr/>
         <p:nvPr/>
       </p:nvGrpSpPr>
@@ -286,9 +291,11 @@
       <p:sp>
         <p:nvSpPr>
           <p:cNvPr id="3" name="Google Shape;3;n"/>
-          <p:cNvSpPr/>
+          <p:cNvSpPr>
+            <a:spLocks noGrp="1" noRot="1" noChangeAspect="1"/>
+          </p:cNvSpPr>
           <p:nvPr>
-            <p:ph idx="2" type="sldImg"/>
+            <p:ph type="sldImg" idx="2"/>
           </p:nvPr>
         </p:nvSpPr>
         <p:spPr>
@@ -297,9 +304,13 @@
             <a:ext cx="6096075" cy="3429000"/>
           </a:xfrm>
           <a:custGeom>
-            <a:rect b="b" l="l" r="r" t="t"/>
+            <a:avLst/>
+            <a:gdLst/>
+            <a:ahLst/>
+            <a:cxnLst/>
+            <a:rect l="l" t="t" r="r" b="b"/>
             <a:pathLst>
-              <a:path extrusionOk="0" h="120000" w="120000">
+              <a:path w="120000" h="120000" extrusionOk="0">
                 <a:moveTo>
                   <a:pt x="0" y="0"/>
                 </a:moveTo>
@@ -317,23 +328,25 @@
             </a:pathLst>
           </a:custGeom>
           <a:noFill/>
-          <a:ln cap="flat" cmpd="sng" w="9525">
+          <a:ln w="9525" cap="flat" cmpd="sng">
             <a:solidFill>
               <a:srgbClr val="000000"/>
             </a:solidFill>
             <a:prstDash val="solid"/>
             <a:round/>
-            <a:headEnd len="sm" w="sm" type="none"/>
-            <a:tailEnd len="sm" w="sm" type="none"/>
+            <a:headEnd type="none" w="sm" len="sm"/>
+            <a:tailEnd type="none" w="sm" len="sm"/>
           </a:ln>
         </p:spPr>
       </p:sp>
       <p:sp>
         <p:nvSpPr>
           <p:cNvPr id="4" name="Google Shape;4;n"/>
-          <p:cNvSpPr txBox="1"/>
+          <p:cNvSpPr txBox="1">
+            <a:spLocks noGrp="1"/>
+          </p:cNvSpPr>
           <p:nvPr>
-            <p:ph idx="1" type="body"/>
+            <p:ph type="body" idx="1"/>
           </p:nvPr>
         </p:nvSpPr>
         <p:spPr>
@@ -350,11 +363,11 @@
           </a:ln>
         </p:spPr>
         <p:txBody>
-          <a:bodyPr anchorCtr="0" anchor="t" bIns="91425" lIns="91425" spcFirstLastPara="1" rIns="91425" wrap="square" tIns="91425">
+          <a:bodyPr spcFirstLastPara="1" wrap="square" lIns="91425" tIns="91425" rIns="91425" bIns="91425" anchor="t" anchorCtr="0">
             <a:noAutofit/>
           </a:bodyPr>
           <a:lstStyle>
-            <a:lvl1pPr indent="-298450" lvl="0" marL="457200">
+            <a:lvl1pPr marL="457200" lvl="0" indent="-298450">
               <a:spcBef>
                 <a:spcPts val="0"/>
               </a:spcBef>
@@ -365,7 +378,7 @@
               <a:buChar char="●"/>
               <a:defRPr sz="1100"/>
             </a:lvl1pPr>
-            <a:lvl2pPr indent="-298450" lvl="1" marL="914400">
+            <a:lvl2pPr marL="914400" lvl="1" indent="-298450">
               <a:spcBef>
                 <a:spcPts val="0"/>
               </a:spcBef>
@@ -376,7 +389,7 @@
               <a:buChar char="○"/>
               <a:defRPr sz="1100"/>
             </a:lvl2pPr>
-            <a:lvl3pPr indent="-298450" lvl="2" marL="1371600">
+            <a:lvl3pPr marL="1371600" lvl="2" indent="-298450">
               <a:spcBef>
                 <a:spcPts val="0"/>
               </a:spcBef>
@@ -387,7 +400,7 @@
               <a:buChar char="■"/>
               <a:defRPr sz="1100"/>
             </a:lvl3pPr>
-            <a:lvl4pPr indent="-298450" lvl="3" marL="1828800">
+            <a:lvl4pPr marL="1828800" lvl="3" indent="-298450">
               <a:spcBef>
                 <a:spcPts val="0"/>
               </a:spcBef>
@@ -398,7 +411,7 @@
               <a:buChar char="●"/>
               <a:defRPr sz="1100"/>
             </a:lvl4pPr>
-            <a:lvl5pPr indent="-298450" lvl="4" marL="2286000">
+            <a:lvl5pPr marL="2286000" lvl="4" indent="-298450">
               <a:spcBef>
                 <a:spcPts val="0"/>
               </a:spcBef>
@@ -409,7 +422,7 @@
               <a:buChar char="○"/>
               <a:defRPr sz="1100"/>
             </a:lvl5pPr>
-            <a:lvl6pPr indent="-298450" lvl="5" marL="2743200">
+            <a:lvl6pPr marL="2743200" lvl="5" indent="-298450">
               <a:spcBef>
                 <a:spcPts val="0"/>
               </a:spcBef>
@@ -420,7 +433,7 @@
               <a:buChar char="■"/>
               <a:defRPr sz="1100"/>
             </a:lvl6pPr>
-            <a:lvl7pPr indent="-298450" lvl="6" marL="3200400">
+            <a:lvl7pPr marL="3200400" lvl="6" indent="-298450">
               <a:spcBef>
                 <a:spcPts val="0"/>
               </a:spcBef>
@@ -431,7 +444,7 @@
               <a:buChar char="●"/>
               <a:defRPr sz="1100"/>
             </a:lvl7pPr>
-            <a:lvl8pPr indent="-298450" lvl="7" marL="3657600">
+            <a:lvl8pPr marL="3657600" lvl="7" indent="-298450">
               <a:spcBef>
                 <a:spcPts val="0"/>
               </a:spcBef>
@@ -442,7 +455,7 @@
               <a:buChar char="○"/>
               <a:defRPr sz="1100"/>
             </a:lvl8pPr>
-            <a:lvl9pPr indent="-298450" lvl="8" marL="4114800">
+            <a:lvl9pPr marL="4114800" lvl="8" indent="-298450">
               <a:spcBef>
                 <a:spcPts val="0"/>
               </a:spcBef>
@@ -454,14 +467,16 @@
               <a:defRPr sz="1100"/>
             </a:lvl9pPr>
           </a:lstStyle>
-          <a:p/>
+          <a:p>
+            <a:endParaRPr/>
+          </a:p>
         </p:txBody>
       </p:sp>
     </p:spTree>
   </p:cSld>
-  <p:clrMap accent1="accent1" accent2="accent2" accent3="accent3" accent4="accent4" accent5="accent5" accent6="accent6" bg1="lt1" bg2="dk2" tx1="dk1" tx2="lt2" folHlink="folHlink" hlink="hlink"/>
+  <p:clrMap bg1="lt1" tx1="dk1" bg2="dk2" tx2="lt2" accent1="accent1" accent2="accent2" accent3="accent3" accent4="accent4" accent5="accent5" accent6="accent6" hlink="hlink" folHlink="folHlink"/>
   <p:notesStyle>
-    <a:defPPr lvl="0" marR="0" rtl="0" algn="l">
+    <a:defPPr marR="0" lvl="0" algn="l" rtl="0">
       <a:lnSpc>
         <a:spcPct val="100000"/>
       </a:lnSpc>
@@ -472,7 +487,7 @@
         <a:spcPts val="0"/>
       </a:spcAft>
     </a:defPPr>
-    <a:lvl1pPr lvl="0" marR="0" rtl="0" algn="l">
+    <a:lvl1pPr marR="0" lvl="0" algn="l" rtl="0">
       <a:lnSpc>
         <a:spcPct val="100000"/>
       </a:lnSpc>
@@ -486,7 +501,7 @@
         <a:srgbClr val="000000"/>
       </a:buClr>
       <a:buFont typeface="Arial"/>
-      <a:defRPr b="0" i="0" sz="1400" u="none" cap="none" strike="noStrike">
+      <a:defRPr sz="1400" b="0" i="0" u="none" strike="noStrike" cap="none">
         <a:solidFill>
           <a:srgbClr val="000000"/>
         </a:solidFill>
@@ -496,7 +511,7 @@
         <a:sym typeface="Arial"/>
       </a:defRPr>
     </a:lvl1pPr>
-    <a:lvl2pPr lvl="1" marR="0" rtl="0" algn="l">
+    <a:lvl2pPr marR="0" lvl="1" algn="l" rtl="0">
       <a:lnSpc>
         <a:spcPct val="100000"/>
       </a:lnSpc>
@@ -510,7 +525,7 @@
         <a:srgbClr val="000000"/>
       </a:buClr>
       <a:buFont typeface="Arial"/>
-      <a:defRPr b="0" i="0" sz="1400" u="none" cap="none" strike="noStrike">
+      <a:defRPr sz="1400" b="0" i="0" u="none" strike="noStrike" cap="none">
         <a:solidFill>
           <a:srgbClr val="000000"/>
         </a:solidFill>
@@ -520,7 +535,7 @@
         <a:sym typeface="Arial"/>
       </a:defRPr>
     </a:lvl2pPr>
-    <a:lvl3pPr lvl="2" marR="0" rtl="0" algn="l">
+    <a:lvl3pPr marR="0" lvl="2" algn="l" rtl="0">
       <a:lnSpc>
         <a:spcPct val="100000"/>
       </a:lnSpc>
@@ -534,7 +549,7 @@
         <a:srgbClr val="000000"/>
       </a:buClr>
       <a:buFont typeface="Arial"/>
-      <a:defRPr b="0" i="0" sz="1400" u="none" cap="none" strike="noStrike">
+      <a:defRPr sz="1400" b="0" i="0" u="none" strike="noStrike" cap="none">
         <a:solidFill>
           <a:srgbClr val="000000"/>
         </a:solidFill>
@@ -544,7 +559,7 @@
         <a:sym typeface="Arial"/>
       </a:defRPr>
     </a:lvl3pPr>
-    <a:lvl4pPr lvl="3" marR="0" rtl="0" algn="l">
+    <a:lvl4pPr marR="0" lvl="3" algn="l" rtl="0">
       <a:lnSpc>
         <a:spcPct val="100000"/>
       </a:lnSpc>
@@ -558,7 +573,7 @@
         <a:srgbClr val="000000"/>
       </a:buClr>
       <a:buFont typeface="Arial"/>
-      <a:defRPr b="0" i="0" sz="1400" u="none" cap="none" strike="noStrike">
+      <a:defRPr sz="1400" b="0" i="0" u="none" strike="noStrike" cap="none">
         <a:solidFill>
           <a:srgbClr val="000000"/>
         </a:solidFill>
@@ -568,7 +583,7 @@
         <a:sym typeface="Arial"/>
       </a:defRPr>
     </a:lvl4pPr>
-    <a:lvl5pPr lvl="4" marR="0" rtl="0" algn="l">
+    <a:lvl5pPr marR="0" lvl="4" algn="l" rtl="0">
       <a:lnSpc>
         <a:spcPct val="100000"/>
       </a:lnSpc>
@@ -582,7 +597,7 @@
         <a:srgbClr val="000000"/>
       </a:buClr>
       <a:buFont typeface="Arial"/>
-      <a:defRPr b="0" i="0" sz="1400" u="none" cap="none" strike="noStrike">
+      <a:defRPr sz="1400" b="0" i="0" u="none" strike="noStrike" cap="none">
         <a:solidFill>
           <a:srgbClr val="000000"/>
         </a:solidFill>
@@ -592,7 +607,7 @@
         <a:sym typeface="Arial"/>
       </a:defRPr>
     </a:lvl5pPr>
-    <a:lvl6pPr lvl="5" marR="0" rtl="0" algn="l">
+    <a:lvl6pPr marR="0" lvl="5" algn="l" rtl="0">
       <a:lnSpc>
         <a:spcPct val="100000"/>
       </a:lnSpc>
@@ -606,7 +621,7 @@
         <a:srgbClr val="000000"/>
       </a:buClr>
       <a:buFont typeface="Arial"/>
-      <a:defRPr b="0" i="0" sz="1400" u="none" cap="none" strike="noStrike">
+      <a:defRPr sz="1400" b="0" i="0" u="none" strike="noStrike" cap="none">
         <a:solidFill>
           <a:srgbClr val="000000"/>
         </a:solidFill>
@@ -616,7 +631,7 @@
         <a:sym typeface="Arial"/>
       </a:defRPr>
     </a:lvl6pPr>
-    <a:lvl7pPr lvl="6" marR="0" rtl="0" algn="l">
+    <a:lvl7pPr marR="0" lvl="6" algn="l" rtl="0">
       <a:lnSpc>
         <a:spcPct val="100000"/>
       </a:lnSpc>
@@ -630,7 +645,7 @@
         <a:srgbClr val="000000"/>
       </a:buClr>
       <a:buFont typeface="Arial"/>
-      <a:defRPr b="0" i="0" sz="1400" u="none" cap="none" strike="noStrike">
+      <a:defRPr sz="1400" b="0" i="0" u="none" strike="noStrike" cap="none">
         <a:solidFill>
           <a:srgbClr val="000000"/>
         </a:solidFill>
@@ -640,7 +655,7 @@
         <a:sym typeface="Arial"/>
       </a:defRPr>
     </a:lvl7pPr>
-    <a:lvl8pPr lvl="7" marR="0" rtl="0" algn="l">
+    <a:lvl8pPr marR="0" lvl="7" algn="l" rtl="0">
       <a:lnSpc>
         <a:spcPct val="100000"/>
       </a:lnSpc>
@@ -654,7 +669,7 @@
         <a:srgbClr val="000000"/>
       </a:buClr>
       <a:buFont typeface="Arial"/>
-      <a:defRPr b="0" i="0" sz="1400" u="none" cap="none" strike="noStrike">
+      <a:defRPr sz="1400" b="0" i="0" u="none" strike="noStrike" cap="none">
         <a:solidFill>
           <a:srgbClr val="000000"/>
         </a:solidFill>
@@ -664,7 +679,7 @@
         <a:sym typeface="Arial"/>
       </a:defRPr>
     </a:lvl8pPr>
-    <a:lvl9pPr lvl="8" marR="0" rtl="0" algn="l">
+    <a:lvl9pPr marR="0" lvl="8" algn="l" rtl="0">
       <a:lnSpc>
         <a:spcPct val="100000"/>
       </a:lnSpc>
@@ -678,7 +693,7 @@
         <a:srgbClr val="000000"/>
       </a:buClr>
       <a:buFont typeface="Arial"/>
-      <a:defRPr b="0" i="0" sz="1400" u="none" cap="none" strike="noStrike">
+      <a:defRPr sz="1400" b="0" i="0" u="none" strike="noStrike" cap="none">
         <a:solidFill>
           <a:srgbClr val="000000"/>
         </a:solidFill>
@@ -693,11 +708,11 @@
 </file>
 
 <file path=ppt/notesSlides/notesSlide1.xml><?xml version="1.0" encoding="utf-8"?>
-<p:notes xmlns:a="http://schemas.openxmlformats.org/drawingml/2006/main" xmlns:r="http://schemas.openxmlformats.org/officeDocument/2006/relationships" xmlns:mc="http://schemas.openxmlformats.org/markup-compatibility/2006" xmlns:mv="urn:schemas-microsoft-com:mac:vml" xmlns:p="http://schemas.openxmlformats.org/presentationml/2006/main" xmlns:c="http://schemas.openxmlformats.org/drawingml/2006/chart" xmlns:dgm="http://schemas.openxmlformats.org/drawingml/2006/diagram" xmlns:o="urn:schemas-microsoft-com:office:office" xmlns:v="urn:schemas-microsoft-com:vml" xmlns:pvml="urn:schemas-microsoft-com:office:powerpoint" xmlns:com="http://schemas.openxmlformats.org/drawingml/2006/compatibility" xmlns:p14="http://schemas.microsoft.com/office/powerpoint/2010/main" xmlns:p15="http://schemas.microsoft.com/office/powerpoint/2012/main" xmlns:ahyp="http://schemas.microsoft.com/office/drawing/2018/hyperlinkcolor" showMasterPhAnim="0" showMasterSp="0">
+<p:notes xmlns:a="http://schemas.openxmlformats.org/drawingml/2006/main" xmlns:r="http://schemas.openxmlformats.org/officeDocument/2006/relationships" xmlns:p="http://schemas.openxmlformats.org/presentationml/2006/main" showMasterSp="0" showMasterPhAnim="0">
   <p:cSld>
     <p:spTree>
       <p:nvGrpSpPr>
-        <p:cNvPr id="50" name="Shape 50"/>
+        <p:cNvPr id="1" name="Shape 50"/>
         <p:cNvGrpSpPr/>
         <p:nvPr/>
       </p:nvGrpSpPr>
@@ -712,20 +727,26 @@
       <p:sp>
         <p:nvSpPr>
           <p:cNvPr id="51" name="Google Shape;51;g214cbe4e85b_0_0:notes"/>
-          <p:cNvSpPr/>
+          <p:cNvSpPr>
+            <a:spLocks noGrp="1" noRot="1" noChangeAspect="1"/>
+          </p:cNvSpPr>
           <p:nvPr>
-            <p:ph idx="2" type="sldImg"/>
+            <p:ph type="sldImg" idx="2"/>
           </p:nvPr>
         </p:nvSpPr>
         <p:spPr>
           <a:xfrm>
-            <a:off x="381300" y="685800"/>
+            <a:off x="381000" y="685800"/>
             <a:ext cx="6096000" cy="3429000"/>
           </a:xfrm>
           <a:custGeom>
-            <a:rect b="b" l="l" r="r" t="t"/>
+            <a:avLst/>
+            <a:gdLst/>
+            <a:ahLst/>
+            <a:cxnLst/>
+            <a:rect l="l" t="t" r="r" b="b"/>
             <a:pathLst>
-              <a:path extrusionOk="0" h="120000" w="120000">
+              <a:path w="120000" h="120000" extrusionOk="0">
                 <a:moveTo>
                   <a:pt x="0" y="0"/>
                 </a:moveTo>
@@ -747,9 +768,11 @@
       <p:sp>
         <p:nvSpPr>
           <p:cNvPr id="52" name="Google Shape;52;g214cbe4e85b_0_0:notes"/>
-          <p:cNvSpPr txBox="1"/>
+          <p:cNvSpPr txBox="1">
+            <a:spLocks noGrp="1"/>
+          </p:cNvSpPr>
           <p:nvPr>
-            <p:ph idx="1" type="body"/>
+            <p:ph type="body" idx="1"/>
           </p:nvPr>
         </p:nvSpPr>
         <p:spPr>
@@ -762,12 +785,12 @@
           </a:prstGeom>
         </p:spPr>
         <p:txBody>
-          <a:bodyPr anchorCtr="0" anchor="t" bIns="91425" lIns="91425" spcFirstLastPara="1" rIns="91425" wrap="square" tIns="91425">
+          <a:bodyPr spcFirstLastPara="1" wrap="square" lIns="91425" tIns="91425" rIns="91425" bIns="91425" anchor="t" anchorCtr="0">
             <a:noAutofit/>
           </a:bodyPr>
           <a:lstStyle/>
           <a:p>
-            <a:pPr indent="0" lvl="0" marL="0" rtl="0" algn="l">
+            <a:pPr marL="0" lvl="0" indent="0" algn="l" rtl="0">
               <a:spcBef>
                 <a:spcPts val="0"/>
               </a:spcBef>
@@ -776,9 +799,6 @@
               </a:spcAft>
               <a:buNone/>
             </a:pPr>
-            <a:r>
-              <a:t/>
-            </a:r>
             <a:endParaRPr/>
           </a:p>
         </p:txBody>
@@ -792,11 +812,11 @@
 </file>
 
 <file path=ppt/notesSlides/notesSlide2.xml><?xml version="1.0" encoding="utf-8"?>
-<p:notes xmlns:a="http://schemas.openxmlformats.org/drawingml/2006/main" xmlns:r="http://schemas.openxmlformats.org/officeDocument/2006/relationships" xmlns:mc="http://schemas.openxmlformats.org/markup-compatibility/2006" xmlns:mv="urn:schemas-microsoft-com:mac:vml" xmlns:p="http://schemas.openxmlformats.org/presentationml/2006/main" xmlns:c="http://schemas.openxmlformats.org/drawingml/2006/chart" xmlns:dgm="http://schemas.openxmlformats.org/drawingml/2006/diagram" xmlns:o="urn:schemas-microsoft-com:office:office" xmlns:v="urn:schemas-microsoft-com:vml" xmlns:pvml="urn:schemas-microsoft-com:office:powerpoint" xmlns:com="http://schemas.openxmlformats.org/drawingml/2006/compatibility" xmlns:p14="http://schemas.microsoft.com/office/powerpoint/2010/main" xmlns:p15="http://schemas.microsoft.com/office/powerpoint/2012/main" xmlns:ahyp="http://schemas.microsoft.com/office/drawing/2018/hyperlinkcolor" showMasterPhAnim="0" showMasterSp="0">
+<p:notes xmlns:a="http://schemas.openxmlformats.org/drawingml/2006/main" xmlns:r="http://schemas.openxmlformats.org/officeDocument/2006/relationships" xmlns:p="http://schemas.openxmlformats.org/presentationml/2006/main" showMasterSp="0" showMasterPhAnim="0">
   <p:cSld>
     <p:spTree>
       <p:nvGrpSpPr>
-        <p:cNvPr id="65" name="Shape 65"/>
+        <p:cNvPr id="1" name="Shape 65"/>
         <p:cNvGrpSpPr/>
         <p:nvPr/>
       </p:nvGrpSpPr>
@@ -811,20 +831,26 @@
       <p:sp>
         <p:nvSpPr>
           <p:cNvPr id="66" name="Google Shape;66;g214cbe4e85b_0_157:notes"/>
-          <p:cNvSpPr/>
+          <p:cNvSpPr>
+            <a:spLocks noGrp="1" noRot="1" noChangeAspect="1"/>
+          </p:cNvSpPr>
           <p:nvPr>
-            <p:ph idx="2" type="sldImg"/>
+            <p:ph type="sldImg" idx="2"/>
           </p:nvPr>
         </p:nvSpPr>
         <p:spPr>
           <a:xfrm>
-            <a:off x="381300" y="685800"/>
+            <a:off x="381000" y="685800"/>
             <a:ext cx="6096000" cy="3429000"/>
           </a:xfrm>
           <a:custGeom>
-            <a:rect b="b" l="l" r="r" t="t"/>
+            <a:avLst/>
+            <a:gdLst/>
+            <a:ahLst/>
+            <a:cxnLst/>
+            <a:rect l="l" t="t" r="r" b="b"/>
             <a:pathLst>
-              <a:path extrusionOk="0" h="120000" w="120000">
+              <a:path w="120000" h="120000" extrusionOk="0">
                 <a:moveTo>
                   <a:pt x="0" y="0"/>
                 </a:moveTo>
@@ -846,9 +872,11 @@
       <p:sp>
         <p:nvSpPr>
           <p:cNvPr id="67" name="Google Shape;67;g214cbe4e85b_0_157:notes"/>
-          <p:cNvSpPr txBox="1"/>
+          <p:cNvSpPr txBox="1">
+            <a:spLocks noGrp="1"/>
+          </p:cNvSpPr>
           <p:nvPr>
-            <p:ph idx="1" type="body"/>
+            <p:ph type="body" idx="1"/>
           </p:nvPr>
         </p:nvSpPr>
         <p:spPr>
@@ -861,12 +889,12 @@
           </a:prstGeom>
         </p:spPr>
         <p:txBody>
-          <a:bodyPr anchorCtr="0" anchor="t" bIns="91425" lIns="91425" spcFirstLastPara="1" rIns="91425" wrap="square" tIns="91425">
+          <a:bodyPr spcFirstLastPara="1" wrap="square" lIns="91425" tIns="91425" rIns="91425" bIns="91425" anchor="t" anchorCtr="0">
             <a:noAutofit/>
           </a:bodyPr>
           <a:lstStyle/>
           <a:p>
-            <a:pPr indent="0" lvl="0" marL="0" rtl="0" algn="l">
+            <a:pPr marL="0" lvl="0" indent="0" algn="l" rtl="0">
               <a:spcBef>
                 <a:spcPts val="0"/>
               </a:spcBef>
@@ -875,9 +903,6 @@
               </a:spcAft>
               <a:buNone/>
             </a:pPr>
-            <a:r>
-              <a:t/>
-            </a:r>
             <a:endParaRPr/>
           </a:p>
         </p:txBody>
@@ -891,11 +916,11 @@
 </file>
 
 <file path=ppt/notesSlides/notesSlide3.xml><?xml version="1.0" encoding="utf-8"?>
-<p:notes xmlns:a="http://schemas.openxmlformats.org/drawingml/2006/main" xmlns:r="http://schemas.openxmlformats.org/officeDocument/2006/relationships" xmlns:mc="http://schemas.openxmlformats.org/markup-compatibility/2006" xmlns:mv="urn:schemas-microsoft-com:mac:vml" xmlns:p="http://schemas.openxmlformats.org/presentationml/2006/main" xmlns:c="http://schemas.openxmlformats.org/drawingml/2006/chart" xmlns:dgm="http://schemas.openxmlformats.org/drawingml/2006/diagram" xmlns:o="urn:schemas-microsoft-com:office:office" xmlns:v="urn:schemas-microsoft-com:vml" xmlns:pvml="urn:schemas-microsoft-com:office:powerpoint" xmlns:com="http://schemas.openxmlformats.org/drawingml/2006/compatibility" xmlns:p14="http://schemas.microsoft.com/office/powerpoint/2010/main" xmlns:p15="http://schemas.microsoft.com/office/powerpoint/2012/main" xmlns:ahyp="http://schemas.microsoft.com/office/drawing/2018/hyperlinkcolor" showMasterPhAnim="0" showMasterSp="0">
+<p:notes xmlns:a="http://schemas.openxmlformats.org/drawingml/2006/main" xmlns:r="http://schemas.openxmlformats.org/officeDocument/2006/relationships" xmlns:p="http://schemas.openxmlformats.org/presentationml/2006/main" showMasterSp="0" showMasterPhAnim="0">
   <p:cSld>
     <p:spTree>
       <p:nvGrpSpPr>
-        <p:cNvPr id="78" name="Shape 78"/>
+        <p:cNvPr id="1" name="Shape 78"/>
         <p:cNvGrpSpPr/>
         <p:nvPr/>
       </p:nvGrpSpPr>
@@ -910,9 +935,11 @@
       <p:sp>
         <p:nvSpPr>
           <p:cNvPr id="79" name="Google Shape;79;g214cbe4e85b_0_188:notes"/>
-          <p:cNvSpPr/>
+          <p:cNvSpPr>
+            <a:spLocks noGrp="1" noRot="1" noChangeAspect="1"/>
+          </p:cNvSpPr>
           <p:nvPr>
-            <p:ph idx="2" type="sldImg"/>
+            <p:ph type="sldImg" idx="2"/>
           </p:nvPr>
         </p:nvSpPr>
         <p:spPr>
@@ -921,9 +948,13 @@
             <a:ext cx="6096000" cy="3429000"/>
           </a:xfrm>
           <a:custGeom>
-            <a:rect b="b" l="l" r="r" t="t"/>
+            <a:avLst/>
+            <a:gdLst/>
+            <a:ahLst/>
+            <a:cxnLst/>
+            <a:rect l="l" t="t" r="r" b="b"/>
             <a:pathLst>
-              <a:path extrusionOk="0" h="120000" w="120000">
+              <a:path w="120000" h="120000" extrusionOk="0">
                 <a:moveTo>
                   <a:pt x="0" y="0"/>
                 </a:moveTo>
@@ -945,9 +976,11 @@
       <p:sp>
         <p:nvSpPr>
           <p:cNvPr id="80" name="Google Shape;80;g214cbe4e85b_0_188:notes"/>
-          <p:cNvSpPr txBox="1"/>
+          <p:cNvSpPr txBox="1">
+            <a:spLocks noGrp="1"/>
+          </p:cNvSpPr>
           <p:nvPr>
-            <p:ph idx="1" type="body"/>
+            <p:ph type="body" idx="1"/>
           </p:nvPr>
         </p:nvSpPr>
         <p:spPr>
@@ -960,12 +993,12 @@
           </a:prstGeom>
         </p:spPr>
         <p:txBody>
-          <a:bodyPr anchorCtr="0" anchor="t" bIns="91425" lIns="91425" spcFirstLastPara="1" rIns="91425" wrap="square" tIns="91425">
+          <a:bodyPr spcFirstLastPara="1" wrap="square" lIns="91425" tIns="91425" rIns="91425" bIns="91425" anchor="t" anchorCtr="0">
             <a:noAutofit/>
           </a:bodyPr>
           <a:lstStyle/>
           <a:p>
-            <a:pPr indent="0" lvl="0" marL="0" rtl="0" algn="l">
+            <a:pPr marL="0" lvl="0" indent="0" algn="l" rtl="0">
               <a:spcBef>
                 <a:spcPts val="0"/>
               </a:spcBef>
@@ -974,9 +1007,6 @@
               </a:spcAft>
               <a:buNone/>
             </a:pPr>
-            <a:r>
-              <a:t/>
-            </a:r>
             <a:endParaRPr/>
           </a:p>
         </p:txBody>
@@ -990,11 +1020,11 @@
 </file>
 
 <file path=ppt/notesSlides/notesSlide4.xml><?xml version="1.0" encoding="utf-8"?>
-<p:notes xmlns:a="http://schemas.openxmlformats.org/drawingml/2006/main" xmlns:r="http://schemas.openxmlformats.org/officeDocument/2006/relationships" xmlns:mc="http://schemas.openxmlformats.org/markup-compatibility/2006" xmlns:mv="urn:schemas-microsoft-com:mac:vml" xmlns:p="http://schemas.openxmlformats.org/presentationml/2006/main" xmlns:c="http://schemas.openxmlformats.org/drawingml/2006/chart" xmlns:dgm="http://schemas.openxmlformats.org/drawingml/2006/diagram" xmlns:o="urn:schemas-microsoft-com:office:office" xmlns:v="urn:schemas-microsoft-com:vml" xmlns:pvml="urn:schemas-microsoft-com:office:powerpoint" xmlns:com="http://schemas.openxmlformats.org/drawingml/2006/compatibility" xmlns:p14="http://schemas.microsoft.com/office/powerpoint/2010/main" xmlns:p15="http://schemas.microsoft.com/office/powerpoint/2012/main" xmlns:ahyp="http://schemas.microsoft.com/office/drawing/2018/hyperlinkcolor" showMasterPhAnim="0" showMasterSp="0">
+<p:notes xmlns:a="http://schemas.openxmlformats.org/drawingml/2006/main" xmlns:r="http://schemas.openxmlformats.org/officeDocument/2006/relationships" xmlns:p="http://schemas.openxmlformats.org/presentationml/2006/main" showMasterSp="0" showMasterPhAnim="0">
   <p:cSld>
     <p:spTree>
       <p:nvGrpSpPr>
-        <p:cNvPr id="93" name="Shape 93"/>
+        <p:cNvPr id="1" name="Shape 93"/>
         <p:cNvGrpSpPr/>
         <p:nvPr/>
       </p:nvGrpSpPr>
@@ -1009,9 +1039,11 @@
       <p:sp>
         <p:nvSpPr>
           <p:cNvPr id="94" name="Google Shape;94;g214cbe4e85b_0_176:notes"/>
-          <p:cNvSpPr/>
+          <p:cNvSpPr>
+            <a:spLocks noGrp="1" noRot="1" noChangeAspect="1"/>
+          </p:cNvSpPr>
           <p:nvPr>
-            <p:ph idx="2" type="sldImg"/>
+            <p:ph type="sldImg" idx="2"/>
           </p:nvPr>
         </p:nvSpPr>
         <p:spPr>
@@ -1020,9 +1052,13 @@
             <a:ext cx="6096000" cy="3429000"/>
           </a:xfrm>
           <a:custGeom>
-            <a:rect b="b" l="l" r="r" t="t"/>
+            <a:avLst/>
+            <a:gdLst/>
+            <a:ahLst/>
+            <a:cxnLst/>
+            <a:rect l="l" t="t" r="r" b="b"/>
             <a:pathLst>
-              <a:path extrusionOk="0" h="120000" w="120000">
+              <a:path w="120000" h="120000" extrusionOk="0">
                 <a:moveTo>
                   <a:pt x="0" y="0"/>
                 </a:moveTo>
@@ -1044,9 +1080,11 @@
       <p:sp>
         <p:nvSpPr>
           <p:cNvPr id="95" name="Google Shape;95;g214cbe4e85b_0_176:notes"/>
-          <p:cNvSpPr txBox="1"/>
+          <p:cNvSpPr txBox="1">
+            <a:spLocks noGrp="1"/>
+          </p:cNvSpPr>
           <p:nvPr>
-            <p:ph idx="1" type="body"/>
+            <p:ph type="body" idx="1"/>
           </p:nvPr>
         </p:nvSpPr>
         <p:spPr>
@@ -1059,12 +1097,12 @@
           </a:prstGeom>
         </p:spPr>
         <p:txBody>
-          <a:bodyPr anchorCtr="0" anchor="t" bIns="91425" lIns="91425" spcFirstLastPara="1" rIns="91425" wrap="square" tIns="91425">
+          <a:bodyPr spcFirstLastPara="1" wrap="square" lIns="91425" tIns="91425" rIns="91425" bIns="91425" anchor="t" anchorCtr="0">
             <a:noAutofit/>
           </a:bodyPr>
           <a:lstStyle/>
           <a:p>
-            <a:pPr indent="0" lvl="0" marL="0" rtl="0" algn="l">
+            <a:pPr marL="0" lvl="0" indent="0" algn="l" rtl="0">
               <a:spcBef>
                 <a:spcPts val="0"/>
               </a:spcBef>
@@ -1073,9 +1111,6 @@
               </a:spcAft>
               <a:buNone/>
             </a:pPr>
-            <a:r>
-              <a:t/>
-            </a:r>
             <a:endParaRPr/>
           </a:p>
         </p:txBody>
@@ -1089,11 +1124,11 @@
 </file>
 
 <file path=ppt/notesSlides/notesSlide5.xml><?xml version="1.0" encoding="utf-8"?>
-<p:notes xmlns:a="http://schemas.openxmlformats.org/drawingml/2006/main" xmlns:r="http://schemas.openxmlformats.org/officeDocument/2006/relationships" xmlns:mc="http://schemas.openxmlformats.org/markup-compatibility/2006" xmlns:mv="urn:schemas-microsoft-com:mac:vml" xmlns:p="http://schemas.openxmlformats.org/presentationml/2006/main" xmlns:c="http://schemas.openxmlformats.org/drawingml/2006/chart" xmlns:dgm="http://schemas.openxmlformats.org/drawingml/2006/diagram" xmlns:o="urn:schemas-microsoft-com:office:office" xmlns:v="urn:schemas-microsoft-com:vml" xmlns:pvml="urn:schemas-microsoft-com:office:powerpoint" xmlns:com="http://schemas.openxmlformats.org/drawingml/2006/compatibility" xmlns:p14="http://schemas.microsoft.com/office/powerpoint/2010/main" xmlns:p15="http://schemas.microsoft.com/office/powerpoint/2012/main" xmlns:ahyp="http://schemas.microsoft.com/office/drawing/2018/hyperlinkcolor" showMasterPhAnim="0" showMasterSp="0">
+<p:notes xmlns:a="http://schemas.openxmlformats.org/drawingml/2006/main" xmlns:r="http://schemas.openxmlformats.org/officeDocument/2006/relationships" xmlns:p="http://schemas.openxmlformats.org/presentationml/2006/main" showMasterSp="0" showMasterPhAnim="0">
   <p:cSld>
     <p:spTree>
       <p:nvGrpSpPr>
-        <p:cNvPr id="106" name="Shape 106"/>
+        <p:cNvPr id="1" name="Shape 106"/>
         <p:cNvGrpSpPr/>
         <p:nvPr/>
       </p:nvGrpSpPr>
@@ -1108,9 +1143,11 @@
       <p:sp>
         <p:nvSpPr>
           <p:cNvPr id="107" name="Google Shape;107;g214cbe4e85b_0_213:notes"/>
-          <p:cNvSpPr/>
+          <p:cNvSpPr>
+            <a:spLocks noGrp="1" noRot="1" noChangeAspect="1"/>
+          </p:cNvSpPr>
           <p:nvPr>
-            <p:ph idx="2" type="sldImg"/>
+            <p:ph type="sldImg" idx="2"/>
           </p:nvPr>
         </p:nvSpPr>
         <p:spPr>
@@ -1119,9 +1156,13 @@
             <a:ext cx="6096000" cy="3429000"/>
           </a:xfrm>
           <a:custGeom>
-            <a:rect b="b" l="l" r="r" t="t"/>
+            <a:avLst/>
+            <a:gdLst/>
+            <a:ahLst/>
+            <a:cxnLst/>
+            <a:rect l="l" t="t" r="r" b="b"/>
             <a:pathLst>
-              <a:path extrusionOk="0" h="120000" w="120000">
+              <a:path w="120000" h="120000" extrusionOk="0">
                 <a:moveTo>
                   <a:pt x="0" y="0"/>
                 </a:moveTo>
@@ -1143,9 +1184,11 @@
       <p:sp>
         <p:nvSpPr>
           <p:cNvPr id="108" name="Google Shape;108;g214cbe4e85b_0_213:notes"/>
-          <p:cNvSpPr txBox="1"/>
+          <p:cNvSpPr txBox="1">
+            <a:spLocks noGrp="1"/>
+          </p:cNvSpPr>
           <p:nvPr>
-            <p:ph idx="1" type="body"/>
+            <p:ph type="body" idx="1"/>
           </p:nvPr>
         </p:nvSpPr>
         <p:spPr>
@@ -1158,12 +1201,12 @@
           </a:prstGeom>
         </p:spPr>
         <p:txBody>
-          <a:bodyPr anchorCtr="0" anchor="t" bIns="91425" lIns="91425" spcFirstLastPara="1" rIns="91425" wrap="square" tIns="91425">
+          <a:bodyPr spcFirstLastPara="1" wrap="square" lIns="91425" tIns="91425" rIns="91425" bIns="91425" anchor="t" anchorCtr="0">
             <a:noAutofit/>
           </a:bodyPr>
           <a:lstStyle/>
           <a:p>
-            <a:pPr indent="0" lvl="0" marL="0" rtl="0" algn="l">
+            <a:pPr marL="0" lvl="0" indent="0" algn="l" rtl="0">
               <a:spcBef>
                 <a:spcPts val="0"/>
               </a:spcBef>
@@ -1172,9 +1215,6 @@
               </a:spcAft>
               <a:buNone/>
             </a:pPr>
-            <a:r>
-              <a:t/>
-            </a:r>
             <a:endParaRPr/>
           </a:p>
         </p:txBody>
@@ -1188,11 +1228,11 @@
 </file>
 
 <file path=ppt/notesSlides/notesSlide6.xml><?xml version="1.0" encoding="utf-8"?>
-<p:notes xmlns:a="http://schemas.openxmlformats.org/drawingml/2006/main" xmlns:r="http://schemas.openxmlformats.org/officeDocument/2006/relationships" xmlns:mc="http://schemas.openxmlformats.org/markup-compatibility/2006" xmlns:mv="urn:schemas-microsoft-com:mac:vml" xmlns:p="http://schemas.openxmlformats.org/presentationml/2006/main" xmlns:c="http://schemas.openxmlformats.org/drawingml/2006/chart" xmlns:dgm="http://schemas.openxmlformats.org/drawingml/2006/diagram" xmlns:o="urn:schemas-microsoft-com:office:office" xmlns:v="urn:schemas-microsoft-com:vml" xmlns:pvml="urn:schemas-microsoft-com:office:powerpoint" xmlns:com="http://schemas.openxmlformats.org/drawingml/2006/compatibility" xmlns:p14="http://schemas.microsoft.com/office/powerpoint/2010/main" xmlns:p15="http://schemas.microsoft.com/office/powerpoint/2012/main" xmlns:ahyp="http://schemas.microsoft.com/office/drawing/2018/hyperlinkcolor" showMasterPhAnim="0" showMasterSp="0">
+<p:notes xmlns:a="http://schemas.openxmlformats.org/drawingml/2006/main" xmlns:r="http://schemas.openxmlformats.org/officeDocument/2006/relationships" xmlns:p="http://schemas.openxmlformats.org/presentationml/2006/main" showMasterSp="0" showMasterPhAnim="0">
   <p:cSld>
     <p:spTree>
       <p:nvGrpSpPr>
-        <p:cNvPr id="117" name="Shape 117"/>
+        <p:cNvPr id="1" name="Shape 117"/>
         <p:cNvGrpSpPr/>
         <p:nvPr/>
       </p:nvGrpSpPr>
@@ -1207,20 +1247,26 @@
       <p:sp>
         <p:nvSpPr>
           <p:cNvPr id="118" name="Google Shape;118;g214cbe4e85b_0_228:notes"/>
-          <p:cNvSpPr/>
+          <p:cNvSpPr>
+            <a:spLocks noGrp="1" noRot="1" noChangeAspect="1"/>
+          </p:cNvSpPr>
           <p:nvPr>
-            <p:ph idx="2" type="sldImg"/>
+            <p:ph type="sldImg" idx="2"/>
           </p:nvPr>
         </p:nvSpPr>
         <p:spPr>
           <a:xfrm>
-            <a:off x="381300" y="685800"/>
+            <a:off x="381000" y="685800"/>
             <a:ext cx="6096000" cy="3429000"/>
           </a:xfrm>
           <a:custGeom>
-            <a:rect b="b" l="l" r="r" t="t"/>
+            <a:avLst/>
+            <a:gdLst/>
+            <a:ahLst/>
+            <a:cxnLst/>
+            <a:rect l="l" t="t" r="r" b="b"/>
             <a:pathLst>
-              <a:path extrusionOk="0" h="120000" w="120000">
+              <a:path w="120000" h="120000" extrusionOk="0">
                 <a:moveTo>
                   <a:pt x="0" y="0"/>
                 </a:moveTo>
@@ -1242,9 +1288,11 @@
       <p:sp>
         <p:nvSpPr>
           <p:cNvPr id="119" name="Google Shape;119;g214cbe4e85b_0_228:notes"/>
-          <p:cNvSpPr txBox="1"/>
+          <p:cNvSpPr txBox="1">
+            <a:spLocks noGrp="1"/>
+          </p:cNvSpPr>
           <p:nvPr>
-            <p:ph idx="1" type="body"/>
+            <p:ph type="body" idx="1"/>
           </p:nvPr>
         </p:nvSpPr>
         <p:spPr>
@@ -1257,12 +1305,12 @@
           </a:prstGeom>
         </p:spPr>
         <p:txBody>
-          <a:bodyPr anchorCtr="0" anchor="t" bIns="91425" lIns="91425" spcFirstLastPara="1" rIns="91425" wrap="square" tIns="91425">
+          <a:bodyPr spcFirstLastPara="1" wrap="square" lIns="91425" tIns="91425" rIns="91425" bIns="91425" anchor="t" anchorCtr="0">
             <a:noAutofit/>
           </a:bodyPr>
           <a:lstStyle/>
           <a:p>
-            <a:pPr indent="0" lvl="0" marL="0" rtl="0" algn="l">
+            <a:pPr marL="0" lvl="0" indent="0" algn="l" rtl="0">
               <a:spcBef>
                 <a:spcPts val="0"/>
               </a:spcBef>
@@ -1271,9 +1319,6 @@
               </a:spcAft>
               <a:buNone/>
             </a:pPr>
-            <a:r>
-              <a:t/>
-            </a:r>
             <a:endParaRPr/>
           </a:p>
         </p:txBody>
@@ -1287,11 +1332,11 @@
 </file>
 
 <file path=ppt/notesSlides/notesSlide7.xml><?xml version="1.0" encoding="utf-8"?>
-<p:notes xmlns:a="http://schemas.openxmlformats.org/drawingml/2006/main" xmlns:r="http://schemas.openxmlformats.org/officeDocument/2006/relationships" xmlns:mc="http://schemas.openxmlformats.org/markup-compatibility/2006" xmlns:mv="urn:schemas-microsoft-com:mac:vml" xmlns:p="http://schemas.openxmlformats.org/presentationml/2006/main" xmlns:c="http://schemas.openxmlformats.org/drawingml/2006/chart" xmlns:dgm="http://schemas.openxmlformats.org/drawingml/2006/diagram" xmlns:o="urn:schemas-microsoft-com:office:office" xmlns:v="urn:schemas-microsoft-com:vml" xmlns:pvml="urn:schemas-microsoft-com:office:powerpoint" xmlns:com="http://schemas.openxmlformats.org/drawingml/2006/compatibility" xmlns:p14="http://schemas.microsoft.com/office/powerpoint/2010/main" xmlns:p15="http://schemas.microsoft.com/office/powerpoint/2012/main" xmlns:ahyp="http://schemas.microsoft.com/office/drawing/2018/hyperlinkcolor" showMasterPhAnim="0" showMasterSp="0">
+<p:notes xmlns:a="http://schemas.openxmlformats.org/drawingml/2006/main" xmlns:r="http://schemas.openxmlformats.org/officeDocument/2006/relationships" xmlns:p="http://schemas.openxmlformats.org/presentationml/2006/main" showMasterSp="0" showMasterPhAnim="0">
   <p:cSld>
     <p:spTree>
       <p:nvGrpSpPr>
-        <p:cNvPr id="130" name="Shape 130"/>
+        <p:cNvPr id="1" name="Shape 130"/>
         <p:cNvGrpSpPr/>
         <p:nvPr/>
       </p:nvGrpSpPr>
@@ -1306,20 +1351,26 @@
       <p:sp>
         <p:nvSpPr>
           <p:cNvPr id="131" name="Google Shape;131;g214cbe4e85b_0_247:notes"/>
-          <p:cNvSpPr/>
+          <p:cNvSpPr>
+            <a:spLocks noGrp="1" noRot="1" noChangeAspect="1"/>
+          </p:cNvSpPr>
           <p:nvPr>
-            <p:ph idx="2" type="sldImg"/>
+            <p:ph type="sldImg" idx="2"/>
           </p:nvPr>
         </p:nvSpPr>
         <p:spPr>
           <a:xfrm>
-            <a:off x="381300" y="685800"/>
+            <a:off x="381000" y="685800"/>
             <a:ext cx="6096000" cy="3429000"/>
           </a:xfrm>
           <a:custGeom>
-            <a:rect b="b" l="l" r="r" t="t"/>
+            <a:avLst/>
+            <a:gdLst/>
+            <a:ahLst/>
+            <a:cxnLst/>
+            <a:rect l="l" t="t" r="r" b="b"/>
             <a:pathLst>
-              <a:path extrusionOk="0" h="120000" w="120000">
+              <a:path w="120000" h="120000" extrusionOk="0">
                 <a:moveTo>
                   <a:pt x="0" y="0"/>
                 </a:moveTo>
@@ -1341,9 +1392,11 @@
       <p:sp>
         <p:nvSpPr>
           <p:cNvPr id="132" name="Google Shape;132;g214cbe4e85b_0_247:notes"/>
-          <p:cNvSpPr txBox="1"/>
+          <p:cNvSpPr txBox="1">
+            <a:spLocks noGrp="1"/>
+          </p:cNvSpPr>
           <p:nvPr>
-            <p:ph idx="1" type="body"/>
+            <p:ph type="body" idx="1"/>
           </p:nvPr>
         </p:nvSpPr>
         <p:spPr>
@@ -1356,12 +1409,12 @@
           </a:prstGeom>
         </p:spPr>
         <p:txBody>
-          <a:bodyPr anchorCtr="0" anchor="t" bIns="91425" lIns="91425" spcFirstLastPara="1" rIns="91425" wrap="square" tIns="91425">
+          <a:bodyPr spcFirstLastPara="1" wrap="square" lIns="91425" tIns="91425" rIns="91425" bIns="91425" anchor="t" anchorCtr="0">
             <a:noAutofit/>
           </a:bodyPr>
           <a:lstStyle/>
           <a:p>
-            <a:pPr indent="0" lvl="0" marL="0" rtl="0" algn="l">
+            <a:pPr marL="0" lvl="0" indent="0" algn="l" rtl="0">
               <a:spcBef>
                 <a:spcPts val="0"/>
               </a:spcBef>
@@ -1370,9 +1423,6 @@
               </a:spcAft>
               <a:buNone/>
             </a:pPr>
-            <a:r>
-              <a:t/>
-            </a:r>
             <a:endParaRPr/>
           </a:p>
         </p:txBody>
@@ -1386,11 +1436,11 @@
 </file>
 
 <file path=ppt/slideLayouts/slideLayout1.xml><?xml version="1.0" encoding="utf-8"?>
-<p:sldLayout xmlns:a="http://schemas.openxmlformats.org/drawingml/2006/main" xmlns:r="http://schemas.openxmlformats.org/officeDocument/2006/relationships" xmlns:mc="http://schemas.openxmlformats.org/markup-compatibility/2006" xmlns:mv="urn:schemas-microsoft-com:mac:vml" xmlns:p="http://schemas.openxmlformats.org/presentationml/2006/main" xmlns:c="http://schemas.openxmlformats.org/drawingml/2006/chart" xmlns:dgm="http://schemas.openxmlformats.org/drawingml/2006/diagram" xmlns:o="urn:schemas-microsoft-com:office:office" xmlns:v="urn:schemas-microsoft-com:vml" xmlns:pvml="urn:schemas-microsoft-com:office:powerpoint" xmlns:com="http://schemas.openxmlformats.org/drawingml/2006/compatibility" xmlns:p14="http://schemas.microsoft.com/office/powerpoint/2010/main" xmlns:p15="http://schemas.microsoft.com/office/powerpoint/2012/main" xmlns:ahyp="http://schemas.microsoft.com/office/drawing/2018/hyperlinkcolor" matchingName="Title slide" type="title">
+<p:sldLayout xmlns:a="http://schemas.openxmlformats.org/drawingml/2006/main" xmlns:r="http://schemas.openxmlformats.org/officeDocument/2006/relationships" xmlns:p="http://schemas.openxmlformats.org/presentationml/2006/main" matchingName="Title slide" type="title">
   <p:cSld name="TITLE">
     <p:spTree>
       <p:nvGrpSpPr>
-        <p:cNvPr id="9" name="Shape 9"/>
+        <p:cNvPr id="1" name="Shape 9"/>
         <p:cNvGrpSpPr/>
         <p:nvPr/>
       </p:nvGrpSpPr>
@@ -1405,7 +1455,9 @@
       <p:sp>
         <p:nvSpPr>
           <p:cNvPr id="10" name="Google Shape;10;p2"/>
-          <p:cNvSpPr txBox="1"/>
+          <p:cNvSpPr txBox="1">
+            <a:spLocks noGrp="1"/>
+          </p:cNvSpPr>
           <p:nvPr>
             <p:ph type="ctrTitle"/>
           </p:nvPr>
@@ -1420,7 +1472,7 @@
           </a:prstGeom>
         </p:spPr>
         <p:txBody>
-          <a:bodyPr anchorCtr="0" anchor="b" bIns="91425" lIns="91425" spcFirstLastPara="1" rIns="91425" wrap="square" tIns="91425">
+          <a:bodyPr spcFirstLastPara="1" wrap="square" lIns="91425" tIns="91425" rIns="91425" bIns="91425" anchor="b" anchorCtr="0">
             <a:normAutofit/>
           </a:bodyPr>
           <a:lstStyle>
@@ -1524,15 +1576,19 @@
               <a:defRPr sz="5200"/>
             </a:lvl9pPr>
           </a:lstStyle>
-          <a:p/>
+          <a:p>
+            <a:endParaRPr/>
+          </a:p>
         </p:txBody>
       </p:sp>
       <p:sp>
         <p:nvSpPr>
           <p:cNvPr id="11" name="Google Shape;11;p2"/>
-          <p:cNvSpPr txBox="1"/>
+          <p:cNvSpPr txBox="1">
+            <a:spLocks noGrp="1"/>
+          </p:cNvSpPr>
           <p:nvPr>
-            <p:ph idx="1" type="subTitle"/>
+            <p:ph type="subTitle" idx="1"/>
           </p:nvPr>
         </p:nvSpPr>
         <p:spPr>
@@ -1545,7 +1601,7 @@
           </a:prstGeom>
         </p:spPr>
         <p:txBody>
-          <a:bodyPr anchorCtr="0" anchor="t" bIns="91425" lIns="91425" spcFirstLastPara="1" rIns="91425" wrap="square" tIns="91425">
+          <a:bodyPr spcFirstLastPara="1" wrap="square" lIns="91425" tIns="91425" rIns="91425" bIns="91425" anchor="t" anchorCtr="0">
             <a:normAutofit/>
           </a:bodyPr>
           <a:lstStyle>
@@ -1676,15 +1732,19 @@
               <a:defRPr sz="2800"/>
             </a:lvl9pPr>
           </a:lstStyle>
-          <a:p/>
+          <a:p>
+            <a:endParaRPr/>
+          </a:p>
         </p:txBody>
       </p:sp>
       <p:sp>
         <p:nvSpPr>
           <p:cNvPr id="12" name="Google Shape;12;p2"/>
-          <p:cNvSpPr txBox="1"/>
+          <p:cNvSpPr txBox="1">
+            <a:spLocks noGrp="1"/>
+          </p:cNvSpPr>
           <p:nvPr>
-            <p:ph idx="12" type="sldNum"/>
+            <p:ph type="sldNum" idx="12"/>
           </p:nvPr>
         </p:nvSpPr>
         <p:spPr>
@@ -1697,7 +1757,7 @@
           </a:prstGeom>
         </p:spPr>
         <p:txBody>
-          <a:bodyPr anchorCtr="0" anchor="ctr" bIns="91425" lIns="91425" spcFirstLastPara="1" rIns="91425" wrap="square" tIns="91425">
+          <a:bodyPr spcFirstLastPara="1" wrap="square" lIns="91425" tIns="91425" rIns="91425" bIns="91425" anchor="ctr" anchorCtr="0">
             <a:normAutofit/>
           </a:bodyPr>
           <a:lstStyle>
@@ -1739,7 +1799,7 @@
             </a:lvl9pPr>
           </a:lstStyle>
           <a:p>
-            <a:pPr indent="0" lvl="0" marL="0" rtl="0" algn="r">
+            <a:pPr marL="0" lvl="0" indent="0" algn="r" rtl="0">
               <a:spcBef>
                 <a:spcPts val="0"/>
               </a:spcBef>
@@ -1765,11 +1825,11 @@
 </file>
 
 <file path=ppt/slideLayouts/slideLayout10.xml><?xml version="1.0" encoding="utf-8"?>
-<p:sldLayout xmlns:a="http://schemas.openxmlformats.org/drawingml/2006/main" xmlns:r="http://schemas.openxmlformats.org/officeDocument/2006/relationships" xmlns:mc="http://schemas.openxmlformats.org/markup-compatibility/2006" xmlns:mv="urn:schemas-microsoft-com:mac:vml" xmlns:p="http://schemas.openxmlformats.org/presentationml/2006/main" xmlns:c="http://schemas.openxmlformats.org/drawingml/2006/chart" xmlns:dgm="http://schemas.openxmlformats.org/drawingml/2006/diagram" xmlns:o="urn:schemas-microsoft-com:office:office" xmlns:v="urn:schemas-microsoft-com:vml" xmlns:pvml="urn:schemas-microsoft-com:office:powerpoint" xmlns:com="http://schemas.openxmlformats.org/drawingml/2006/compatibility" xmlns:p14="http://schemas.microsoft.com/office/powerpoint/2010/main" xmlns:p15="http://schemas.microsoft.com/office/powerpoint/2012/main" xmlns:ahyp="http://schemas.microsoft.com/office/drawing/2018/hyperlinkcolor" matchingName="Big number">
+<p:sldLayout xmlns:a="http://schemas.openxmlformats.org/drawingml/2006/main" xmlns:r="http://schemas.openxmlformats.org/officeDocument/2006/relationships" xmlns:p="http://schemas.openxmlformats.org/presentationml/2006/main" matchingName="Big number">
   <p:cSld name="BIG_NUMBER">
     <p:spTree>
       <p:nvGrpSpPr>
-        <p:cNvPr id="44" name="Shape 44"/>
+        <p:cNvPr id="1" name="Shape 44"/>
         <p:cNvGrpSpPr/>
         <p:nvPr/>
       </p:nvGrpSpPr>
@@ -1784,9 +1844,11 @@
       <p:sp>
         <p:nvSpPr>
           <p:cNvPr id="45" name="Google Shape;45;p11"/>
-          <p:cNvSpPr txBox="1"/>
+          <p:cNvSpPr txBox="1">
+            <a:spLocks noGrp="1"/>
+          </p:cNvSpPr>
           <p:nvPr>
-            <p:ph hasCustomPrompt="1" type="title"/>
+            <p:ph type="title" hasCustomPrompt="1"/>
           </p:nvPr>
         </p:nvSpPr>
         <p:spPr>
@@ -1799,7 +1861,7 @@
           </a:prstGeom>
         </p:spPr>
         <p:txBody>
-          <a:bodyPr anchorCtr="0" anchor="b" bIns="91425" lIns="91425" spcFirstLastPara="1" rIns="91425" wrap="square" tIns="91425">
+          <a:bodyPr spcFirstLastPara="1" wrap="square" lIns="91425" tIns="91425" rIns="91425" bIns="91425" anchor="b" anchorCtr="0">
             <a:normAutofit/>
           </a:bodyPr>
           <a:lstStyle>
@@ -1913,9 +1975,11 @@
       <p:sp>
         <p:nvSpPr>
           <p:cNvPr id="46" name="Google Shape;46;p11"/>
-          <p:cNvSpPr txBox="1"/>
+          <p:cNvSpPr txBox="1">
+            <a:spLocks noGrp="1"/>
+          </p:cNvSpPr>
           <p:nvPr>
-            <p:ph idx="1" type="body"/>
+            <p:ph type="body" idx="1"/>
           </p:nvPr>
         </p:nvSpPr>
         <p:spPr>
@@ -1928,11 +1992,11 @@
           </a:prstGeom>
         </p:spPr>
         <p:txBody>
-          <a:bodyPr anchorCtr="0" anchor="t" bIns="91425" lIns="91425" spcFirstLastPara="1" rIns="91425" wrap="square" tIns="91425">
+          <a:bodyPr spcFirstLastPara="1" wrap="square" lIns="91425" tIns="91425" rIns="91425" bIns="91425" anchor="t" anchorCtr="0">
             <a:normAutofit/>
           </a:bodyPr>
           <a:lstStyle>
-            <a:lvl1pPr indent="-342900" lvl="0" marL="457200" algn="ctr">
+            <a:lvl1pPr marL="457200" lvl="0" indent="-342900" algn="ctr">
               <a:spcBef>
                 <a:spcPts val="0"/>
               </a:spcBef>
@@ -1943,7 +2007,7 @@
               <a:buChar char="●"/>
               <a:defRPr/>
             </a:lvl1pPr>
-            <a:lvl2pPr indent="-317500" lvl="1" marL="914400" algn="ctr">
+            <a:lvl2pPr marL="914400" lvl="1" indent="-317500" algn="ctr">
               <a:spcBef>
                 <a:spcPts val="0"/>
               </a:spcBef>
@@ -1954,7 +2018,7 @@
               <a:buChar char="○"/>
               <a:defRPr/>
             </a:lvl2pPr>
-            <a:lvl3pPr indent="-317500" lvl="2" marL="1371600" algn="ctr">
+            <a:lvl3pPr marL="1371600" lvl="2" indent="-317500" algn="ctr">
               <a:spcBef>
                 <a:spcPts val="0"/>
               </a:spcBef>
@@ -1965,7 +2029,7 @@
               <a:buChar char="■"/>
               <a:defRPr/>
             </a:lvl3pPr>
-            <a:lvl4pPr indent="-317500" lvl="3" marL="1828800" algn="ctr">
+            <a:lvl4pPr marL="1828800" lvl="3" indent="-317500" algn="ctr">
               <a:spcBef>
                 <a:spcPts val="0"/>
               </a:spcBef>
@@ -1976,7 +2040,7 @@
               <a:buChar char="●"/>
               <a:defRPr/>
             </a:lvl4pPr>
-            <a:lvl5pPr indent="-317500" lvl="4" marL="2286000" algn="ctr">
+            <a:lvl5pPr marL="2286000" lvl="4" indent="-317500" algn="ctr">
               <a:spcBef>
                 <a:spcPts val="0"/>
               </a:spcBef>
@@ -1987,7 +2051,7 @@
               <a:buChar char="○"/>
               <a:defRPr/>
             </a:lvl5pPr>
-            <a:lvl6pPr indent="-317500" lvl="5" marL="2743200" algn="ctr">
+            <a:lvl6pPr marL="2743200" lvl="5" indent="-317500" algn="ctr">
               <a:spcBef>
                 <a:spcPts val="0"/>
               </a:spcBef>
@@ -1998,7 +2062,7 @@
               <a:buChar char="■"/>
               <a:defRPr/>
             </a:lvl6pPr>
-            <a:lvl7pPr indent="-317500" lvl="6" marL="3200400" algn="ctr">
+            <a:lvl7pPr marL="3200400" lvl="6" indent="-317500" algn="ctr">
               <a:spcBef>
                 <a:spcPts val="0"/>
               </a:spcBef>
@@ -2009,7 +2073,7 @@
               <a:buChar char="●"/>
               <a:defRPr/>
             </a:lvl7pPr>
-            <a:lvl8pPr indent="-317500" lvl="7" marL="3657600" algn="ctr">
+            <a:lvl8pPr marL="3657600" lvl="7" indent="-317500" algn="ctr">
               <a:spcBef>
                 <a:spcPts val="0"/>
               </a:spcBef>
@@ -2020,7 +2084,7 @@
               <a:buChar char="○"/>
               <a:defRPr/>
             </a:lvl8pPr>
-            <a:lvl9pPr indent="-317500" lvl="8" marL="4114800" algn="ctr">
+            <a:lvl9pPr marL="4114800" lvl="8" indent="-317500" algn="ctr">
               <a:spcBef>
                 <a:spcPts val="0"/>
               </a:spcBef>
@@ -2032,15 +2096,19 @@
               <a:defRPr/>
             </a:lvl9pPr>
           </a:lstStyle>
-          <a:p/>
+          <a:p>
+            <a:endParaRPr/>
+          </a:p>
         </p:txBody>
       </p:sp>
       <p:sp>
         <p:nvSpPr>
           <p:cNvPr id="47" name="Google Shape;47;p11"/>
-          <p:cNvSpPr txBox="1"/>
+          <p:cNvSpPr txBox="1">
+            <a:spLocks noGrp="1"/>
+          </p:cNvSpPr>
           <p:nvPr>
-            <p:ph idx="12" type="sldNum"/>
+            <p:ph type="sldNum" idx="12"/>
           </p:nvPr>
         </p:nvSpPr>
         <p:spPr>
@@ -2053,7 +2121,7 @@
           </a:prstGeom>
         </p:spPr>
         <p:txBody>
-          <a:bodyPr anchorCtr="0" anchor="ctr" bIns="91425" lIns="91425" spcFirstLastPara="1" rIns="91425" wrap="square" tIns="91425">
+          <a:bodyPr spcFirstLastPara="1" wrap="square" lIns="91425" tIns="91425" rIns="91425" bIns="91425" anchor="ctr" anchorCtr="0">
             <a:normAutofit/>
           </a:bodyPr>
           <a:lstStyle>
@@ -2095,7 +2163,7 @@
             </a:lvl9pPr>
           </a:lstStyle>
           <a:p>
-            <a:pPr indent="0" lvl="0" marL="0" rtl="0" algn="r">
+            <a:pPr marL="0" lvl="0" indent="0" algn="r" rtl="0">
               <a:spcBef>
                 <a:spcPts val="0"/>
               </a:spcBef>
@@ -2121,11 +2189,11 @@
 </file>
 
 <file path=ppt/slideLayouts/slideLayout11.xml><?xml version="1.0" encoding="utf-8"?>
-<p:sldLayout xmlns:a="http://schemas.openxmlformats.org/drawingml/2006/main" xmlns:r="http://schemas.openxmlformats.org/officeDocument/2006/relationships" xmlns:mc="http://schemas.openxmlformats.org/markup-compatibility/2006" xmlns:mv="urn:schemas-microsoft-com:mac:vml" xmlns:p="http://schemas.openxmlformats.org/presentationml/2006/main" xmlns:c="http://schemas.openxmlformats.org/drawingml/2006/chart" xmlns:dgm="http://schemas.openxmlformats.org/drawingml/2006/diagram" xmlns:o="urn:schemas-microsoft-com:office:office" xmlns:v="urn:schemas-microsoft-com:vml" xmlns:pvml="urn:schemas-microsoft-com:office:powerpoint" xmlns:com="http://schemas.openxmlformats.org/drawingml/2006/compatibility" xmlns:p14="http://schemas.microsoft.com/office/powerpoint/2010/main" xmlns:p15="http://schemas.microsoft.com/office/powerpoint/2012/main" xmlns:ahyp="http://schemas.microsoft.com/office/drawing/2018/hyperlinkcolor" matchingName="Blank" type="blank">
+<p:sldLayout xmlns:a="http://schemas.openxmlformats.org/drawingml/2006/main" xmlns:r="http://schemas.openxmlformats.org/officeDocument/2006/relationships" xmlns:p="http://schemas.openxmlformats.org/presentationml/2006/main" matchingName="Blank" type="blank">
   <p:cSld name="BLANK">
     <p:spTree>
       <p:nvGrpSpPr>
-        <p:cNvPr id="48" name="Shape 48"/>
+        <p:cNvPr id="1" name="Shape 48"/>
         <p:cNvGrpSpPr/>
         <p:nvPr/>
       </p:nvGrpSpPr>
@@ -2140,9 +2208,11 @@
       <p:sp>
         <p:nvSpPr>
           <p:cNvPr id="49" name="Google Shape;49;p12"/>
-          <p:cNvSpPr txBox="1"/>
+          <p:cNvSpPr txBox="1">
+            <a:spLocks noGrp="1"/>
+          </p:cNvSpPr>
           <p:nvPr>
-            <p:ph idx="12" type="sldNum"/>
+            <p:ph type="sldNum" idx="12"/>
           </p:nvPr>
         </p:nvSpPr>
         <p:spPr>
@@ -2155,7 +2225,7 @@
           </a:prstGeom>
         </p:spPr>
         <p:txBody>
-          <a:bodyPr anchorCtr="0" anchor="ctr" bIns="91425" lIns="91425" spcFirstLastPara="1" rIns="91425" wrap="square" tIns="91425">
+          <a:bodyPr spcFirstLastPara="1" wrap="square" lIns="91425" tIns="91425" rIns="91425" bIns="91425" anchor="ctr" anchorCtr="0">
             <a:normAutofit/>
           </a:bodyPr>
           <a:lstStyle>
@@ -2197,7 +2267,7 @@
             </a:lvl9pPr>
           </a:lstStyle>
           <a:p>
-            <a:pPr indent="0" lvl="0" marL="0" rtl="0" algn="r">
+            <a:pPr marL="0" lvl="0" indent="0" algn="r" rtl="0">
               <a:spcBef>
                 <a:spcPts val="0"/>
               </a:spcBef>
@@ -2223,11 +2293,11 @@
 </file>
 
 <file path=ppt/slideLayouts/slideLayout2.xml><?xml version="1.0" encoding="utf-8"?>
-<p:sldLayout xmlns:a="http://schemas.openxmlformats.org/drawingml/2006/main" xmlns:r="http://schemas.openxmlformats.org/officeDocument/2006/relationships" xmlns:mc="http://schemas.openxmlformats.org/markup-compatibility/2006" xmlns:mv="urn:schemas-microsoft-com:mac:vml" xmlns:p="http://schemas.openxmlformats.org/presentationml/2006/main" xmlns:c="http://schemas.openxmlformats.org/drawingml/2006/chart" xmlns:dgm="http://schemas.openxmlformats.org/drawingml/2006/diagram" xmlns:o="urn:schemas-microsoft-com:office:office" xmlns:v="urn:schemas-microsoft-com:vml" xmlns:pvml="urn:schemas-microsoft-com:office:powerpoint" xmlns:com="http://schemas.openxmlformats.org/drawingml/2006/compatibility" xmlns:p14="http://schemas.microsoft.com/office/powerpoint/2010/main" xmlns:p15="http://schemas.microsoft.com/office/powerpoint/2012/main" xmlns:ahyp="http://schemas.microsoft.com/office/drawing/2018/hyperlinkcolor" matchingName="Section header" type="secHead">
+<p:sldLayout xmlns:a="http://schemas.openxmlformats.org/drawingml/2006/main" xmlns:r="http://schemas.openxmlformats.org/officeDocument/2006/relationships" xmlns:p="http://schemas.openxmlformats.org/presentationml/2006/main" matchingName="Section header" type="secHead">
   <p:cSld name="SECTION_HEADER">
     <p:spTree>
       <p:nvGrpSpPr>
-        <p:cNvPr id="13" name="Shape 13"/>
+        <p:cNvPr id="1" name="Shape 13"/>
         <p:cNvGrpSpPr/>
         <p:nvPr/>
       </p:nvGrpSpPr>
@@ -2242,7 +2312,9 @@
       <p:sp>
         <p:nvSpPr>
           <p:cNvPr id="14" name="Google Shape;14;p3"/>
-          <p:cNvSpPr txBox="1"/>
+          <p:cNvSpPr txBox="1">
+            <a:spLocks noGrp="1"/>
+          </p:cNvSpPr>
           <p:nvPr>
             <p:ph type="title"/>
           </p:nvPr>
@@ -2257,7 +2329,7 @@
           </a:prstGeom>
         </p:spPr>
         <p:txBody>
-          <a:bodyPr anchorCtr="0" anchor="ctr" bIns="91425" lIns="91425" spcFirstLastPara="1" rIns="91425" wrap="square" tIns="91425">
+          <a:bodyPr spcFirstLastPara="1" wrap="square" lIns="91425" tIns="91425" rIns="91425" bIns="91425" anchor="ctr" anchorCtr="0">
             <a:normAutofit/>
           </a:bodyPr>
           <a:lstStyle>
@@ -2361,15 +2433,19 @@
               <a:defRPr sz="3600"/>
             </a:lvl9pPr>
           </a:lstStyle>
-          <a:p/>
+          <a:p>
+            <a:endParaRPr/>
+          </a:p>
         </p:txBody>
       </p:sp>
       <p:sp>
         <p:nvSpPr>
           <p:cNvPr id="15" name="Google Shape;15;p3"/>
-          <p:cNvSpPr txBox="1"/>
+          <p:cNvSpPr txBox="1">
+            <a:spLocks noGrp="1"/>
+          </p:cNvSpPr>
           <p:nvPr>
-            <p:ph idx="12" type="sldNum"/>
+            <p:ph type="sldNum" idx="12"/>
           </p:nvPr>
         </p:nvSpPr>
         <p:spPr>
@@ -2382,7 +2458,7 @@
           </a:prstGeom>
         </p:spPr>
         <p:txBody>
-          <a:bodyPr anchorCtr="0" anchor="ctr" bIns="91425" lIns="91425" spcFirstLastPara="1" rIns="91425" wrap="square" tIns="91425">
+          <a:bodyPr spcFirstLastPara="1" wrap="square" lIns="91425" tIns="91425" rIns="91425" bIns="91425" anchor="ctr" anchorCtr="0">
             <a:normAutofit/>
           </a:bodyPr>
           <a:lstStyle>
@@ -2424,7 +2500,7 @@
             </a:lvl9pPr>
           </a:lstStyle>
           <a:p>
-            <a:pPr indent="0" lvl="0" marL="0" rtl="0" algn="r">
+            <a:pPr marL="0" lvl="0" indent="0" algn="r" rtl="0">
               <a:spcBef>
                 <a:spcPts val="0"/>
               </a:spcBef>
@@ -2450,11 +2526,11 @@
 </file>
 
 <file path=ppt/slideLayouts/slideLayout3.xml><?xml version="1.0" encoding="utf-8"?>
-<p:sldLayout xmlns:a="http://schemas.openxmlformats.org/drawingml/2006/main" xmlns:r="http://schemas.openxmlformats.org/officeDocument/2006/relationships" xmlns:mc="http://schemas.openxmlformats.org/markup-compatibility/2006" xmlns:mv="urn:schemas-microsoft-com:mac:vml" xmlns:p="http://schemas.openxmlformats.org/presentationml/2006/main" xmlns:c="http://schemas.openxmlformats.org/drawingml/2006/chart" xmlns:dgm="http://schemas.openxmlformats.org/drawingml/2006/diagram" xmlns:o="urn:schemas-microsoft-com:office:office" xmlns:v="urn:schemas-microsoft-com:vml" xmlns:pvml="urn:schemas-microsoft-com:office:powerpoint" xmlns:com="http://schemas.openxmlformats.org/drawingml/2006/compatibility" xmlns:p14="http://schemas.microsoft.com/office/powerpoint/2010/main" xmlns:p15="http://schemas.microsoft.com/office/powerpoint/2012/main" xmlns:ahyp="http://schemas.microsoft.com/office/drawing/2018/hyperlinkcolor" matchingName="Title and body" type="tx">
+<p:sldLayout xmlns:a="http://schemas.openxmlformats.org/drawingml/2006/main" xmlns:r="http://schemas.openxmlformats.org/officeDocument/2006/relationships" xmlns:p="http://schemas.openxmlformats.org/presentationml/2006/main" matchingName="Title and body" type="tx">
   <p:cSld name="TITLE_AND_BODY">
     <p:spTree>
       <p:nvGrpSpPr>
-        <p:cNvPr id="16" name="Shape 16"/>
+        <p:cNvPr id="1" name="Shape 16"/>
         <p:cNvGrpSpPr/>
         <p:nvPr/>
       </p:nvGrpSpPr>
@@ -2469,7 +2545,9 @@
       <p:sp>
         <p:nvSpPr>
           <p:cNvPr id="17" name="Google Shape;17;p4"/>
-          <p:cNvSpPr txBox="1"/>
+          <p:cNvSpPr txBox="1">
+            <a:spLocks noGrp="1"/>
+          </p:cNvSpPr>
           <p:nvPr>
             <p:ph type="title"/>
           </p:nvPr>
@@ -2484,7 +2562,7 @@
           </a:prstGeom>
         </p:spPr>
         <p:txBody>
-          <a:bodyPr anchorCtr="0" anchor="t" bIns="91425" lIns="91425" spcFirstLastPara="1" rIns="91425" wrap="square" tIns="91425">
+          <a:bodyPr spcFirstLastPara="1" wrap="square" lIns="91425" tIns="91425" rIns="91425" bIns="91425" anchor="t" anchorCtr="0">
             <a:normAutofit/>
           </a:bodyPr>
           <a:lstStyle>
@@ -2588,15 +2666,19 @@
               <a:defRPr/>
             </a:lvl9pPr>
           </a:lstStyle>
-          <a:p/>
+          <a:p>
+            <a:endParaRPr/>
+          </a:p>
         </p:txBody>
       </p:sp>
       <p:sp>
         <p:nvSpPr>
           <p:cNvPr id="18" name="Google Shape;18;p4"/>
-          <p:cNvSpPr txBox="1"/>
+          <p:cNvSpPr txBox="1">
+            <a:spLocks noGrp="1"/>
+          </p:cNvSpPr>
           <p:nvPr>
-            <p:ph idx="1" type="body"/>
+            <p:ph type="body" idx="1"/>
           </p:nvPr>
         </p:nvSpPr>
         <p:spPr>
@@ -2609,11 +2691,11 @@
           </a:prstGeom>
         </p:spPr>
         <p:txBody>
-          <a:bodyPr anchorCtr="0" anchor="t" bIns="91425" lIns="91425" spcFirstLastPara="1" rIns="91425" wrap="square" tIns="91425">
+          <a:bodyPr spcFirstLastPara="1" wrap="square" lIns="91425" tIns="91425" rIns="91425" bIns="91425" anchor="t" anchorCtr="0">
             <a:normAutofit/>
           </a:bodyPr>
           <a:lstStyle>
-            <a:lvl1pPr indent="-342900" lvl="0" marL="457200">
+            <a:lvl1pPr marL="457200" lvl="0" indent="-342900">
               <a:spcBef>
                 <a:spcPts val="0"/>
               </a:spcBef>
@@ -2624,7 +2706,7 @@
               <a:buChar char="●"/>
               <a:defRPr/>
             </a:lvl1pPr>
-            <a:lvl2pPr indent="-317500" lvl="1" marL="914400">
+            <a:lvl2pPr marL="914400" lvl="1" indent="-317500">
               <a:spcBef>
                 <a:spcPts val="0"/>
               </a:spcBef>
@@ -2635,7 +2717,7 @@
               <a:buChar char="○"/>
               <a:defRPr/>
             </a:lvl2pPr>
-            <a:lvl3pPr indent="-317500" lvl="2" marL="1371600">
+            <a:lvl3pPr marL="1371600" lvl="2" indent="-317500">
               <a:spcBef>
                 <a:spcPts val="0"/>
               </a:spcBef>
@@ -2646,7 +2728,7 @@
               <a:buChar char="■"/>
               <a:defRPr/>
             </a:lvl3pPr>
-            <a:lvl4pPr indent="-317500" lvl="3" marL="1828800">
+            <a:lvl4pPr marL="1828800" lvl="3" indent="-317500">
               <a:spcBef>
                 <a:spcPts val="0"/>
               </a:spcBef>
@@ -2657,7 +2739,7 @@
               <a:buChar char="●"/>
               <a:defRPr/>
             </a:lvl4pPr>
-            <a:lvl5pPr indent="-317500" lvl="4" marL="2286000">
+            <a:lvl5pPr marL="2286000" lvl="4" indent="-317500">
               <a:spcBef>
                 <a:spcPts val="0"/>
               </a:spcBef>
@@ -2668,7 +2750,7 @@
               <a:buChar char="○"/>
               <a:defRPr/>
             </a:lvl5pPr>
-            <a:lvl6pPr indent="-317500" lvl="5" marL="2743200">
+            <a:lvl6pPr marL="2743200" lvl="5" indent="-317500">
               <a:spcBef>
                 <a:spcPts val="0"/>
               </a:spcBef>
@@ -2679,7 +2761,7 @@
               <a:buChar char="■"/>
               <a:defRPr/>
             </a:lvl6pPr>
-            <a:lvl7pPr indent="-317500" lvl="6" marL="3200400">
+            <a:lvl7pPr marL="3200400" lvl="6" indent="-317500">
               <a:spcBef>
                 <a:spcPts val="0"/>
               </a:spcBef>
@@ -2690,7 +2772,7 @@
               <a:buChar char="●"/>
               <a:defRPr/>
             </a:lvl7pPr>
-            <a:lvl8pPr indent="-317500" lvl="7" marL="3657600">
+            <a:lvl8pPr marL="3657600" lvl="7" indent="-317500">
               <a:spcBef>
                 <a:spcPts val="0"/>
               </a:spcBef>
@@ -2701,7 +2783,7 @@
               <a:buChar char="○"/>
               <a:defRPr/>
             </a:lvl8pPr>
-            <a:lvl9pPr indent="-317500" lvl="8" marL="4114800">
+            <a:lvl9pPr marL="4114800" lvl="8" indent="-317500">
               <a:spcBef>
                 <a:spcPts val="0"/>
               </a:spcBef>
@@ -2713,15 +2795,19 @@
               <a:defRPr/>
             </a:lvl9pPr>
           </a:lstStyle>
-          <a:p/>
+          <a:p>
+            <a:endParaRPr/>
+          </a:p>
         </p:txBody>
       </p:sp>
       <p:sp>
         <p:nvSpPr>
           <p:cNvPr id="19" name="Google Shape;19;p4"/>
-          <p:cNvSpPr txBox="1"/>
+          <p:cNvSpPr txBox="1">
+            <a:spLocks noGrp="1"/>
+          </p:cNvSpPr>
           <p:nvPr>
-            <p:ph idx="12" type="sldNum"/>
+            <p:ph type="sldNum" idx="12"/>
           </p:nvPr>
         </p:nvSpPr>
         <p:spPr>
@@ -2734,7 +2820,7 @@
           </a:prstGeom>
         </p:spPr>
         <p:txBody>
-          <a:bodyPr anchorCtr="0" anchor="ctr" bIns="91425" lIns="91425" spcFirstLastPara="1" rIns="91425" wrap="square" tIns="91425">
+          <a:bodyPr spcFirstLastPara="1" wrap="square" lIns="91425" tIns="91425" rIns="91425" bIns="91425" anchor="ctr" anchorCtr="0">
             <a:normAutofit/>
           </a:bodyPr>
           <a:lstStyle>
@@ -2776,7 +2862,7 @@
             </a:lvl9pPr>
           </a:lstStyle>
           <a:p>
-            <a:pPr indent="0" lvl="0" marL="0" rtl="0" algn="r">
+            <a:pPr marL="0" lvl="0" indent="0" algn="r" rtl="0">
               <a:spcBef>
                 <a:spcPts val="0"/>
               </a:spcBef>
@@ -2802,11 +2888,11 @@
 </file>
 
 <file path=ppt/slideLayouts/slideLayout4.xml><?xml version="1.0" encoding="utf-8"?>
-<p:sldLayout xmlns:a="http://schemas.openxmlformats.org/drawingml/2006/main" xmlns:r="http://schemas.openxmlformats.org/officeDocument/2006/relationships" xmlns:mc="http://schemas.openxmlformats.org/markup-compatibility/2006" xmlns:mv="urn:schemas-microsoft-com:mac:vml" xmlns:p="http://schemas.openxmlformats.org/presentationml/2006/main" xmlns:c="http://schemas.openxmlformats.org/drawingml/2006/chart" xmlns:dgm="http://schemas.openxmlformats.org/drawingml/2006/diagram" xmlns:o="urn:schemas-microsoft-com:office:office" xmlns:v="urn:schemas-microsoft-com:vml" xmlns:pvml="urn:schemas-microsoft-com:office:powerpoint" xmlns:com="http://schemas.openxmlformats.org/drawingml/2006/compatibility" xmlns:p14="http://schemas.microsoft.com/office/powerpoint/2010/main" xmlns:p15="http://schemas.microsoft.com/office/powerpoint/2012/main" xmlns:ahyp="http://schemas.microsoft.com/office/drawing/2018/hyperlinkcolor" matchingName="Title and two columns" type="twoColTx">
+<p:sldLayout xmlns:a="http://schemas.openxmlformats.org/drawingml/2006/main" xmlns:r="http://schemas.openxmlformats.org/officeDocument/2006/relationships" xmlns:p="http://schemas.openxmlformats.org/presentationml/2006/main" matchingName="Title and two columns" type="twoColTx">
   <p:cSld name="TITLE_AND_TWO_COLUMNS">
     <p:spTree>
       <p:nvGrpSpPr>
-        <p:cNvPr id="20" name="Shape 20"/>
+        <p:cNvPr id="1" name="Shape 20"/>
         <p:cNvGrpSpPr/>
         <p:nvPr/>
       </p:nvGrpSpPr>
@@ -2821,7 +2907,9 @@
       <p:sp>
         <p:nvSpPr>
           <p:cNvPr id="21" name="Google Shape;21;p5"/>
-          <p:cNvSpPr txBox="1"/>
+          <p:cNvSpPr txBox="1">
+            <a:spLocks noGrp="1"/>
+          </p:cNvSpPr>
           <p:nvPr>
             <p:ph type="title"/>
           </p:nvPr>
@@ -2836,7 +2924,7 @@
           </a:prstGeom>
         </p:spPr>
         <p:txBody>
-          <a:bodyPr anchorCtr="0" anchor="t" bIns="91425" lIns="91425" spcFirstLastPara="1" rIns="91425" wrap="square" tIns="91425">
+          <a:bodyPr spcFirstLastPara="1" wrap="square" lIns="91425" tIns="91425" rIns="91425" bIns="91425" anchor="t" anchorCtr="0">
             <a:normAutofit/>
           </a:bodyPr>
           <a:lstStyle>
@@ -2940,15 +3028,19 @@
               <a:defRPr/>
             </a:lvl9pPr>
           </a:lstStyle>
-          <a:p/>
+          <a:p>
+            <a:endParaRPr/>
+          </a:p>
         </p:txBody>
       </p:sp>
       <p:sp>
         <p:nvSpPr>
           <p:cNvPr id="22" name="Google Shape;22;p5"/>
-          <p:cNvSpPr txBox="1"/>
+          <p:cNvSpPr txBox="1">
+            <a:spLocks noGrp="1"/>
+          </p:cNvSpPr>
           <p:nvPr>
-            <p:ph idx="1" type="body"/>
+            <p:ph type="body" idx="1"/>
           </p:nvPr>
         </p:nvSpPr>
         <p:spPr>
@@ -2961,11 +3053,11 @@
           </a:prstGeom>
         </p:spPr>
         <p:txBody>
-          <a:bodyPr anchorCtr="0" anchor="t" bIns="91425" lIns="91425" spcFirstLastPara="1" rIns="91425" wrap="square" tIns="91425">
+          <a:bodyPr spcFirstLastPara="1" wrap="square" lIns="91425" tIns="91425" rIns="91425" bIns="91425" anchor="t" anchorCtr="0">
             <a:normAutofit/>
           </a:bodyPr>
           <a:lstStyle>
-            <a:lvl1pPr indent="-317500" lvl="0" marL="457200">
+            <a:lvl1pPr marL="457200" lvl="0" indent="-317500">
               <a:spcBef>
                 <a:spcPts val="0"/>
               </a:spcBef>
@@ -2976,7 +3068,7 @@
               <a:buChar char="●"/>
               <a:defRPr sz="1400"/>
             </a:lvl1pPr>
-            <a:lvl2pPr indent="-304800" lvl="1" marL="914400">
+            <a:lvl2pPr marL="914400" lvl="1" indent="-304800">
               <a:spcBef>
                 <a:spcPts val="0"/>
               </a:spcBef>
@@ -2987,7 +3079,7 @@
               <a:buChar char="○"/>
               <a:defRPr sz="1200"/>
             </a:lvl2pPr>
-            <a:lvl3pPr indent="-304800" lvl="2" marL="1371600">
+            <a:lvl3pPr marL="1371600" lvl="2" indent="-304800">
               <a:spcBef>
                 <a:spcPts val="0"/>
               </a:spcBef>
@@ -2998,7 +3090,7 @@
               <a:buChar char="■"/>
               <a:defRPr sz="1200"/>
             </a:lvl3pPr>
-            <a:lvl4pPr indent="-304800" lvl="3" marL="1828800">
+            <a:lvl4pPr marL="1828800" lvl="3" indent="-304800">
               <a:spcBef>
                 <a:spcPts val="0"/>
               </a:spcBef>
@@ -3009,7 +3101,7 @@
               <a:buChar char="●"/>
               <a:defRPr sz="1200"/>
             </a:lvl4pPr>
-            <a:lvl5pPr indent="-304800" lvl="4" marL="2286000">
+            <a:lvl5pPr marL="2286000" lvl="4" indent="-304800">
               <a:spcBef>
                 <a:spcPts val="0"/>
               </a:spcBef>
@@ -3020,7 +3112,7 @@
               <a:buChar char="○"/>
               <a:defRPr sz="1200"/>
             </a:lvl5pPr>
-            <a:lvl6pPr indent="-304800" lvl="5" marL="2743200">
+            <a:lvl6pPr marL="2743200" lvl="5" indent="-304800">
               <a:spcBef>
                 <a:spcPts val="0"/>
               </a:spcBef>
@@ -3031,7 +3123,7 @@
               <a:buChar char="■"/>
               <a:defRPr sz="1200"/>
             </a:lvl6pPr>
-            <a:lvl7pPr indent="-304800" lvl="6" marL="3200400">
+            <a:lvl7pPr marL="3200400" lvl="6" indent="-304800">
               <a:spcBef>
                 <a:spcPts val="0"/>
               </a:spcBef>
@@ -3042,7 +3134,7 @@
               <a:buChar char="●"/>
               <a:defRPr sz="1200"/>
             </a:lvl7pPr>
-            <a:lvl8pPr indent="-304800" lvl="7" marL="3657600">
+            <a:lvl8pPr marL="3657600" lvl="7" indent="-304800">
               <a:spcBef>
                 <a:spcPts val="0"/>
               </a:spcBef>
@@ -3053,7 +3145,7 @@
               <a:buChar char="○"/>
               <a:defRPr sz="1200"/>
             </a:lvl8pPr>
-            <a:lvl9pPr indent="-304800" lvl="8" marL="4114800">
+            <a:lvl9pPr marL="4114800" lvl="8" indent="-304800">
               <a:spcBef>
                 <a:spcPts val="0"/>
               </a:spcBef>
@@ -3065,15 +3157,19 @@
               <a:defRPr sz="1200"/>
             </a:lvl9pPr>
           </a:lstStyle>
-          <a:p/>
+          <a:p>
+            <a:endParaRPr/>
+          </a:p>
         </p:txBody>
       </p:sp>
       <p:sp>
         <p:nvSpPr>
           <p:cNvPr id="23" name="Google Shape;23;p5"/>
-          <p:cNvSpPr txBox="1"/>
+          <p:cNvSpPr txBox="1">
+            <a:spLocks noGrp="1"/>
+          </p:cNvSpPr>
           <p:nvPr>
-            <p:ph idx="2" type="body"/>
+            <p:ph type="body" idx="2"/>
           </p:nvPr>
         </p:nvSpPr>
         <p:spPr>
@@ -3086,11 +3182,11 @@
           </a:prstGeom>
         </p:spPr>
         <p:txBody>
-          <a:bodyPr anchorCtr="0" anchor="t" bIns="91425" lIns="91425" spcFirstLastPara="1" rIns="91425" wrap="square" tIns="91425">
+          <a:bodyPr spcFirstLastPara="1" wrap="square" lIns="91425" tIns="91425" rIns="91425" bIns="91425" anchor="t" anchorCtr="0">
             <a:normAutofit/>
           </a:bodyPr>
           <a:lstStyle>
-            <a:lvl1pPr indent="-317500" lvl="0" marL="457200">
+            <a:lvl1pPr marL="457200" lvl="0" indent="-317500">
               <a:spcBef>
                 <a:spcPts val="0"/>
               </a:spcBef>
@@ -3101,7 +3197,7 @@
               <a:buChar char="●"/>
               <a:defRPr sz="1400"/>
             </a:lvl1pPr>
-            <a:lvl2pPr indent="-304800" lvl="1" marL="914400">
+            <a:lvl2pPr marL="914400" lvl="1" indent="-304800">
               <a:spcBef>
                 <a:spcPts val="0"/>
               </a:spcBef>
@@ -3112,7 +3208,7 @@
               <a:buChar char="○"/>
               <a:defRPr sz="1200"/>
             </a:lvl2pPr>
-            <a:lvl3pPr indent="-304800" lvl="2" marL="1371600">
+            <a:lvl3pPr marL="1371600" lvl="2" indent="-304800">
               <a:spcBef>
                 <a:spcPts val="0"/>
               </a:spcBef>
@@ -3123,7 +3219,7 @@
               <a:buChar char="■"/>
               <a:defRPr sz="1200"/>
             </a:lvl3pPr>
-            <a:lvl4pPr indent="-304800" lvl="3" marL="1828800">
+            <a:lvl4pPr marL="1828800" lvl="3" indent="-304800">
               <a:spcBef>
                 <a:spcPts val="0"/>
               </a:spcBef>
@@ -3134,7 +3230,7 @@
               <a:buChar char="●"/>
               <a:defRPr sz="1200"/>
             </a:lvl4pPr>
-            <a:lvl5pPr indent="-304800" lvl="4" marL="2286000">
+            <a:lvl5pPr marL="2286000" lvl="4" indent="-304800">
               <a:spcBef>
                 <a:spcPts val="0"/>
               </a:spcBef>
@@ -3145,7 +3241,7 @@
               <a:buChar char="○"/>
               <a:defRPr sz="1200"/>
             </a:lvl5pPr>
-            <a:lvl6pPr indent="-304800" lvl="5" marL="2743200">
+            <a:lvl6pPr marL="2743200" lvl="5" indent="-304800">
               <a:spcBef>
                 <a:spcPts val="0"/>
               </a:spcBef>
@@ -3156,7 +3252,7 @@
               <a:buChar char="■"/>
               <a:defRPr sz="1200"/>
             </a:lvl6pPr>
-            <a:lvl7pPr indent="-304800" lvl="6" marL="3200400">
+            <a:lvl7pPr marL="3200400" lvl="6" indent="-304800">
               <a:spcBef>
                 <a:spcPts val="0"/>
               </a:spcBef>
@@ -3167,7 +3263,7 @@
               <a:buChar char="●"/>
               <a:defRPr sz="1200"/>
             </a:lvl7pPr>
-            <a:lvl8pPr indent="-304800" lvl="7" marL="3657600">
+            <a:lvl8pPr marL="3657600" lvl="7" indent="-304800">
               <a:spcBef>
                 <a:spcPts val="0"/>
               </a:spcBef>
@@ -3178,7 +3274,7 @@
               <a:buChar char="○"/>
               <a:defRPr sz="1200"/>
             </a:lvl8pPr>
-            <a:lvl9pPr indent="-304800" lvl="8" marL="4114800">
+            <a:lvl9pPr marL="4114800" lvl="8" indent="-304800">
               <a:spcBef>
                 <a:spcPts val="0"/>
               </a:spcBef>
@@ -3190,15 +3286,19 @@
               <a:defRPr sz="1200"/>
             </a:lvl9pPr>
           </a:lstStyle>
-          <a:p/>
+          <a:p>
+            <a:endParaRPr/>
+          </a:p>
         </p:txBody>
       </p:sp>
       <p:sp>
         <p:nvSpPr>
           <p:cNvPr id="24" name="Google Shape;24;p5"/>
-          <p:cNvSpPr txBox="1"/>
+          <p:cNvSpPr txBox="1">
+            <a:spLocks noGrp="1"/>
+          </p:cNvSpPr>
           <p:nvPr>
-            <p:ph idx="12" type="sldNum"/>
+            <p:ph type="sldNum" idx="12"/>
           </p:nvPr>
         </p:nvSpPr>
         <p:spPr>
@@ -3211,7 +3311,7 @@
           </a:prstGeom>
         </p:spPr>
         <p:txBody>
-          <a:bodyPr anchorCtr="0" anchor="ctr" bIns="91425" lIns="91425" spcFirstLastPara="1" rIns="91425" wrap="square" tIns="91425">
+          <a:bodyPr spcFirstLastPara="1" wrap="square" lIns="91425" tIns="91425" rIns="91425" bIns="91425" anchor="ctr" anchorCtr="0">
             <a:normAutofit/>
           </a:bodyPr>
           <a:lstStyle>
@@ -3253,7 +3353,7 @@
             </a:lvl9pPr>
           </a:lstStyle>
           <a:p>
-            <a:pPr indent="0" lvl="0" marL="0" rtl="0" algn="r">
+            <a:pPr marL="0" lvl="0" indent="0" algn="r" rtl="0">
               <a:spcBef>
                 <a:spcPts val="0"/>
               </a:spcBef>
@@ -3279,11 +3379,11 @@
 </file>
 
 <file path=ppt/slideLayouts/slideLayout5.xml><?xml version="1.0" encoding="utf-8"?>
-<p:sldLayout xmlns:a="http://schemas.openxmlformats.org/drawingml/2006/main" xmlns:r="http://schemas.openxmlformats.org/officeDocument/2006/relationships" xmlns:mc="http://schemas.openxmlformats.org/markup-compatibility/2006" xmlns:mv="urn:schemas-microsoft-com:mac:vml" xmlns:p="http://schemas.openxmlformats.org/presentationml/2006/main" xmlns:c="http://schemas.openxmlformats.org/drawingml/2006/chart" xmlns:dgm="http://schemas.openxmlformats.org/drawingml/2006/diagram" xmlns:o="urn:schemas-microsoft-com:office:office" xmlns:v="urn:schemas-microsoft-com:vml" xmlns:pvml="urn:schemas-microsoft-com:office:powerpoint" xmlns:com="http://schemas.openxmlformats.org/drawingml/2006/compatibility" xmlns:p14="http://schemas.microsoft.com/office/powerpoint/2010/main" xmlns:p15="http://schemas.microsoft.com/office/powerpoint/2012/main" xmlns:ahyp="http://schemas.microsoft.com/office/drawing/2018/hyperlinkcolor" matchingName="Title only" type="titleOnly">
+<p:sldLayout xmlns:a="http://schemas.openxmlformats.org/drawingml/2006/main" xmlns:r="http://schemas.openxmlformats.org/officeDocument/2006/relationships" xmlns:p="http://schemas.openxmlformats.org/presentationml/2006/main" matchingName="Title only" type="titleOnly">
   <p:cSld name="TITLE_ONLY">
     <p:spTree>
       <p:nvGrpSpPr>
-        <p:cNvPr id="25" name="Shape 25"/>
+        <p:cNvPr id="1" name="Shape 25"/>
         <p:cNvGrpSpPr/>
         <p:nvPr/>
       </p:nvGrpSpPr>
@@ -3298,7 +3398,9 @@
       <p:sp>
         <p:nvSpPr>
           <p:cNvPr id="26" name="Google Shape;26;p6"/>
-          <p:cNvSpPr txBox="1"/>
+          <p:cNvSpPr txBox="1">
+            <a:spLocks noGrp="1"/>
+          </p:cNvSpPr>
           <p:nvPr>
             <p:ph type="title"/>
           </p:nvPr>
@@ -3313,7 +3415,7 @@
           </a:prstGeom>
         </p:spPr>
         <p:txBody>
-          <a:bodyPr anchorCtr="0" anchor="t" bIns="91425" lIns="91425" spcFirstLastPara="1" rIns="91425" wrap="square" tIns="91425">
+          <a:bodyPr spcFirstLastPara="1" wrap="square" lIns="91425" tIns="91425" rIns="91425" bIns="91425" anchor="t" anchorCtr="0">
             <a:normAutofit/>
           </a:bodyPr>
           <a:lstStyle>
@@ -3417,15 +3519,19 @@
               <a:defRPr/>
             </a:lvl9pPr>
           </a:lstStyle>
-          <a:p/>
+          <a:p>
+            <a:endParaRPr/>
+          </a:p>
         </p:txBody>
       </p:sp>
       <p:sp>
         <p:nvSpPr>
           <p:cNvPr id="27" name="Google Shape;27;p6"/>
-          <p:cNvSpPr txBox="1"/>
+          <p:cNvSpPr txBox="1">
+            <a:spLocks noGrp="1"/>
+          </p:cNvSpPr>
           <p:nvPr>
-            <p:ph idx="12" type="sldNum"/>
+            <p:ph type="sldNum" idx="12"/>
           </p:nvPr>
         </p:nvSpPr>
         <p:spPr>
@@ -3438,7 +3544,7 @@
           </a:prstGeom>
         </p:spPr>
         <p:txBody>
-          <a:bodyPr anchorCtr="0" anchor="ctr" bIns="91425" lIns="91425" spcFirstLastPara="1" rIns="91425" wrap="square" tIns="91425">
+          <a:bodyPr spcFirstLastPara="1" wrap="square" lIns="91425" tIns="91425" rIns="91425" bIns="91425" anchor="ctr" anchorCtr="0">
             <a:normAutofit/>
           </a:bodyPr>
           <a:lstStyle>
@@ -3480,7 +3586,7 @@
             </a:lvl9pPr>
           </a:lstStyle>
           <a:p>
-            <a:pPr indent="0" lvl="0" marL="0" rtl="0" algn="r">
+            <a:pPr marL="0" lvl="0" indent="0" algn="r" rtl="0">
               <a:spcBef>
                 <a:spcPts val="0"/>
               </a:spcBef>
@@ -3506,11 +3612,11 @@
 </file>
 
 <file path=ppt/slideLayouts/slideLayout6.xml><?xml version="1.0" encoding="utf-8"?>
-<p:sldLayout xmlns:a="http://schemas.openxmlformats.org/drawingml/2006/main" xmlns:r="http://schemas.openxmlformats.org/officeDocument/2006/relationships" xmlns:mc="http://schemas.openxmlformats.org/markup-compatibility/2006" xmlns:mv="urn:schemas-microsoft-com:mac:vml" xmlns:p="http://schemas.openxmlformats.org/presentationml/2006/main" xmlns:c="http://schemas.openxmlformats.org/drawingml/2006/chart" xmlns:dgm="http://schemas.openxmlformats.org/drawingml/2006/diagram" xmlns:o="urn:schemas-microsoft-com:office:office" xmlns:v="urn:schemas-microsoft-com:vml" xmlns:pvml="urn:schemas-microsoft-com:office:powerpoint" xmlns:com="http://schemas.openxmlformats.org/drawingml/2006/compatibility" xmlns:p14="http://schemas.microsoft.com/office/powerpoint/2010/main" xmlns:p15="http://schemas.microsoft.com/office/powerpoint/2012/main" xmlns:ahyp="http://schemas.microsoft.com/office/drawing/2018/hyperlinkcolor" matchingName="One column text">
+<p:sldLayout xmlns:a="http://schemas.openxmlformats.org/drawingml/2006/main" xmlns:r="http://schemas.openxmlformats.org/officeDocument/2006/relationships" xmlns:p="http://schemas.openxmlformats.org/presentationml/2006/main" matchingName="One column text">
   <p:cSld name="ONE_COLUMN_TEXT">
     <p:spTree>
       <p:nvGrpSpPr>
-        <p:cNvPr id="28" name="Shape 28"/>
+        <p:cNvPr id="1" name="Shape 28"/>
         <p:cNvGrpSpPr/>
         <p:nvPr/>
       </p:nvGrpSpPr>
@@ -3525,7 +3631,9 @@
       <p:sp>
         <p:nvSpPr>
           <p:cNvPr id="29" name="Google Shape;29;p7"/>
-          <p:cNvSpPr txBox="1"/>
+          <p:cNvSpPr txBox="1">
+            <a:spLocks noGrp="1"/>
+          </p:cNvSpPr>
           <p:nvPr>
             <p:ph type="title"/>
           </p:nvPr>
@@ -3540,7 +3648,7 @@
           </a:prstGeom>
         </p:spPr>
         <p:txBody>
-          <a:bodyPr anchorCtr="0" anchor="b" bIns="91425" lIns="91425" spcFirstLastPara="1" rIns="91425" wrap="square" tIns="91425">
+          <a:bodyPr spcFirstLastPara="1" wrap="square" lIns="91425" tIns="91425" rIns="91425" bIns="91425" anchor="b" anchorCtr="0">
             <a:normAutofit/>
           </a:bodyPr>
           <a:lstStyle>
@@ -3644,15 +3752,19 @@
               <a:defRPr sz="2400"/>
             </a:lvl9pPr>
           </a:lstStyle>
-          <a:p/>
+          <a:p>
+            <a:endParaRPr/>
+          </a:p>
         </p:txBody>
       </p:sp>
       <p:sp>
         <p:nvSpPr>
           <p:cNvPr id="30" name="Google Shape;30;p7"/>
-          <p:cNvSpPr txBox="1"/>
+          <p:cNvSpPr txBox="1">
+            <a:spLocks noGrp="1"/>
+          </p:cNvSpPr>
           <p:nvPr>
-            <p:ph idx="1" type="body"/>
+            <p:ph type="body" idx="1"/>
           </p:nvPr>
         </p:nvSpPr>
         <p:spPr>
@@ -3665,11 +3777,11 @@
           </a:prstGeom>
         </p:spPr>
         <p:txBody>
-          <a:bodyPr anchorCtr="0" anchor="t" bIns="91425" lIns="91425" spcFirstLastPara="1" rIns="91425" wrap="square" tIns="91425">
+          <a:bodyPr spcFirstLastPara="1" wrap="square" lIns="91425" tIns="91425" rIns="91425" bIns="91425" anchor="t" anchorCtr="0">
             <a:normAutofit/>
           </a:bodyPr>
           <a:lstStyle>
-            <a:lvl1pPr indent="-304800" lvl="0" marL="457200">
+            <a:lvl1pPr marL="457200" lvl="0" indent="-304800">
               <a:spcBef>
                 <a:spcPts val="0"/>
               </a:spcBef>
@@ -3680,7 +3792,7 @@
               <a:buChar char="●"/>
               <a:defRPr sz="1200"/>
             </a:lvl1pPr>
-            <a:lvl2pPr indent="-304800" lvl="1" marL="914400">
+            <a:lvl2pPr marL="914400" lvl="1" indent="-304800">
               <a:spcBef>
                 <a:spcPts val="0"/>
               </a:spcBef>
@@ -3691,7 +3803,7 @@
               <a:buChar char="○"/>
               <a:defRPr sz="1200"/>
             </a:lvl2pPr>
-            <a:lvl3pPr indent="-304800" lvl="2" marL="1371600">
+            <a:lvl3pPr marL="1371600" lvl="2" indent="-304800">
               <a:spcBef>
                 <a:spcPts val="0"/>
               </a:spcBef>
@@ -3702,7 +3814,7 @@
               <a:buChar char="■"/>
               <a:defRPr sz="1200"/>
             </a:lvl3pPr>
-            <a:lvl4pPr indent="-304800" lvl="3" marL="1828800">
+            <a:lvl4pPr marL="1828800" lvl="3" indent="-304800">
               <a:spcBef>
                 <a:spcPts val="0"/>
               </a:spcBef>
@@ -3713,7 +3825,7 @@
               <a:buChar char="●"/>
               <a:defRPr sz="1200"/>
             </a:lvl4pPr>
-            <a:lvl5pPr indent="-304800" lvl="4" marL="2286000">
+            <a:lvl5pPr marL="2286000" lvl="4" indent="-304800">
               <a:spcBef>
                 <a:spcPts val="0"/>
               </a:spcBef>
@@ -3724,7 +3836,7 @@
               <a:buChar char="○"/>
               <a:defRPr sz="1200"/>
             </a:lvl5pPr>
-            <a:lvl6pPr indent="-304800" lvl="5" marL="2743200">
+            <a:lvl6pPr marL="2743200" lvl="5" indent="-304800">
               <a:spcBef>
                 <a:spcPts val="0"/>
               </a:spcBef>
@@ -3735,7 +3847,7 @@
               <a:buChar char="■"/>
               <a:defRPr sz="1200"/>
             </a:lvl6pPr>
-            <a:lvl7pPr indent="-304800" lvl="6" marL="3200400">
+            <a:lvl7pPr marL="3200400" lvl="6" indent="-304800">
               <a:spcBef>
                 <a:spcPts val="0"/>
               </a:spcBef>
@@ -3746,7 +3858,7 @@
               <a:buChar char="●"/>
               <a:defRPr sz="1200"/>
             </a:lvl7pPr>
-            <a:lvl8pPr indent="-304800" lvl="7" marL="3657600">
+            <a:lvl8pPr marL="3657600" lvl="7" indent="-304800">
               <a:spcBef>
                 <a:spcPts val="0"/>
               </a:spcBef>
@@ -3757,7 +3869,7 @@
               <a:buChar char="○"/>
               <a:defRPr sz="1200"/>
             </a:lvl8pPr>
-            <a:lvl9pPr indent="-304800" lvl="8" marL="4114800">
+            <a:lvl9pPr marL="4114800" lvl="8" indent="-304800">
               <a:spcBef>
                 <a:spcPts val="0"/>
               </a:spcBef>
@@ -3769,15 +3881,19 @@
               <a:defRPr sz="1200"/>
             </a:lvl9pPr>
           </a:lstStyle>
-          <a:p/>
+          <a:p>
+            <a:endParaRPr/>
+          </a:p>
         </p:txBody>
       </p:sp>
       <p:sp>
         <p:nvSpPr>
           <p:cNvPr id="31" name="Google Shape;31;p7"/>
-          <p:cNvSpPr txBox="1"/>
+          <p:cNvSpPr txBox="1">
+            <a:spLocks noGrp="1"/>
+          </p:cNvSpPr>
           <p:nvPr>
-            <p:ph idx="12" type="sldNum"/>
+            <p:ph type="sldNum" idx="12"/>
           </p:nvPr>
         </p:nvSpPr>
         <p:spPr>
@@ -3790,7 +3906,7 @@
           </a:prstGeom>
         </p:spPr>
         <p:txBody>
-          <a:bodyPr anchorCtr="0" anchor="ctr" bIns="91425" lIns="91425" spcFirstLastPara="1" rIns="91425" wrap="square" tIns="91425">
+          <a:bodyPr spcFirstLastPara="1" wrap="square" lIns="91425" tIns="91425" rIns="91425" bIns="91425" anchor="ctr" anchorCtr="0">
             <a:normAutofit/>
           </a:bodyPr>
           <a:lstStyle>
@@ -3832,7 +3948,7 @@
             </a:lvl9pPr>
           </a:lstStyle>
           <a:p>
-            <a:pPr indent="0" lvl="0" marL="0" rtl="0" algn="r">
+            <a:pPr marL="0" lvl="0" indent="0" algn="r" rtl="0">
               <a:spcBef>
                 <a:spcPts val="0"/>
               </a:spcBef>
@@ -3858,11 +3974,11 @@
 </file>
 
 <file path=ppt/slideLayouts/slideLayout7.xml><?xml version="1.0" encoding="utf-8"?>
-<p:sldLayout xmlns:a="http://schemas.openxmlformats.org/drawingml/2006/main" xmlns:r="http://schemas.openxmlformats.org/officeDocument/2006/relationships" xmlns:mc="http://schemas.openxmlformats.org/markup-compatibility/2006" xmlns:mv="urn:schemas-microsoft-com:mac:vml" xmlns:p="http://schemas.openxmlformats.org/presentationml/2006/main" xmlns:c="http://schemas.openxmlformats.org/drawingml/2006/chart" xmlns:dgm="http://schemas.openxmlformats.org/drawingml/2006/diagram" xmlns:o="urn:schemas-microsoft-com:office:office" xmlns:v="urn:schemas-microsoft-com:vml" xmlns:pvml="urn:schemas-microsoft-com:office:powerpoint" xmlns:com="http://schemas.openxmlformats.org/drawingml/2006/compatibility" xmlns:p14="http://schemas.microsoft.com/office/powerpoint/2010/main" xmlns:p15="http://schemas.microsoft.com/office/powerpoint/2012/main" xmlns:ahyp="http://schemas.microsoft.com/office/drawing/2018/hyperlinkcolor" matchingName="Main point">
+<p:sldLayout xmlns:a="http://schemas.openxmlformats.org/drawingml/2006/main" xmlns:r="http://schemas.openxmlformats.org/officeDocument/2006/relationships" xmlns:p="http://schemas.openxmlformats.org/presentationml/2006/main" matchingName="Main point">
   <p:cSld name="MAIN_POINT">
     <p:spTree>
       <p:nvGrpSpPr>
-        <p:cNvPr id="32" name="Shape 32"/>
+        <p:cNvPr id="1" name="Shape 32"/>
         <p:cNvGrpSpPr/>
         <p:nvPr/>
       </p:nvGrpSpPr>
@@ -3877,7 +3993,9 @@
       <p:sp>
         <p:nvSpPr>
           <p:cNvPr id="33" name="Google Shape;33;p8"/>
-          <p:cNvSpPr txBox="1"/>
+          <p:cNvSpPr txBox="1">
+            <a:spLocks noGrp="1"/>
+          </p:cNvSpPr>
           <p:nvPr>
             <p:ph type="title"/>
           </p:nvPr>
@@ -3892,7 +4010,7 @@
           </a:prstGeom>
         </p:spPr>
         <p:txBody>
-          <a:bodyPr anchorCtr="0" anchor="ctr" bIns="91425" lIns="91425" spcFirstLastPara="1" rIns="91425" wrap="square" tIns="91425">
+          <a:bodyPr spcFirstLastPara="1" wrap="square" lIns="91425" tIns="91425" rIns="91425" bIns="91425" anchor="ctr" anchorCtr="0">
             <a:normAutofit/>
           </a:bodyPr>
           <a:lstStyle>
@@ -3996,15 +4114,19 @@
               <a:defRPr sz="4800"/>
             </a:lvl9pPr>
           </a:lstStyle>
-          <a:p/>
+          <a:p>
+            <a:endParaRPr/>
+          </a:p>
         </p:txBody>
       </p:sp>
       <p:sp>
         <p:nvSpPr>
           <p:cNvPr id="34" name="Google Shape;34;p8"/>
-          <p:cNvSpPr txBox="1"/>
+          <p:cNvSpPr txBox="1">
+            <a:spLocks noGrp="1"/>
+          </p:cNvSpPr>
           <p:nvPr>
-            <p:ph idx="12" type="sldNum"/>
+            <p:ph type="sldNum" idx="12"/>
           </p:nvPr>
         </p:nvSpPr>
         <p:spPr>
@@ -4017,7 +4139,7 @@
           </a:prstGeom>
         </p:spPr>
         <p:txBody>
-          <a:bodyPr anchorCtr="0" anchor="ctr" bIns="91425" lIns="91425" spcFirstLastPara="1" rIns="91425" wrap="square" tIns="91425">
+          <a:bodyPr spcFirstLastPara="1" wrap="square" lIns="91425" tIns="91425" rIns="91425" bIns="91425" anchor="ctr" anchorCtr="0">
             <a:normAutofit/>
           </a:bodyPr>
           <a:lstStyle>
@@ -4059,7 +4181,7 @@
             </a:lvl9pPr>
           </a:lstStyle>
           <a:p>
-            <a:pPr indent="0" lvl="0" marL="0" rtl="0" algn="r">
+            <a:pPr marL="0" lvl="0" indent="0" algn="r" rtl="0">
               <a:spcBef>
                 <a:spcPts val="0"/>
               </a:spcBef>
@@ -4085,11 +4207,11 @@
 </file>
 
 <file path=ppt/slideLayouts/slideLayout8.xml><?xml version="1.0" encoding="utf-8"?>
-<p:sldLayout xmlns:a="http://schemas.openxmlformats.org/drawingml/2006/main" xmlns:r="http://schemas.openxmlformats.org/officeDocument/2006/relationships" xmlns:mc="http://schemas.openxmlformats.org/markup-compatibility/2006" xmlns:mv="urn:schemas-microsoft-com:mac:vml" xmlns:p="http://schemas.openxmlformats.org/presentationml/2006/main" xmlns:c="http://schemas.openxmlformats.org/drawingml/2006/chart" xmlns:dgm="http://schemas.openxmlformats.org/drawingml/2006/diagram" xmlns:o="urn:schemas-microsoft-com:office:office" xmlns:v="urn:schemas-microsoft-com:vml" xmlns:pvml="urn:schemas-microsoft-com:office:powerpoint" xmlns:com="http://schemas.openxmlformats.org/drawingml/2006/compatibility" xmlns:p14="http://schemas.microsoft.com/office/powerpoint/2010/main" xmlns:p15="http://schemas.microsoft.com/office/powerpoint/2012/main" xmlns:ahyp="http://schemas.microsoft.com/office/drawing/2018/hyperlinkcolor" matchingName="Section title and description">
+<p:sldLayout xmlns:a="http://schemas.openxmlformats.org/drawingml/2006/main" xmlns:r="http://schemas.openxmlformats.org/officeDocument/2006/relationships" xmlns:p="http://schemas.openxmlformats.org/presentationml/2006/main" matchingName="Section title and description">
   <p:cSld name="SECTION_TITLE_AND_DESCRIPTION">
     <p:spTree>
       <p:nvGrpSpPr>
-        <p:cNvPr id="35" name="Shape 35"/>
+        <p:cNvPr id="1" name="Shape 35"/>
         <p:cNvGrpSpPr/>
         <p:nvPr/>
       </p:nvGrpSpPr>
@@ -4123,12 +4245,12 @@
           </a:ln>
         </p:spPr>
         <p:txBody>
-          <a:bodyPr anchorCtr="0" anchor="ctr" bIns="91425" lIns="91425" spcFirstLastPara="1" rIns="91425" wrap="square" tIns="91425">
+          <a:bodyPr spcFirstLastPara="1" wrap="square" lIns="91425" tIns="91425" rIns="91425" bIns="91425" anchor="ctr" anchorCtr="0">
             <a:noAutofit/>
           </a:bodyPr>
           <a:lstStyle/>
           <a:p>
-            <a:pPr indent="0" lvl="0" marL="0" rtl="0" algn="l">
+            <a:pPr marL="0" lvl="0" indent="0" algn="l" rtl="0">
               <a:spcBef>
                 <a:spcPts val="0"/>
               </a:spcBef>
@@ -4137,9 +4259,6 @@
               </a:spcAft>
               <a:buNone/>
             </a:pPr>
-            <a:r>
-              <a:t/>
-            </a:r>
             <a:endParaRPr/>
           </a:p>
         </p:txBody>
@@ -4147,7 +4266,9 @@
       <p:sp>
         <p:nvSpPr>
           <p:cNvPr id="37" name="Google Shape;37;p9"/>
-          <p:cNvSpPr txBox="1"/>
+          <p:cNvSpPr txBox="1">
+            <a:spLocks noGrp="1"/>
+          </p:cNvSpPr>
           <p:nvPr>
             <p:ph type="title"/>
           </p:nvPr>
@@ -4162,7 +4283,7 @@
           </a:prstGeom>
         </p:spPr>
         <p:txBody>
-          <a:bodyPr anchorCtr="0" anchor="b" bIns="91425" lIns="91425" spcFirstLastPara="1" rIns="91425" wrap="square" tIns="91425">
+          <a:bodyPr spcFirstLastPara="1" wrap="square" lIns="91425" tIns="91425" rIns="91425" bIns="91425" anchor="b" anchorCtr="0">
             <a:normAutofit/>
           </a:bodyPr>
           <a:lstStyle>
@@ -4266,15 +4387,19 @@
               <a:defRPr sz="4200"/>
             </a:lvl9pPr>
           </a:lstStyle>
-          <a:p/>
+          <a:p>
+            <a:endParaRPr/>
+          </a:p>
         </p:txBody>
       </p:sp>
       <p:sp>
         <p:nvSpPr>
           <p:cNvPr id="38" name="Google Shape;38;p9"/>
-          <p:cNvSpPr txBox="1"/>
+          <p:cNvSpPr txBox="1">
+            <a:spLocks noGrp="1"/>
+          </p:cNvSpPr>
           <p:nvPr>
-            <p:ph idx="1" type="subTitle"/>
+            <p:ph type="subTitle" idx="1"/>
           </p:nvPr>
         </p:nvSpPr>
         <p:spPr>
@@ -4287,7 +4412,7 @@
           </a:prstGeom>
         </p:spPr>
         <p:txBody>
-          <a:bodyPr anchorCtr="0" anchor="t" bIns="91425" lIns="91425" spcFirstLastPara="1" rIns="91425" wrap="square" tIns="91425">
+          <a:bodyPr spcFirstLastPara="1" wrap="square" lIns="91425" tIns="91425" rIns="91425" bIns="91425" anchor="t" anchorCtr="0">
             <a:normAutofit/>
           </a:bodyPr>
           <a:lstStyle>
@@ -4418,15 +4543,19 @@
               <a:defRPr sz="2100"/>
             </a:lvl9pPr>
           </a:lstStyle>
-          <a:p/>
+          <a:p>
+            <a:endParaRPr/>
+          </a:p>
         </p:txBody>
       </p:sp>
       <p:sp>
         <p:nvSpPr>
           <p:cNvPr id="39" name="Google Shape;39;p9"/>
-          <p:cNvSpPr txBox="1"/>
+          <p:cNvSpPr txBox="1">
+            <a:spLocks noGrp="1"/>
+          </p:cNvSpPr>
           <p:nvPr>
-            <p:ph idx="2" type="body"/>
+            <p:ph type="body" idx="2"/>
           </p:nvPr>
         </p:nvSpPr>
         <p:spPr>
@@ -4439,11 +4568,11 @@
           </a:prstGeom>
         </p:spPr>
         <p:txBody>
-          <a:bodyPr anchorCtr="0" anchor="ctr" bIns="91425" lIns="91425" spcFirstLastPara="1" rIns="91425" wrap="square" tIns="91425">
+          <a:bodyPr spcFirstLastPara="1" wrap="square" lIns="91425" tIns="91425" rIns="91425" bIns="91425" anchor="ctr" anchorCtr="0">
             <a:normAutofit/>
           </a:bodyPr>
           <a:lstStyle>
-            <a:lvl1pPr indent="-342900" lvl="0" marL="457200">
+            <a:lvl1pPr marL="457200" lvl="0" indent="-342900">
               <a:spcBef>
                 <a:spcPts val="0"/>
               </a:spcBef>
@@ -4454,7 +4583,7 @@
               <a:buChar char="●"/>
               <a:defRPr/>
             </a:lvl1pPr>
-            <a:lvl2pPr indent="-317500" lvl="1" marL="914400">
+            <a:lvl2pPr marL="914400" lvl="1" indent="-317500">
               <a:spcBef>
                 <a:spcPts val="0"/>
               </a:spcBef>
@@ -4465,7 +4594,7 @@
               <a:buChar char="○"/>
               <a:defRPr/>
             </a:lvl2pPr>
-            <a:lvl3pPr indent="-317500" lvl="2" marL="1371600">
+            <a:lvl3pPr marL="1371600" lvl="2" indent="-317500">
               <a:spcBef>
                 <a:spcPts val="0"/>
               </a:spcBef>
@@ -4476,7 +4605,7 @@
               <a:buChar char="■"/>
               <a:defRPr/>
             </a:lvl3pPr>
-            <a:lvl4pPr indent="-317500" lvl="3" marL="1828800">
+            <a:lvl4pPr marL="1828800" lvl="3" indent="-317500">
               <a:spcBef>
                 <a:spcPts val="0"/>
               </a:spcBef>
@@ -4487,7 +4616,7 @@
               <a:buChar char="●"/>
               <a:defRPr/>
             </a:lvl4pPr>
-            <a:lvl5pPr indent="-317500" lvl="4" marL="2286000">
+            <a:lvl5pPr marL="2286000" lvl="4" indent="-317500">
               <a:spcBef>
                 <a:spcPts val="0"/>
               </a:spcBef>
@@ -4498,7 +4627,7 @@
               <a:buChar char="○"/>
               <a:defRPr/>
             </a:lvl5pPr>
-            <a:lvl6pPr indent="-317500" lvl="5" marL="2743200">
+            <a:lvl6pPr marL="2743200" lvl="5" indent="-317500">
               <a:spcBef>
                 <a:spcPts val="0"/>
               </a:spcBef>
@@ -4509,7 +4638,7 @@
               <a:buChar char="■"/>
               <a:defRPr/>
             </a:lvl6pPr>
-            <a:lvl7pPr indent="-317500" lvl="6" marL="3200400">
+            <a:lvl7pPr marL="3200400" lvl="6" indent="-317500">
               <a:spcBef>
                 <a:spcPts val="0"/>
               </a:spcBef>
@@ -4520,7 +4649,7 @@
               <a:buChar char="●"/>
               <a:defRPr/>
             </a:lvl7pPr>
-            <a:lvl8pPr indent="-317500" lvl="7" marL="3657600">
+            <a:lvl8pPr marL="3657600" lvl="7" indent="-317500">
               <a:spcBef>
                 <a:spcPts val="0"/>
               </a:spcBef>
@@ -4531,7 +4660,7 @@
               <a:buChar char="○"/>
               <a:defRPr/>
             </a:lvl8pPr>
-            <a:lvl9pPr indent="-317500" lvl="8" marL="4114800">
+            <a:lvl9pPr marL="4114800" lvl="8" indent="-317500">
               <a:spcBef>
                 <a:spcPts val="0"/>
               </a:spcBef>
@@ -4543,15 +4672,19 @@
               <a:defRPr/>
             </a:lvl9pPr>
           </a:lstStyle>
-          <a:p/>
+          <a:p>
+            <a:endParaRPr/>
+          </a:p>
         </p:txBody>
       </p:sp>
       <p:sp>
         <p:nvSpPr>
           <p:cNvPr id="40" name="Google Shape;40;p9"/>
-          <p:cNvSpPr txBox="1"/>
+          <p:cNvSpPr txBox="1">
+            <a:spLocks noGrp="1"/>
+          </p:cNvSpPr>
           <p:nvPr>
-            <p:ph idx="12" type="sldNum"/>
+            <p:ph type="sldNum" idx="12"/>
           </p:nvPr>
         </p:nvSpPr>
         <p:spPr>
@@ -4564,7 +4697,7 @@
           </a:prstGeom>
         </p:spPr>
         <p:txBody>
-          <a:bodyPr anchorCtr="0" anchor="ctr" bIns="91425" lIns="91425" spcFirstLastPara="1" rIns="91425" wrap="square" tIns="91425">
+          <a:bodyPr spcFirstLastPara="1" wrap="square" lIns="91425" tIns="91425" rIns="91425" bIns="91425" anchor="ctr" anchorCtr="0">
             <a:normAutofit/>
           </a:bodyPr>
           <a:lstStyle>
@@ -4606,7 +4739,7 @@
             </a:lvl9pPr>
           </a:lstStyle>
           <a:p>
-            <a:pPr indent="0" lvl="0" marL="0" rtl="0" algn="r">
+            <a:pPr marL="0" lvl="0" indent="0" algn="r" rtl="0">
               <a:spcBef>
                 <a:spcPts val="0"/>
               </a:spcBef>
@@ -4632,11 +4765,11 @@
 </file>
 
 <file path=ppt/slideLayouts/slideLayout9.xml><?xml version="1.0" encoding="utf-8"?>
-<p:sldLayout xmlns:a="http://schemas.openxmlformats.org/drawingml/2006/main" xmlns:r="http://schemas.openxmlformats.org/officeDocument/2006/relationships" xmlns:mc="http://schemas.openxmlformats.org/markup-compatibility/2006" xmlns:mv="urn:schemas-microsoft-com:mac:vml" xmlns:p="http://schemas.openxmlformats.org/presentationml/2006/main" xmlns:c="http://schemas.openxmlformats.org/drawingml/2006/chart" xmlns:dgm="http://schemas.openxmlformats.org/drawingml/2006/diagram" xmlns:o="urn:schemas-microsoft-com:office:office" xmlns:v="urn:schemas-microsoft-com:vml" xmlns:pvml="urn:schemas-microsoft-com:office:powerpoint" xmlns:com="http://schemas.openxmlformats.org/drawingml/2006/compatibility" xmlns:p14="http://schemas.microsoft.com/office/powerpoint/2010/main" xmlns:p15="http://schemas.microsoft.com/office/powerpoint/2012/main" xmlns:ahyp="http://schemas.microsoft.com/office/drawing/2018/hyperlinkcolor" matchingName="Caption">
+<p:sldLayout xmlns:a="http://schemas.openxmlformats.org/drawingml/2006/main" xmlns:r="http://schemas.openxmlformats.org/officeDocument/2006/relationships" xmlns:p="http://schemas.openxmlformats.org/presentationml/2006/main" matchingName="Caption">
   <p:cSld name="CAPTION_ONLY">
     <p:spTree>
       <p:nvGrpSpPr>
-        <p:cNvPr id="41" name="Shape 41"/>
+        <p:cNvPr id="1" name="Shape 41"/>
         <p:cNvGrpSpPr/>
         <p:nvPr/>
       </p:nvGrpSpPr>
@@ -4651,9 +4784,11 @@
       <p:sp>
         <p:nvSpPr>
           <p:cNvPr id="42" name="Google Shape;42;p10"/>
-          <p:cNvSpPr txBox="1"/>
+          <p:cNvSpPr txBox="1">
+            <a:spLocks noGrp="1"/>
+          </p:cNvSpPr>
           <p:nvPr>
-            <p:ph idx="1" type="body"/>
+            <p:ph type="body" idx="1"/>
           </p:nvPr>
         </p:nvSpPr>
         <p:spPr>
@@ -4666,11 +4801,11 @@
           </a:prstGeom>
         </p:spPr>
         <p:txBody>
-          <a:bodyPr anchorCtr="0" anchor="ctr" bIns="91425" lIns="91425" spcFirstLastPara="1" rIns="91425" wrap="square" tIns="91425">
+          <a:bodyPr spcFirstLastPara="1" wrap="square" lIns="91425" tIns="91425" rIns="91425" bIns="91425" anchor="ctr" anchorCtr="0">
             <a:normAutofit/>
           </a:bodyPr>
           <a:lstStyle>
-            <a:lvl1pPr indent="-228600" lvl="0" marL="457200">
+            <a:lvl1pPr marL="457200" lvl="0" indent="-228600">
               <a:lnSpc>
                 <a:spcPct val="100000"/>
               </a:lnSpc>
@@ -4685,15 +4820,19 @@
               <a:defRPr/>
             </a:lvl1pPr>
           </a:lstStyle>
-          <a:p/>
+          <a:p>
+            <a:endParaRPr/>
+          </a:p>
         </p:txBody>
       </p:sp>
       <p:sp>
         <p:nvSpPr>
           <p:cNvPr id="43" name="Google Shape;43;p10"/>
-          <p:cNvSpPr txBox="1"/>
+          <p:cNvSpPr txBox="1">
+            <a:spLocks noGrp="1"/>
+          </p:cNvSpPr>
           <p:nvPr>
-            <p:ph idx="12" type="sldNum"/>
+            <p:ph type="sldNum" idx="12"/>
           </p:nvPr>
         </p:nvSpPr>
         <p:spPr>
@@ -4706,7 +4845,7 @@
           </a:prstGeom>
         </p:spPr>
         <p:txBody>
-          <a:bodyPr anchorCtr="0" anchor="ctr" bIns="91425" lIns="91425" spcFirstLastPara="1" rIns="91425" wrap="square" tIns="91425">
+          <a:bodyPr spcFirstLastPara="1" wrap="square" lIns="91425" tIns="91425" rIns="91425" bIns="91425" anchor="ctr" anchorCtr="0">
             <a:normAutofit/>
           </a:bodyPr>
           <a:lstStyle>
@@ -4748,7 +4887,7 @@
             </a:lvl9pPr>
           </a:lstStyle>
           <a:p>
-            <a:pPr indent="0" lvl="0" marL="0" rtl="0" algn="r">
+            <a:pPr marL="0" lvl="0" indent="0" algn="r" rtl="0">
               <a:spcBef>
                 <a:spcPts val="0"/>
               </a:spcBef>
@@ -4774,18 +4913,19 @@
 </file>
 
 <file path=ppt/slideMasters/slideMaster1.xml><?xml version="1.0" encoding="utf-8"?>
-<p:sldMaster xmlns:a="http://schemas.openxmlformats.org/drawingml/2006/main" xmlns:r="http://schemas.openxmlformats.org/officeDocument/2006/relationships" xmlns:mc="http://schemas.openxmlformats.org/markup-compatibility/2006" xmlns:mv="urn:schemas-microsoft-com:mac:vml" xmlns:p="http://schemas.openxmlformats.org/presentationml/2006/main" xmlns:c="http://schemas.openxmlformats.org/drawingml/2006/chart" xmlns:dgm="http://schemas.openxmlformats.org/drawingml/2006/diagram" xmlns:o="urn:schemas-microsoft-com:office:office" xmlns:v="urn:schemas-microsoft-com:vml" xmlns:pvml="urn:schemas-microsoft-com:office:powerpoint" xmlns:com="http://schemas.openxmlformats.org/drawingml/2006/compatibility" xmlns:p14="http://schemas.microsoft.com/office/powerpoint/2010/main" xmlns:p15="http://schemas.microsoft.com/office/powerpoint/2012/main" xmlns:ahyp="http://schemas.microsoft.com/office/drawing/2018/hyperlinkcolor">
+<p:sldMaster xmlns:a="http://schemas.openxmlformats.org/drawingml/2006/main" xmlns:r="http://schemas.openxmlformats.org/officeDocument/2006/relationships" xmlns:p="http://schemas.openxmlformats.org/presentationml/2006/main">
   <p:cSld name="simple-light-2">
     <p:bg>
       <p:bgPr>
         <a:solidFill>
           <a:schemeClr val="lt1"/>
         </a:solidFill>
+        <a:effectLst/>
       </p:bgPr>
     </p:bg>
     <p:spTree>
       <p:nvGrpSpPr>
-        <p:cNvPr id="5" name="Shape 5"/>
+        <p:cNvPr id="1" name="Shape 5"/>
         <p:cNvGrpSpPr/>
         <p:nvPr/>
       </p:nvGrpSpPr>
@@ -4800,7 +4940,9 @@
       <p:sp>
         <p:nvSpPr>
           <p:cNvPr id="6" name="Google Shape;6;p1"/>
-          <p:cNvSpPr txBox="1"/>
+          <p:cNvSpPr txBox="1">
+            <a:spLocks noGrp="1"/>
+          </p:cNvSpPr>
           <p:nvPr>
             <p:ph type="title"/>
           </p:nvPr>
@@ -4819,7 +4961,7 @@
           </a:ln>
         </p:spPr>
         <p:txBody>
-          <a:bodyPr anchorCtr="0" anchor="t" bIns="91425" lIns="91425" spcFirstLastPara="1" rIns="91425" wrap="square" tIns="91425">
+          <a:bodyPr spcFirstLastPara="1" wrap="square" lIns="91425" tIns="91425" rIns="91425" bIns="91425" anchor="t" anchorCtr="0">
             <a:normAutofit/>
           </a:bodyPr>
           <a:lstStyle>
@@ -4986,15 +5128,19 @@
               </a:defRPr>
             </a:lvl9pPr>
           </a:lstStyle>
-          <a:p/>
+          <a:p>
+            <a:endParaRPr/>
+          </a:p>
         </p:txBody>
       </p:sp>
       <p:sp>
         <p:nvSpPr>
           <p:cNvPr id="7" name="Google Shape;7;p1"/>
-          <p:cNvSpPr txBox="1"/>
+          <p:cNvSpPr txBox="1">
+            <a:spLocks noGrp="1"/>
+          </p:cNvSpPr>
           <p:nvPr>
-            <p:ph idx="1" type="body"/>
+            <p:ph type="body" idx="1"/>
           </p:nvPr>
         </p:nvSpPr>
         <p:spPr>
@@ -5011,11 +5157,11 @@
           </a:ln>
         </p:spPr>
         <p:txBody>
-          <a:bodyPr anchorCtr="0" anchor="t" bIns="91425" lIns="91425" spcFirstLastPara="1" rIns="91425" wrap="square" tIns="91425">
+          <a:bodyPr spcFirstLastPara="1" wrap="square" lIns="91425" tIns="91425" rIns="91425" bIns="91425" anchor="t" anchorCtr="0">
             <a:normAutofit/>
           </a:bodyPr>
           <a:lstStyle>
-            <a:lvl1pPr indent="-342900" lvl="0" marL="457200">
+            <a:lvl1pPr marL="457200" lvl="0" indent="-342900">
               <a:lnSpc>
                 <a:spcPct val="115000"/>
               </a:lnSpc>
@@ -5036,7 +5182,7 @@
                 </a:solidFill>
               </a:defRPr>
             </a:lvl1pPr>
-            <a:lvl2pPr indent="-317500" lvl="1" marL="914400">
+            <a:lvl2pPr marL="914400" lvl="1" indent="-317500">
               <a:lnSpc>
                 <a:spcPct val="115000"/>
               </a:lnSpc>
@@ -5057,7 +5203,7 @@
                 </a:solidFill>
               </a:defRPr>
             </a:lvl2pPr>
-            <a:lvl3pPr indent="-317500" lvl="2" marL="1371600">
+            <a:lvl3pPr marL="1371600" lvl="2" indent="-317500">
               <a:lnSpc>
                 <a:spcPct val="115000"/>
               </a:lnSpc>
@@ -5078,7 +5224,7 @@
                 </a:solidFill>
               </a:defRPr>
             </a:lvl3pPr>
-            <a:lvl4pPr indent="-317500" lvl="3" marL="1828800">
+            <a:lvl4pPr marL="1828800" lvl="3" indent="-317500">
               <a:lnSpc>
                 <a:spcPct val="115000"/>
               </a:lnSpc>
@@ -5099,7 +5245,7 @@
                 </a:solidFill>
               </a:defRPr>
             </a:lvl4pPr>
-            <a:lvl5pPr indent="-317500" lvl="4" marL="2286000">
+            <a:lvl5pPr marL="2286000" lvl="4" indent="-317500">
               <a:lnSpc>
                 <a:spcPct val="115000"/>
               </a:lnSpc>
@@ -5120,7 +5266,7 @@
                 </a:solidFill>
               </a:defRPr>
             </a:lvl5pPr>
-            <a:lvl6pPr indent="-317500" lvl="5" marL="2743200">
+            <a:lvl6pPr marL="2743200" lvl="5" indent="-317500">
               <a:lnSpc>
                 <a:spcPct val="115000"/>
               </a:lnSpc>
@@ -5141,7 +5287,7 @@
                 </a:solidFill>
               </a:defRPr>
             </a:lvl6pPr>
-            <a:lvl7pPr indent="-317500" lvl="6" marL="3200400">
+            <a:lvl7pPr marL="3200400" lvl="6" indent="-317500">
               <a:lnSpc>
                 <a:spcPct val="115000"/>
               </a:lnSpc>
@@ -5162,7 +5308,7 @@
                 </a:solidFill>
               </a:defRPr>
             </a:lvl7pPr>
-            <a:lvl8pPr indent="-317500" lvl="7" marL="3657600">
+            <a:lvl8pPr marL="3657600" lvl="7" indent="-317500">
               <a:lnSpc>
                 <a:spcPct val="115000"/>
               </a:lnSpc>
@@ -5183,7 +5329,7 @@
                 </a:solidFill>
               </a:defRPr>
             </a:lvl8pPr>
-            <a:lvl9pPr indent="-317500" lvl="8" marL="4114800">
+            <a:lvl9pPr marL="4114800" lvl="8" indent="-317500">
               <a:lnSpc>
                 <a:spcPct val="115000"/>
               </a:lnSpc>
@@ -5205,15 +5351,19 @@
               </a:defRPr>
             </a:lvl9pPr>
           </a:lstStyle>
-          <a:p/>
+          <a:p>
+            <a:endParaRPr/>
+          </a:p>
         </p:txBody>
       </p:sp>
       <p:sp>
         <p:nvSpPr>
           <p:cNvPr id="8" name="Google Shape;8;p1"/>
-          <p:cNvSpPr txBox="1"/>
+          <p:cNvSpPr txBox="1">
+            <a:spLocks noGrp="1"/>
+          </p:cNvSpPr>
           <p:nvPr>
-            <p:ph idx="12" type="sldNum"/>
+            <p:ph type="sldNum" idx="12"/>
           </p:nvPr>
         </p:nvSpPr>
         <p:spPr>
@@ -5230,7 +5380,7 @@
           </a:ln>
         </p:spPr>
         <p:txBody>
-          <a:bodyPr anchorCtr="0" anchor="ctr" bIns="91425" lIns="91425" spcFirstLastPara="1" rIns="91425" wrap="square" tIns="91425">
+          <a:bodyPr spcFirstLastPara="1" wrap="square" lIns="91425" tIns="91425" rIns="91425" bIns="91425" anchor="ctr" anchorCtr="0">
             <a:normAutofit/>
           </a:bodyPr>
           <a:lstStyle>
@@ -5308,7 +5458,7 @@
             </a:lvl9pPr>
           </a:lstStyle>
           <a:p>
-            <a:pPr indent="0" lvl="0" marL="0" rtl="0" algn="r">
+            <a:pPr marL="0" lvl="0" indent="0" algn="r" rtl="0">
               <a:spcBef>
                 <a:spcPts val="0"/>
               </a:spcBef>
@@ -5327,7 +5477,7 @@
       </p:sp>
     </p:spTree>
   </p:cSld>
-  <p:clrMap accent1="accent1" accent2="accent2" accent3="accent3" accent4="accent4" accent5="accent5" accent6="accent6" bg1="lt1" bg2="dk2" tx1="dk1" tx2="lt2" folHlink="folHlink" hlink="hlink"/>
+  <p:clrMap bg1="lt1" tx1="dk1" bg2="dk2" tx2="lt2" accent1="accent1" accent2="accent2" accent3="accent3" accent4="accent4" accent5="accent5" accent6="accent6" hlink="hlink" folHlink="folHlink"/>
   <p:sldLayoutIdLst>
     <p:sldLayoutId id="2147483648" r:id="rId1"/>
     <p:sldLayoutId id="2147483649" r:id="rId2"/>
@@ -5341,10 +5491,10 @@
     <p:sldLayoutId id="2147483657" r:id="rId10"/>
     <p:sldLayoutId id="2147483658" r:id="rId11"/>
   </p:sldLayoutIdLst>
-  <p:hf dt="0" ftr="0" hdr="0" sldNum="0"/>
+  <p:hf sldNum="0" hdr="0" ftr="0" dt="0"/>
   <p:txStyles>
     <p:titleStyle>
-      <a:defPPr lvl="0" marR="0" rtl="0" algn="l">
+      <a:defPPr marR="0" lvl="0" algn="l" rtl="0">
         <a:lnSpc>
           <a:spcPct val="100000"/>
         </a:lnSpc>
@@ -5355,7 +5505,7 @@
           <a:spcPts val="0"/>
         </a:spcAft>
       </a:defPPr>
-      <a:lvl1pPr lvl="0" marR="0" rtl="0" algn="l">
+      <a:lvl1pPr marR="0" lvl="0" algn="l" rtl="0">
         <a:lnSpc>
           <a:spcPct val="100000"/>
         </a:lnSpc>
@@ -5369,7 +5519,7 @@
           <a:srgbClr val="000000"/>
         </a:buClr>
         <a:buFont typeface="Arial"/>
-        <a:defRPr b="0" i="0" sz="1400" u="none" cap="none" strike="noStrike">
+        <a:defRPr sz="1400" b="0" i="0" u="none" strike="noStrike" cap="none">
           <a:solidFill>
             <a:srgbClr val="000000"/>
           </a:solidFill>
@@ -5379,7 +5529,7 @@
           <a:sym typeface="Arial"/>
         </a:defRPr>
       </a:lvl1pPr>
-      <a:lvl2pPr lvl="1" marR="0" rtl="0" algn="l">
+      <a:lvl2pPr marR="0" lvl="1" algn="l" rtl="0">
         <a:lnSpc>
           <a:spcPct val="100000"/>
         </a:lnSpc>
@@ -5393,7 +5543,7 @@
           <a:srgbClr val="000000"/>
         </a:buClr>
         <a:buFont typeface="Arial"/>
-        <a:defRPr b="0" i="0" sz="1400" u="none" cap="none" strike="noStrike">
+        <a:defRPr sz="1400" b="0" i="0" u="none" strike="noStrike" cap="none">
           <a:solidFill>
             <a:srgbClr val="000000"/>
           </a:solidFill>
@@ -5403,7 +5553,7 @@
           <a:sym typeface="Arial"/>
         </a:defRPr>
       </a:lvl2pPr>
-      <a:lvl3pPr lvl="2" marR="0" rtl="0" algn="l">
+      <a:lvl3pPr marR="0" lvl="2" algn="l" rtl="0">
         <a:lnSpc>
           <a:spcPct val="100000"/>
         </a:lnSpc>
@@ -5417,7 +5567,7 @@
           <a:srgbClr val="000000"/>
         </a:buClr>
         <a:buFont typeface="Arial"/>
-        <a:defRPr b="0" i="0" sz="1400" u="none" cap="none" strike="noStrike">
+        <a:defRPr sz="1400" b="0" i="0" u="none" strike="noStrike" cap="none">
           <a:solidFill>
             <a:srgbClr val="000000"/>
           </a:solidFill>
@@ -5427,7 +5577,7 @@
           <a:sym typeface="Arial"/>
         </a:defRPr>
       </a:lvl3pPr>
-      <a:lvl4pPr lvl="3" marR="0" rtl="0" algn="l">
+      <a:lvl4pPr marR="0" lvl="3" algn="l" rtl="0">
         <a:lnSpc>
           <a:spcPct val="100000"/>
         </a:lnSpc>
@@ -5441,7 +5591,7 @@
           <a:srgbClr val="000000"/>
         </a:buClr>
         <a:buFont typeface="Arial"/>
-        <a:defRPr b="0" i="0" sz="1400" u="none" cap="none" strike="noStrike">
+        <a:defRPr sz="1400" b="0" i="0" u="none" strike="noStrike" cap="none">
           <a:solidFill>
             <a:srgbClr val="000000"/>
           </a:solidFill>
@@ -5451,7 +5601,7 @@
           <a:sym typeface="Arial"/>
         </a:defRPr>
       </a:lvl4pPr>
-      <a:lvl5pPr lvl="4" marR="0" rtl="0" algn="l">
+      <a:lvl5pPr marR="0" lvl="4" algn="l" rtl="0">
         <a:lnSpc>
           <a:spcPct val="100000"/>
         </a:lnSpc>
@@ -5465,7 +5615,7 @@
           <a:srgbClr val="000000"/>
         </a:buClr>
         <a:buFont typeface="Arial"/>
-        <a:defRPr b="0" i="0" sz="1400" u="none" cap="none" strike="noStrike">
+        <a:defRPr sz="1400" b="0" i="0" u="none" strike="noStrike" cap="none">
           <a:solidFill>
             <a:srgbClr val="000000"/>
           </a:solidFill>
@@ -5475,7 +5625,7 @@
           <a:sym typeface="Arial"/>
         </a:defRPr>
       </a:lvl5pPr>
-      <a:lvl6pPr lvl="5" marR="0" rtl="0" algn="l">
+      <a:lvl6pPr marR="0" lvl="5" algn="l" rtl="0">
         <a:lnSpc>
           <a:spcPct val="100000"/>
         </a:lnSpc>
@@ -5489,7 +5639,7 @@
           <a:srgbClr val="000000"/>
         </a:buClr>
         <a:buFont typeface="Arial"/>
-        <a:defRPr b="0" i="0" sz="1400" u="none" cap="none" strike="noStrike">
+        <a:defRPr sz="1400" b="0" i="0" u="none" strike="noStrike" cap="none">
           <a:solidFill>
             <a:srgbClr val="000000"/>
           </a:solidFill>
@@ -5499,7 +5649,7 @@
           <a:sym typeface="Arial"/>
         </a:defRPr>
       </a:lvl6pPr>
-      <a:lvl7pPr lvl="6" marR="0" rtl="0" algn="l">
+      <a:lvl7pPr marR="0" lvl="6" algn="l" rtl="0">
         <a:lnSpc>
           <a:spcPct val="100000"/>
         </a:lnSpc>
@@ -5513,7 +5663,7 @@
           <a:srgbClr val="000000"/>
         </a:buClr>
         <a:buFont typeface="Arial"/>
-        <a:defRPr b="0" i="0" sz="1400" u="none" cap="none" strike="noStrike">
+        <a:defRPr sz="1400" b="0" i="0" u="none" strike="noStrike" cap="none">
           <a:solidFill>
             <a:srgbClr val="000000"/>
           </a:solidFill>
@@ -5523,7 +5673,7 @@
           <a:sym typeface="Arial"/>
         </a:defRPr>
       </a:lvl7pPr>
-      <a:lvl8pPr lvl="7" marR="0" rtl="0" algn="l">
+      <a:lvl8pPr marR="0" lvl="7" algn="l" rtl="0">
         <a:lnSpc>
           <a:spcPct val="100000"/>
         </a:lnSpc>
@@ -5537,7 +5687,7 @@
           <a:srgbClr val="000000"/>
         </a:buClr>
         <a:buFont typeface="Arial"/>
-        <a:defRPr b="0" i="0" sz="1400" u="none" cap="none" strike="noStrike">
+        <a:defRPr sz="1400" b="0" i="0" u="none" strike="noStrike" cap="none">
           <a:solidFill>
             <a:srgbClr val="000000"/>
           </a:solidFill>
@@ -5547,7 +5697,7 @@
           <a:sym typeface="Arial"/>
         </a:defRPr>
       </a:lvl8pPr>
-      <a:lvl9pPr lvl="8" marR="0" rtl="0" algn="l">
+      <a:lvl9pPr marR="0" lvl="8" algn="l" rtl="0">
         <a:lnSpc>
           <a:spcPct val="100000"/>
         </a:lnSpc>
@@ -5561,7 +5711,7 @@
           <a:srgbClr val="000000"/>
         </a:buClr>
         <a:buFont typeface="Arial"/>
-        <a:defRPr b="0" i="0" sz="1400" u="none" cap="none" strike="noStrike">
+        <a:defRPr sz="1400" b="0" i="0" u="none" strike="noStrike" cap="none">
           <a:solidFill>
             <a:srgbClr val="000000"/>
           </a:solidFill>
@@ -5573,7 +5723,7 @@
       </a:lvl9pPr>
     </p:titleStyle>
     <p:bodyStyle>
-      <a:defPPr lvl="0" marR="0" rtl="0" algn="l">
+      <a:defPPr marR="0" lvl="0" algn="l" rtl="0">
         <a:lnSpc>
           <a:spcPct val="100000"/>
         </a:lnSpc>
@@ -5584,7 +5734,7 @@
           <a:spcPts val="0"/>
         </a:spcAft>
       </a:defPPr>
-      <a:lvl1pPr lvl="0" marR="0" rtl="0" algn="l">
+      <a:lvl1pPr marR="0" lvl="0" algn="l" rtl="0">
         <a:lnSpc>
           <a:spcPct val="100000"/>
         </a:lnSpc>
@@ -5598,7 +5748,7 @@
           <a:srgbClr val="000000"/>
         </a:buClr>
         <a:buFont typeface="Arial"/>
-        <a:defRPr b="0" i="0" sz="1400" u="none" cap="none" strike="noStrike">
+        <a:defRPr sz="1400" b="0" i="0" u="none" strike="noStrike" cap="none">
           <a:solidFill>
             <a:srgbClr val="000000"/>
           </a:solidFill>
@@ -5608,7 +5758,7 @@
           <a:sym typeface="Arial"/>
         </a:defRPr>
       </a:lvl1pPr>
-      <a:lvl2pPr lvl="1" marR="0" rtl="0" algn="l">
+      <a:lvl2pPr marR="0" lvl="1" algn="l" rtl="0">
         <a:lnSpc>
           <a:spcPct val="100000"/>
         </a:lnSpc>
@@ -5622,7 +5772,7 @@
           <a:srgbClr val="000000"/>
         </a:buClr>
         <a:buFont typeface="Arial"/>
-        <a:defRPr b="0" i="0" sz="1400" u="none" cap="none" strike="noStrike">
+        <a:defRPr sz="1400" b="0" i="0" u="none" strike="noStrike" cap="none">
           <a:solidFill>
             <a:srgbClr val="000000"/>
           </a:solidFill>
@@ -5632,7 +5782,7 @@
           <a:sym typeface="Arial"/>
         </a:defRPr>
       </a:lvl2pPr>
-      <a:lvl3pPr lvl="2" marR="0" rtl="0" algn="l">
+      <a:lvl3pPr marR="0" lvl="2" algn="l" rtl="0">
         <a:lnSpc>
           <a:spcPct val="100000"/>
         </a:lnSpc>
@@ -5646,7 +5796,7 @@
           <a:srgbClr val="000000"/>
         </a:buClr>
         <a:buFont typeface="Arial"/>
-        <a:defRPr b="0" i="0" sz="1400" u="none" cap="none" strike="noStrike">
+        <a:defRPr sz="1400" b="0" i="0" u="none" strike="noStrike" cap="none">
           <a:solidFill>
             <a:srgbClr val="000000"/>
           </a:solidFill>
@@ -5656,7 +5806,7 @@
           <a:sym typeface="Arial"/>
         </a:defRPr>
       </a:lvl3pPr>
-      <a:lvl4pPr lvl="3" marR="0" rtl="0" algn="l">
+      <a:lvl4pPr marR="0" lvl="3" algn="l" rtl="0">
         <a:lnSpc>
           <a:spcPct val="100000"/>
         </a:lnSpc>
@@ -5670,7 +5820,7 @@
           <a:srgbClr val="000000"/>
         </a:buClr>
         <a:buFont typeface="Arial"/>
-        <a:defRPr b="0" i="0" sz="1400" u="none" cap="none" strike="noStrike">
+        <a:defRPr sz="1400" b="0" i="0" u="none" strike="noStrike" cap="none">
           <a:solidFill>
             <a:srgbClr val="000000"/>
           </a:solidFill>
@@ -5680,7 +5830,7 @@
           <a:sym typeface="Arial"/>
         </a:defRPr>
       </a:lvl4pPr>
-      <a:lvl5pPr lvl="4" marR="0" rtl="0" algn="l">
+      <a:lvl5pPr marR="0" lvl="4" algn="l" rtl="0">
         <a:lnSpc>
           <a:spcPct val="100000"/>
         </a:lnSpc>
@@ -5694,7 +5844,7 @@
           <a:srgbClr val="000000"/>
         </a:buClr>
         <a:buFont typeface="Arial"/>
-        <a:defRPr b="0" i="0" sz="1400" u="none" cap="none" strike="noStrike">
+        <a:defRPr sz="1400" b="0" i="0" u="none" strike="noStrike" cap="none">
           <a:solidFill>
             <a:srgbClr val="000000"/>
           </a:solidFill>
@@ -5704,7 +5854,7 @@
           <a:sym typeface="Arial"/>
         </a:defRPr>
       </a:lvl5pPr>
-      <a:lvl6pPr lvl="5" marR="0" rtl="0" algn="l">
+      <a:lvl6pPr marR="0" lvl="5" algn="l" rtl="0">
         <a:lnSpc>
           <a:spcPct val="100000"/>
         </a:lnSpc>
@@ -5718,7 +5868,7 @@
           <a:srgbClr val="000000"/>
         </a:buClr>
         <a:buFont typeface="Arial"/>
-        <a:defRPr b="0" i="0" sz="1400" u="none" cap="none" strike="noStrike">
+        <a:defRPr sz="1400" b="0" i="0" u="none" strike="noStrike" cap="none">
           <a:solidFill>
             <a:srgbClr val="000000"/>
           </a:solidFill>
@@ -5728,7 +5878,7 @@
           <a:sym typeface="Arial"/>
         </a:defRPr>
       </a:lvl6pPr>
-      <a:lvl7pPr lvl="6" marR="0" rtl="0" algn="l">
+      <a:lvl7pPr marR="0" lvl="6" algn="l" rtl="0">
         <a:lnSpc>
           <a:spcPct val="100000"/>
         </a:lnSpc>
@@ -5742,7 +5892,7 @@
           <a:srgbClr val="000000"/>
         </a:buClr>
         <a:buFont typeface="Arial"/>
-        <a:defRPr b="0" i="0" sz="1400" u="none" cap="none" strike="noStrike">
+        <a:defRPr sz="1400" b="0" i="0" u="none" strike="noStrike" cap="none">
           <a:solidFill>
             <a:srgbClr val="000000"/>
           </a:solidFill>
@@ -5752,7 +5902,7 @@
           <a:sym typeface="Arial"/>
         </a:defRPr>
       </a:lvl7pPr>
-      <a:lvl8pPr lvl="7" marR="0" rtl="0" algn="l">
+      <a:lvl8pPr marR="0" lvl="7" algn="l" rtl="0">
         <a:lnSpc>
           <a:spcPct val="100000"/>
         </a:lnSpc>
@@ -5766,7 +5916,7 @@
           <a:srgbClr val="000000"/>
         </a:buClr>
         <a:buFont typeface="Arial"/>
-        <a:defRPr b="0" i="0" sz="1400" u="none" cap="none" strike="noStrike">
+        <a:defRPr sz="1400" b="0" i="0" u="none" strike="noStrike" cap="none">
           <a:solidFill>
             <a:srgbClr val="000000"/>
           </a:solidFill>
@@ -5776,7 +5926,7 @@
           <a:sym typeface="Arial"/>
         </a:defRPr>
       </a:lvl8pPr>
-      <a:lvl9pPr lvl="8" marR="0" rtl="0" algn="l">
+      <a:lvl9pPr marR="0" lvl="8" algn="l" rtl="0">
         <a:lnSpc>
           <a:spcPct val="100000"/>
         </a:lnSpc>
@@ -5790,7 +5940,7 @@
           <a:srgbClr val="000000"/>
         </a:buClr>
         <a:buFont typeface="Arial"/>
-        <a:defRPr b="0" i="0" sz="1400" u="none" cap="none" strike="noStrike">
+        <a:defRPr sz="1400" b="0" i="0" u="none" strike="noStrike" cap="none">
           <a:solidFill>
             <a:srgbClr val="000000"/>
           </a:solidFill>
@@ -5802,7 +5952,7 @@
       </a:lvl9pPr>
     </p:bodyStyle>
     <p:otherStyle>
-      <a:defPPr lvl="0" marR="0" rtl="0" algn="l">
+      <a:defPPr marR="0" lvl="0" algn="l" rtl="0">
         <a:lnSpc>
           <a:spcPct val="100000"/>
         </a:lnSpc>
@@ -5813,7 +5963,7 @@
           <a:spcPts val="0"/>
         </a:spcAft>
       </a:defPPr>
-      <a:lvl1pPr lvl="0" marR="0" rtl="0" algn="l">
+      <a:lvl1pPr marR="0" lvl="0" algn="l" rtl="0">
         <a:lnSpc>
           <a:spcPct val="100000"/>
         </a:lnSpc>
@@ -5827,7 +5977,7 @@
           <a:srgbClr val="000000"/>
         </a:buClr>
         <a:buFont typeface="Arial"/>
-        <a:defRPr b="0" i="0" sz="1400" u="none" cap="none" strike="noStrike">
+        <a:defRPr sz="1400" b="0" i="0" u="none" strike="noStrike" cap="none">
           <a:solidFill>
             <a:srgbClr val="000000"/>
           </a:solidFill>
@@ -5837,7 +5987,7 @@
           <a:sym typeface="Arial"/>
         </a:defRPr>
       </a:lvl1pPr>
-      <a:lvl2pPr lvl="1" marR="0" rtl="0" algn="l">
+      <a:lvl2pPr marR="0" lvl="1" algn="l" rtl="0">
         <a:lnSpc>
           <a:spcPct val="100000"/>
         </a:lnSpc>
@@ -5851,7 +6001,7 @@
           <a:srgbClr val="000000"/>
         </a:buClr>
         <a:buFont typeface="Arial"/>
-        <a:defRPr b="0" i="0" sz="1400" u="none" cap="none" strike="noStrike">
+        <a:defRPr sz="1400" b="0" i="0" u="none" strike="noStrike" cap="none">
           <a:solidFill>
             <a:srgbClr val="000000"/>
           </a:solidFill>
@@ -5861,7 +6011,7 @@
           <a:sym typeface="Arial"/>
         </a:defRPr>
       </a:lvl2pPr>
-      <a:lvl3pPr lvl="2" marR="0" rtl="0" algn="l">
+      <a:lvl3pPr marR="0" lvl="2" algn="l" rtl="0">
         <a:lnSpc>
           <a:spcPct val="100000"/>
         </a:lnSpc>
@@ -5875,7 +6025,7 @@
           <a:srgbClr val="000000"/>
         </a:buClr>
         <a:buFont typeface="Arial"/>
-        <a:defRPr b="0" i="0" sz="1400" u="none" cap="none" strike="noStrike">
+        <a:defRPr sz="1400" b="0" i="0" u="none" strike="noStrike" cap="none">
           <a:solidFill>
             <a:srgbClr val="000000"/>
           </a:solidFill>
@@ -5885,7 +6035,7 @@
           <a:sym typeface="Arial"/>
         </a:defRPr>
       </a:lvl3pPr>
-      <a:lvl4pPr lvl="3" marR="0" rtl="0" algn="l">
+      <a:lvl4pPr marR="0" lvl="3" algn="l" rtl="0">
         <a:lnSpc>
           <a:spcPct val="100000"/>
         </a:lnSpc>
@@ -5899,7 +6049,7 @@
           <a:srgbClr val="000000"/>
         </a:buClr>
         <a:buFont typeface="Arial"/>
-        <a:defRPr b="0" i="0" sz="1400" u="none" cap="none" strike="noStrike">
+        <a:defRPr sz="1400" b="0" i="0" u="none" strike="noStrike" cap="none">
           <a:solidFill>
             <a:srgbClr val="000000"/>
           </a:solidFill>
@@ -5909,7 +6059,7 @@
           <a:sym typeface="Arial"/>
         </a:defRPr>
       </a:lvl4pPr>
-      <a:lvl5pPr lvl="4" marR="0" rtl="0" algn="l">
+      <a:lvl5pPr marR="0" lvl="4" algn="l" rtl="0">
         <a:lnSpc>
           <a:spcPct val="100000"/>
         </a:lnSpc>
@@ -5923,7 +6073,7 @@
           <a:srgbClr val="000000"/>
         </a:buClr>
         <a:buFont typeface="Arial"/>
-        <a:defRPr b="0" i="0" sz="1400" u="none" cap="none" strike="noStrike">
+        <a:defRPr sz="1400" b="0" i="0" u="none" strike="noStrike" cap="none">
           <a:solidFill>
             <a:srgbClr val="000000"/>
           </a:solidFill>
@@ -5933,7 +6083,7 @@
           <a:sym typeface="Arial"/>
         </a:defRPr>
       </a:lvl5pPr>
-      <a:lvl6pPr lvl="5" marR="0" rtl="0" algn="l">
+      <a:lvl6pPr marR="0" lvl="5" algn="l" rtl="0">
         <a:lnSpc>
           <a:spcPct val="100000"/>
         </a:lnSpc>
@@ -5947,7 +6097,7 @@
           <a:srgbClr val="000000"/>
         </a:buClr>
         <a:buFont typeface="Arial"/>
-        <a:defRPr b="0" i="0" sz="1400" u="none" cap="none" strike="noStrike">
+        <a:defRPr sz="1400" b="0" i="0" u="none" strike="noStrike" cap="none">
           <a:solidFill>
             <a:srgbClr val="000000"/>
           </a:solidFill>
@@ -5957,7 +6107,7 @@
           <a:sym typeface="Arial"/>
         </a:defRPr>
       </a:lvl6pPr>
-      <a:lvl7pPr lvl="6" marR="0" rtl="0" algn="l">
+      <a:lvl7pPr marR="0" lvl="6" algn="l" rtl="0">
         <a:lnSpc>
           <a:spcPct val="100000"/>
         </a:lnSpc>
@@ -5971,7 +6121,7 @@
           <a:srgbClr val="000000"/>
         </a:buClr>
         <a:buFont typeface="Arial"/>
-        <a:defRPr b="0" i="0" sz="1400" u="none" cap="none" strike="noStrike">
+        <a:defRPr sz="1400" b="0" i="0" u="none" strike="noStrike" cap="none">
           <a:solidFill>
             <a:srgbClr val="000000"/>
           </a:solidFill>
@@ -5981,7 +6131,7 @@
           <a:sym typeface="Arial"/>
         </a:defRPr>
       </a:lvl7pPr>
-      <a:lvl8pPr lvl="7" marR="0" rtl="0" algn="l">
+      <a:lvl8pPr marR="0" lvl="7" algn="l" rtl="0">
         <a:lnSpc>
           <a:spcPct val="100000"/>
         </a:lnSpc>
@@ -5995,7 +6145,7 @@
           <a:srgbClr val="000000"/>
         </a:buClr>
         <a:buFont typeface="Arial"/>
-        <a:defRPr b="0" i="0" sz="1400" u="none" cap="none" strike="noStrike">
+        <a:defRPr sz="1400" b="0" i="0" u="none" strike="noStrike" cap="none">
           <a:solidFill>
             <a:srgbClr val="000000"/>
           </a:solidFill>
@@ -6005,7 +6155,7 @@
           <a:sym typeface="Arial"/>
         </a:defRPr>
       </a:lvl8pPr>
-      <a:lvl9pPr lvl="8" marR="0" rtl="0" algn="l">
+      <a:lvl9pPr marR="0" lvl="8" algn="l" rtl="0">
         <a:lnSpc>
           <a:spcPct val="100000"/>
         </a:lnSpc>
@@ -6019,7 +6169,7 @@
           <a:srgbClr val="000000"/>
         </a:buClr>
         <a:buFont typeface="Arial"/>
-        <a:defRPr b="0" i="0" sz="1400" u="none" cap="none" strike="noStrike">
+        <a:defRPr sz="1400" b="0" i="0" u="none" strike="noStrike" cap="none">
           <a:solidFill>
             <a:srgbClr val="000000"/>
           </a:solidFill>
@@ -6035,11 +6185,11 @@
 </file>
 
 <file path=ppt/slides/slide1.xml><?xml version="1.0" encoding="utf-8"?>
-<p:sld xmlns:a="http://schemas.openxmlformats.org/drawingml/2006/main" xmlns:r="http://schemas.openxmlformats.org/officeDocument/2006/relationships" xmlns:mc="http://schemas.openxmlformats.org/markup-compatibility/2006" xmlns:mv="urn:schemas-microsoft-com:mac:vml" xmlns:p="http://schemas.openxmlformats.org/presentationml/2006/main" xmlns:c="http://schemas.openxmlformats.org/drawingml/2006/chart" xmlns:dgm="http://schemas.openxmlformats.org/drawingml/2006/diagram" xmlns:o="urn:schemas-microsoft-com:office:office" xmlns:v="urn:schemas-microsoft-com:vml" xmlns:pvml="urn:schemas-microsoft-com:office:powerpoint" xmlns:com="http://schemas.openxmlformats.org/drawingml/2006/compatibility" xmlns:p14="http://schemas.microsoft.com/office/powerpoint/2010/main" xmlns:p15="http://schemas.microsoft.com/office/powerpoint/2012/main" xmlns:ahyp="http://schemas.microsoft.com/office/drawing/2018/hyperlinkcolor">
+<p:sld xmlns:a="http://schemas.openxmlformats.org/drawingml/2006/main" xmlns:r="http://schemas.openxmlformats.org/officeDocument/2006/relationships" xmlns:p="http://schemas.openxmlformats.org/presentationml/2006/main">
   <p:cSld>
     <p:spTree>
       <p:nvGrpSpPr>
-        <p:cNvPr id="53" name="Shape 53"/>
+        <p:cNvPr id="1" name="Shape 53"/>
         <p:cNvGrpSpPr/>
         <p:nvPr/>
       </p:nvGrpSpPr>
@@ -6096,23 +6246,23 @@
           <a:solidFill>
             <a:schemeClr val="accent6"/>
           </a:solidFill>
-          <a:ln cap="flat" cmpd="sng" w="9525">
+          <a:ln w="9525" cap="flat" cmpd="sng">
             <a:solidFill>
               <a:schemeClr val="dk2"/>
             </a:solidFill>
             <a:prstDash val="solid"/>
             <a:round/>
-            <a:headEnd len="sm" w="sm" type="none"/>
-            <a:tailEnd len="sm" w="sm" type="none"/>
+            <a:headEnd type="none" w="sm" len="sm"/>
+            <a:tailEnd type="none" w="sm" len="sm"/>
           </a:ln>
         </p:spPr>
         <p:txBody>
-          <a:bodyPr anchorCtr="0" anchor="ctr" bIns="91425" lIns="91425" spcFirstLastPara="1" rIns="91425" wrap="square" tIns="91425">
+          <a:bodyPr spcFirstLastPara="1" wrap="square" lIns="91425" tIns="91425" rIns="91425" bIns="91425" anchor="ctr" anchorCtr="0">
             <a:noAutofit/>
           </a:bodyPr>
           <a:lstStyle/>
           <a:p>
-            <a:pPr indent="0" lvl="0" marL="0" rtl="0" algn="l">
+            <a:pPr marL="0" lvl="0" indent="0" algn="l" rtl="0">
               <a:spcBef>
                 <a:spcPts val="0"/>
               </a:spcBef>
@@ -6122,14 +6272,14 @@
               <a:buNone/>
             </a:pPr>
             <a:r>
-              <a:rPr lang="en-GB" sz="1100">
+              <a:rPr lang="en-GB" sz="1100" dirty="0">
                 <a:solidFill>
                   <a:schemeClr val="dk1"/>
                 </a:solidFill>
               </a:rPr>
               <a:t>01.01 Create Account</a:t>
             </a:r>
-            <a:endParaRPr sz="1100"/>
+            <a:endParaRPr sz="1100" dirty="0"/>
           </a:p>
         </p:txBody>
       </p:sp>
@@ -6148,25 +6298,25 @@
             <a:avLst/>
           </a:prstGeom>
           <a:solidFill>
-            <a:schemeClr val="lt2"/>
+            <a:schemeClr val="accent6"/>
           </a:solidFill>
-          <a:ln cap="flat" cmpd="sng" w="9525">
+          <a:ln w="9525" cap="flat" cmpd="sng">
             <a:solidFill>
               <a:schemeClr val="dk2"/>
             </a:solidFill>
             <a:prstDash val="solid"/>
             <a:round/>
-            <a:headEnd len="sm" w="sm" type="none"/>
-            <a:tailEnd len="sm" w="sm" type="none"/>
+            <a:headEnd type="none" w="sm" len="sm"/>
+            <a:tailEnd type="none" w="sm" len="sm"/>
           </a:ln>
         </p:spPr>
         <p:txBody>
-          <a:bodyPr anchorCtr="0" anchor="ctr" bIns="91425" lIns="91425" spcFirstLastPara="1" rIns="91425" wrap="square" tIns="91425">
+          <a:bodyPr spcFirstLastPara="1" wrap="square" lIns="91425" tIns="91425" rIns="91425" bIns="91425" anchor="ctr" anchorCtr="0">
             <a:noAutofit/>
           </a:bodyPr>
           <a:lstStyle/>
           <a:p>
-            <a:pPr indent="0" lvl="0" marL="0" rtl="0" algn="l">
+            <a:pPr marL="0" lvl="0" indent="0" algn="l" rtl="0">
               <a:spcBef>
                 <a:spcPts val="0"/>
               </a:spcBef>
@@ -6176,10 +6326,10 @@
               <a:buNone/>
             </a:pPr>
             <a:r>
-              <a:rPr lang="en-GB" sz="1100"/>
+              <a:rPr lang="en-GB" sz="1100" dirty="0"/>
               <a:t>01.02 Modify Account</a:t>
             </a:r>
-            <a:endParaRPr sz="1100"/>
+            <a:endParaRPr sz="1100" dirty="0"/>
           </a:p>
         </p:txBody>
       </p:sp>
@@ -6200,23 +6350,23 @@
           <a:solidFill>
             <a:schemeClr val="accent6"/>
           </a:solidFill>
-          <a:ln cap="flat" cmpd="sng" w="9525">
+          <a:ln w="9525" cap="flat" cmpd="sng">
             <a:solidFill>
               <a:schemeClr val="dk2"/>
             </a:solidFill>
             <a:prstDash val="solid"/>
             <a:round/>
-            <a:headEnd len="sm" w="sm" type="none"/>
-            <a:tailEnd len="sm" w="sm" type="none"/>
+            <a:headEnd type="none" w="sm" len="sm"/>
+            <a:tailEnd type="none" w="sm" len="sm"/>
           </a:ln>
         </p:spPr>
         <p:txBody>
-          <a:bodyPr anchorCtr="0" anchor="ctr" bIns="91425" lIns="91425" spcFirstLastPara="1" rIns="91425" wrap="square" tIns="91425">
+          <a:bodyPr spcFirstLastPara="1" wrap="square" lIns="91425" tIns="91425" rIns="91425" bIns="91425" anchor="ctr" anchorCtr="0">
             <a:noAutofit/>
           </a:bodyPr>
           <a:lstStyle/>
           <a:p>
-            <a:pPr indent="0" lvl="0" marL="0" rtl="0" algn="l">
+            <a:pPr marL="0" lvl="0" indent="0" algn="l" rtl="0">
               <a:spcBef>
                 <a:spcPts val="0"/>
               </a:spcBef>
@@ -6252,25 +6402,25 @@
             <a:avLst/>
           </a:prstGeom>
           <a:solidFill>
-            <a:schemeClr val="lt2"/>
+            <a:schemeClr val="accent6"/>
           </a:solidFill>
-          <a:ln cap="flat" cmpd="sng" w="9525">
+          <a:ln w="9525" cap="flat" cmpd="sng">
             <a:solidFill>
               <a:schemeClr val="dk2"/>
             </a:solidFill>
             <a:prstDash val="solid"/>
             <a:round/>
-            <a:headEnd len="sm" w="sm" type="none"/>
-            <a:tailEnd len="sm" w="sm" type="none"/>
+            <a:headEnd type="none" w="sm" len="sm"/>
+            <a:tailEnd type="none" w="sm" len="sm"/>
           </a:ln>
         </p:spPr>
         <p:txBody>
-          <a:bodyPr anchorCtr="0" anchor="ctr" bIns="91425" lIns="91425" spcFirstLastPara="1" rIns="91425" wrap="square" tIns="91425">
+          <a:bodyPr spcFirstLastPara="1" wrap="square" lIns="91425" tIns="91425" rIns="91425" bIns="91425" anchor="ctr" anchorCtr="0">
             <a:noAutofit/>
           </a:bodyPr>
           <a:lstStyle/>
           <a:p>
-            <a:pPr indent="0" lvl="0" marL="0" rtl="0" algn="l">
+            <a:pPr marL="0" lvl="0" indent="0" algn="l" rtl="0">
               <a:spcBef>
                 <a:spcPts val="0"/>
               </a:spcBef>
@@ -6280,14 +6430,14 @@
               <a:buNone/>
             </a:pPr>
             <a:r>
-              <a:rPr lang="en-GB" sz="1100">
+              <a:rPr lang="en-GB" sz="1100" dirty="0">
                 <a:solidFill>
                   <a:schemeClr val="dk1"/>
                 </a:solidFill>
               </a:rPr>
               <a:t>01.04 Delete Account</a:t>
             </a:r>
-            <a:endParaRPr sz="1100"/>
+            <a:endParaRPr sz="1100" dirty="0"/>
           </a:p>
         </p:txBody>
       </p:sp>
@@ -6311,12 +6461,12 @@
           </a:ln>
         </p:spPr>
         <p:txBody>
-          <a:bodyPr anchorCtr="0" anchor="t" bIns="91425" lIns="91425" spcFirstLastPara="1" rIns="91425" wrap="square" tIns="91425">
+          <a:bodyPr spcFirstLastPara="1" wrap="square" lIns="91425" tIns="91425" rIns="91425" bIns="91425" anchor="t" anchorCtr="0">
             <a:spAutoFit/>
           </a:bodyPr>
           <a:lstStyle/>
           <a:p>
-            <a:pPr indent="0" lvl="0" marL="0" rtl="0" algn="l">
+            <a:pPr marL="0" lvl="0" indent="0" algn="l" rtl="0">
               <a:lnSpc>
                 <a:spcPct val="115000"/>
               </a:lnSpc>
@@ -6340,7 +6490,7 @@
             <a:endParaRPr sz="1100"/>
           </a:p>
           <a:p>
-            <a:pPr indent="0" lvl="0" marL="0" rtl="0" algn="l">
+            <a:pPr marL="0" lvl="0" indent="0" algn="l" rtl="0">
               <a:lnSpc>
                 <a:spcPct val="115000"/>
               </a:lnSpc>
@@ -6364,7 +6514,7 @@
             <a:endParaRPr sz="1100"/>
           </a:p>
           <a:p>
-            <a:pPr indent="0" lvl="0" marL="0" rtl="0" algn="l">
+            <a:pPr marL="0" lvl="0" indent="0" algn="l" rtl="0">
               <a:lnSpc>
                 <a:spcPct val="115000"/>
               </a:lnSpc>
@@ -6392,7 +6542,7 @@
             <a:endParaRPr sz="1100"/>
           </a:p>
           <a:p>
-            <a:pPr indent="0" lvl="0" marL="0" rtl="0" algn="l">
+            <a:pPr marL="0" lvl="0" indent="0" algn="l" rtl="0">
               <a:spcBef>
                 <a:spcPts val="0"/>
               </a:spcBef>
@@ -6401,9 +6551,6 @@
               </a:spcAft>
               <a:buNone/>
             </a:pPr>
-            <a:r>
-              <a:t/>
-            </a:r>
             <a:endParaRPr sz="1100"/>
           </a:p>
         </p:txBody>
@@ -6428,12 +6575,12 @@
           </a:ln>
         </p:spPr>
         <p:txBody>
-          <a:bodyPr anchorCtr="0" anchor="t" bIns="91425" lIns="91425" spcFirstLastPara="1" rIns="91425" wrap="square" tIns="91425">
+          <a:bodyPr spcFirstLastPara="1" wrap="square" lIns="91425" tIns="91425" rIns="91425" bIns="91425" anchor="t" anchorCtr="0">
             <a:spAutoFit/>
           </a:bodyPr>
           <a:lstStyle/>
           <a:p>
-            <a:pPr indent="0" lvl="0" marL="0" rtl="0" algn="l">
+            <a:pPr marL="0" lvl="0" indent="0" algn="l" rtl="0">
               <a:spcBef>
                 <a:spcPts val="0"/>
               </a:spcBef>
@@ -6459,7 +6606,7 @@
           <p:nvPr/>
         </p:nvCxnSpPr>
         <p:spPr>
-          <a:xfrm flipH="1" rot="10800000">
+          <a:xfrm rot="10800000" flipH="1">
             <a:off x="1104300" y="822475"/>
             <a:ext cx="2314500" cy="1908600"/>
           </a:xfrm>
@@ -6467,14 +6614,14 @@
             <a:avLst/>
           </a:prstGeom>
           <a:noFill/>
-          <a:ln cap="flat" cmpd="sng" w="9525">
+          <a:ln w="9525" cap="flat" cmpd="sng">
             <a:solidFill>
               <a:schemeClr val="dk2"/>
             </a:solidFill>
             <a:prstDash val="solid"/>
             <a:round/>
-            <a:headEnd len="med" w="med" type="none"/>
-            <a:tailEnd len="med" w="med" type="triangle"/>
+            <a:headEnd type="none" w="med" len="med"/>
+            <a:tailEnd type="triangle" w="med" len="med"/>
           </a:ln>
         </p:spPr>
       </p:cxnSp>
@@ -6488,7 +6635,7 @@
           <p:nvPr/>
         </p:nvCxnSpPr>
         <p:spPr>
-          <a:xfrm flipH="1" rot="10800000">
+          <a:xfrm rot="10800000" flipH="1">
             <a:off x="1078357" y="1888738"/>
             <a:ext cx="2340300" cy="856500"/>
           </a:xfrm>
@@ -6496,14 +6643,14 @@
             <a:avLst/>
           </a:prstGeom>
           <a:noFill/>
-          <a:ln cap="flat" cmpd="sng" w="9525">
+          <a:ln w="9525" cap="flat" cmpd="sng">
             <a:solidFill>
               <a:schemeClr val="dk2"/>
             </a:solidFill>
             <a:prstDash val="solid"/>
             <a:round/>
-            <a:headEnd len="med" w="med" type="none"/>
-            <a:tailEnd len="med" w="med" type="triangle"/>
+            <a:headEnd type="none" w="med" len="med"/>
+            <a:tailEnd type="triangle" w="med" len="med"/>
           </a:ln>
         </p:spPr>
       </p:cxnSp>
@@ -6525,14 +6672,14 @@
             <a:avLst/>
           </a:prstGeom>
           <a:noFill/>
-          <a:ln cap="flat" cmpd="sng" w="9525">
+          <a:ln w="9525" cap="flat" cmpd="sng">
             <a:solidFill>
               <a:schemeClr val="dk2"/>
             </a:solidFill>
             <a:prstDash val="solid"/>
             <a:round/>
-            <a:headEnd len="med" w="med" type="none"/>
-            <a:tailEnd len="med" w="med" type="triangle"/>
+            <a:headEnd type="none" w="med" len="med"/>
+            <a:tailEnd type="triangle" w="med" len="med"/>
           </a:ln>
         </p:spPr>
       </p:cxnSp>
@@ -6554,14 +6701,14 @@
             <a:avLst/>
           </a:prstGeom>
           <a:noFill/>
-          <a:ln cap="flat" cmpd="sng" w="9525">
+          <a:ln w="9525" cap="flat" cmpd="sng">
             <a:solidFill>
               <a:schemeClr val="dk2"/>
             </a:solidFill>
             <a:prstDash val="solid"/>
             <a:round/>
-            <a:headEnd len="med" w="med" type="none"/>
-            <a:tailEnd len="med" w="med" type="triangle"/>
+            <a:headEnd type="none" w="med" len="med"/>
+            <a:tailEnd type="triangle" w="med" len="med"/>
           </a:ln>
         </p:spPr>
       </p:cxnSp>
@@ -6574,11 +6721,11 @@
 </file>
 
 <file path=ppt/slides/slide2.xml><?xml version="1.0" encoding="utf-8"?>
-<p:sld xmlns:a="http://schemas.openxmlformats.org/drawingml/2006/main" xmlns:r="http://schemas.openxmlformats.org/officeDocument/2006/relationships" xmlns:mc="http://schemas.openxmlformats.org/markup-compatibility/2006" xmlns:mv="urn:schemas-microsoft-com:mac:vml" xmlns:p="http://schemas.openxmlformats.org/presentationml/2006/main" xmlns:c="http://schemas.openxmlformats.org/drawingml/2006/chart" xmlns:dgm="http://schemas.openxmlformats.org/drawingml/2006/diagram" xmlns:o="urn:schemas-microsoft-com:office:office" xmlns:v="urn:schemas-microsoft-com:vml" xmlns:pvml="urn:schemas-microsoft-com:office:powerpoint" xmlns:com="http://schemas.openxmlformats.org/drawingml/2006/compatibility" xmlns:p14="http://schemas.microsoft.com/office/powerpoint/2010/main" xmlns:p15="http://schemas.microsoft.com/office/powerpoint/2012/main" xmlns:ahyp="http://schemas.microsoft.com/office/drawing/2018/hyperlinkcolor">
+<p:sld xmlns:a="http://schemas.openxmlformats.org/drawingml/2006/main" xmlns:r="http://schemas.openxmlformats.org/officeDocument/2006/relationships" xmlns:p="http://schemas.openxmlformats.org/presentationml/2006/main">
   <p:cSld>
     <p:spTree>
       <p:nvGrpSpPr>
-        <p:cNvPr id="68" name="Shape 68"/>
+        <p:cNvPr id="1" name="Shape 68"/>
         <p:cNvGrpSpPr/>
         <p:nvPr/>
       </p:nvGrpSpPr>
@@ -6633,25 +6780,28 @@
             <a:avLst/>
           </a:prstGeom>
           <a:solidFill>
-            <a:schemeClr val="accent6"/>
+            <a:schemeClr val="accent2">
+              <a:lumMod val="10000"/>
+              <a:lumOff val="90000"/>
+            </a:schemeClr>
           </a:solidFill>
-          <a:ln cap="flat" cmpd="sng" w="9525">
+          <a:ln w="9525" cap="flat" cmpd="sng">
             <a:solidFill>
               <a:schemeClr val="dk2"/>
             </a:solidFill>
             <a:prstDash val="solid"/>
             <a:round/>
-            <a:headEnd len="sm" w="sm" type="none"/>
-            <a:tailEnd len="sm" w="sm" type="none"/>
+            <a:headEnd type="none" w="sm" len="sm"/>
+            <a:tailEnd type="none" w="sm" len="sm"/>
           </a:ln>
         </p:spPr>
         <p:txBody>
-          <a:bodyPr anchorCtr="0" anchor="ctr" bIns="91425" lIns="91425" spcFirstLastPara="1" rIns="91425" wrap="square" tIns="91425">
+          <a:bodyPr spcFirstLastPara="1" wrap="square" lIns="91425" tIns="91425" rIns="91425" bIns="91425" anchor="ctr" anchorCtr="0">
             <a:noAutofit/>
           </a:bodyPr>
           <a:lstStyle/>
           <a:p>
-            <a:pPr indent="0" lvl="0" marL="0" rtl="0" algn="l">
+            <a:pPr marL="0" lvl="0" indent="0" algn="l" rtl="0">
               <a:spcBef>
                 <a:spcPts val="0"/>
               </a:spcBef>
@@ -6687,25 +6837,28 @@
             <a:avLst/>
           </a:prstGeom>
           <a:solidFill>
-            <a:schemeClr val="accent6"/>
+            <a:schemeClr val="accent2">
+              <a:lumMod val="10000"/>
+              <a:lumOff val="90000"/>
+            </a:schemeClr>
           </a:solidFill>
-          <a:ln cap="flat" cmpd="sng" w="9525">
+          <a:ln w="9525" cap="flat" cmpd="sng">
             <a:solidFill>
               <a:schemeClr val="dk2"/>
             </a:solidFill>
             <a:prstDash val="solid"/>
             <a:round/>
-            <a:headEnd len="sm" w="sm" type="none"/>
-            <a:tailEnd len="sm" w="sm" type="none"/>
+            <a:headEnd type="none" w="sm" len="sm"/>
+            <a:tailEnd type="none" w="sm" len="sm"/>
           </a:ln>
         </p:spPr>
         <p:txBody>
-          <a:bodyPr anchorCtr="0" anchor="ctr" bIns="91425" lIns="91425" spcFirstLastPara="1" rIns="91425" wrap="square" tIns="91425">
+          <a:bodyPr spcFirstLastPara="1" wrap="square" lIns="91425" tIns="91425" rIns="91425" bIns="91425" anchor="ctr" anchorCtr="0">
             <a:noAutofit/>
           </a:bodyPr>
           <a:lstStyle/>
           <a:p>
-            <a:pPr indent="0" lvl="0" marL="0" rtl="0" algn="l">
+            <a:pPr marL="0" lvl="0" indent="0" algn="l" rtl="0">
               <a:spcBef>
                 <a:spcPts val="0"/>
               </a:spcBef>
@@ -6737,25 +6890,28 @@
             <a:avLst/>
           </a:prstGeom>
           <a:solidFill>
-            <a:schemeClr val="accent6"/>
+            <a:schemeClr val="accent2">
+              <a:lumMod val="10000"/>
+              <a:lumOff val="90000"/>
+            </a:schemeClr>
           </a:solidFill>
-          <a:ln cap="flat" cmpd="sng" w="9525">
+          <a:ln w="9525" cap="flat" cmpd="sng">
             <a:solidFill>
               <a:schemeClr val="dk2"/>
             </a:solidFill>
             <a:prstDash val="solid"/>
             <a:round/>
-            <a:headEnd len="sm" w="sm" type="none"/>
-            <a:tailEnd len="sm" w="sm" type="none"/>
+            <a:headEnd type="none" w="sm" len="sm"/>
+            <a:tailEnd type="none" w="sm" len="sm"/>
           </a:ln>
         </p:spPr>
         <p:txBody>
-          <a:bodyPr anchorCtr="0" anchor="ctr" bIns="91425" lIns="91425" spcFirstLastPara="1" rIns="91425" wrap="square" tIns="91425">
+          <a:bodyPr spcFirstLastPara="1" wrap="square" lIns="91425" tIns="91425" rIns="91425" bIns="91425" anchor="ctr" anchorCtr="0">
             <a:noAutofit/>
           </a:bodyPr>
           <a:lstStyle/>
           <a:p>
-            <a:pPr indent="0" lvl="0" marL="0" rtl="0" algn="l">
+            <a:pPr marL="0" lvl="0" indent="0" algn="l" rtl="0">
               <a:spcBef>
                 <a:spcPts val="0"/>
               </a:spcBef>
@@ -6796,12 +6952,12 @@
           </a:ln>
         </p:spPr>
         <p:txBody>
-          <a:bodyPr anchorCtr="0" anchor="t" bIns="91425" lIns="91425" spcFirstLastPara="1" rIns="91425" wrap="square" tIns="91425">
+          <a:bodyPr spcFirstLastPara="1" wrap="square" lIns="91425" tIns="91425" rIns="91425" bIns="91425" anchor="t" anchorCtr="0">
             <a:spAutoFit/>
           </a:bodyPr>
           <a:lstStyle/>
           <a:p>
-            <a:pPr indent="0" lvl="0" marL="0" rtl="0" algn="l">
+            <a:pPr marL="0" lvl="0" indent="0" algn="l" rtl="0">
               <a:lnSpc>
                 <a:spcPct val="115000"/>
               </a:lnSpc>
@@ -6820,7 +6976,7 @@
             <a:endParaRPr sz="1100"/>
           </a:p>
           <a:p>
-            <a:pPr indent="0" lvl="0" marL="0" rtl="0" algn="l">
+            <a:pPr marL="0" lvl="0" indent="0" algn="l" rtl="0">
               <a:lnSpc>
                 <a:spcPct val="115000"/>
               </a:lnSpc>
@@ -6839,7 +6995,7 @@
             <a:endParaRPr sz="1100"/>
           </a:p>
           <a:p>
-            <a:pPr indent="0" lvl="0" marL="0" rtl="0" algn="l">
+            <a:pPr marL="0" lvl="0" indent="0" algn="l" rtl="0">
               <a:lnSpc>
                 <a:spcPct val="115000"/>
               </a:lnSpc>
@@ -6865,7 +7021,7 @@
             <a:endParaRPr sz="1100"/>
           </a:p>
           <a:p>
-            <a:pPr indent="0" lvl="0" marL="0" rtl="0" algn="l">
+            <a:pPr marL="0" lvl="0" indent="0" algn="l" rtl="0">
               <a:spcBef>
                 <a:spcPts val="0"/>
               </a:spcBef>
@@ -6874,9 +7030,6 @@
               </a:spcAft>
               <a:buNone/>
             </a:pPr>
-            <a:r>
-              <a:t/>
-            </a:r>
             <a:endParaRPr sz="1100"/>
           </a:p>
         </p:txBody>
@@ -6901,12 +7054,12 @@
           </a:ln>
         </p:spPr>
         <p:txBody>
-          <a:bodyPr anchorCtr="0" anchor="t" bIns="91425" lIns="91425" spcFirstLastPara="1" rIns="91425" wrap="square" tIns="91425">
+          <a:bodyPr spcFirstLastPara="1" wrap="square" lIns="91425" tIns="91425" rIns="91425" bIns="91425" anchor="t" anchorCtr="0">
             <a:spAutoFit/>
           </a:bodyPr>
           <a:lstStyle/>
           <a:p>
-            <a:pPr indent="0" lvl="0" marL="0" rtl="0" algn="l">
+            <a:pPr marL="0" lvl="0" indent="0" algn="l" rtl="0">
               <a:spcBef>
                 <a:spcPts val="0"/>
               </a:spcBef>
@@ -6935,7 +7088,7 @@
             </a:endParaRPr>
           </a:p>
           <a:p>
-            <a:pPr indent="0" lvl="0" marL="0" rtl="0" algn="l">
+            <a:pPr marL="0" lvl="0" indent="0" algn="l" rtl="0">
               <a:spcBef>
                 <a:spcPts val="0"/>
               </a:spcBef>
@@ -6944,9 +7097,6 @@
               </a:spcAft>
               <a:buNone/>
             </a:pPr>
-            <a:r>
-              <a:t/>
-            </a:r>
             <a:endParaRPr/>
           </a:p>
         </p:txBody>
@@ -6960,7 +7110,7 @@
           <p:nvPr/>
         </p:nvCxnSpPr>
         <p:spPr>
-          <a:xfrm flipH="1" rot="10800000">
+          <a:xfrm rot="10800000" flipH="1">
             <a:off x="1104300" y="822475"/>
             <a:ext cx="2314500" cy="1908600"/>
           </a:xfrm>
@@ -6968,14 +7118,14 @@
             <a:avLst/>
           </a:prstGeom>
           <a:noFill/>
-          <a:ln cap="flat" cmpd="sng" w="9525">
+          <a:ln w="9525" cap="flat" cmpd="sng">
             <a:solidFill>
               <a:schemeClr val="dk2"/>
             </a:solidFill>
             <a:prstDash val="solid"/>
             <a:round/>
-            <a:headEnd len="med" w="med" type="none"/>
-            <a:tailEnd len="med" w="med" type="triangle"/>
+            <a:headEnd type="none" w="med" len="med"/>
+            <a:tailEnd type="triangle" w="med" len="med"/>
           </a:ln>
         </p:spPr>
       </p:cxnSp>
@@ -6989,7 +7139,7 @@
           <p:nvPr/>
         </p:nvCxnSpPr>
         <p:spPr>
-          <a:xfrm flipH="1" rot="10800000">
+          <a:xfrm rot="10800000" flipH="1">
             <a:off x="1078357" y="1888738"/>
             <a:ext cx="2340300" cy="856500"/>
           </a:xfrm>
@@ -6997,14 +7147,14 @@
             <a:avLst/>
           </a:prstGeom>
           <a:noFill/>
-          <a:ln cap="flat" cmpd="sng" w="9525">
+          <a:ln w="9525" cap="flat" cmpd="sng">
             <a:solidFill>
               <a:schemeClr val="dk2"/>
             </a:solidFill>
             <a:prstDash val="solid"/>
             <a:round/>
-            <a:headEnd len="med" w="med" type="none"/>
-            <a:tailEnd len="med" w="med" type="triangle"/>
+            <a:headEnd type="none" w="med" len="med"/>
+            <a:tailEnd type="triangle" w="med" len="med"/>
           </a:ln>
         </p:spPr>
       </p:cxnSp>
@@ -7026,14 +7176,14 @@
             <a:avLst/>
           </a:prstGeom>
           <a:noFill/>
-          <a:ln cap="flat" cmpd="sng" w="9525">
+          <a:ln w="9525" cap="flat" cmpd="sng">
             <a:solidFill>
               <a:schemeClr val="dk2"/>
             </a:solidFill>
             <a:prstDash val="solid"/>
             <a:round/>
-            <a:headEnd len="med" w="med" type="none"/>
-            <a:tailEnd len="med" w="med" type="triangle"/>
+            <a:headEnd type="none" w="med" len="med"/>
+            <a:tailEnd type="triangle" w="med" len="med"/>
           </a:ln>
         </p:spPr>
       </p:cxnSp>
@@ -7046,11 +7196,11 @@
 </file>
 
 <file path=ppt/slides/slide3.xml><?xml version="1.0" encoding="utf-8"?>
-<p:sld xmlns:a="http://schemas.openxmlformats.org/drawingml/2006/main" xmlns:r="http://schemas.openxmlformats.org/officeDocument/2006/relationships" xmlns:mc="http://schemas.openxmlformats.org/markup-compatibility/2006" xmlns:mv="urn:schemas-microsoft-com:mac:vml" xmlns:p="http://schemas.openxmlformats.org/presentationml/2006/main" xmlns:c="http://schemas.openxmlformats.org/drawingml/2006/chart" xmlns:dgm="http://schemas.openxmlformats.org/drawingml/2006/diagram" xmlns:o="urn:schemas-microsoft-com:office:office" xmlns:v="urn:schemas-microsoft-com:vml" xmlns:pvml="urn:schemas-microsoft-com:office:powerpoint" xmlns:com="http://schemas.openxmlformats.org/drawingml/2006/compatibility" xmlns:p14="http://schemas.microsoft.com/office/powerpoint/2010/main" xmlns:p15="http://schemas.microsoft.com/office/powerpoint/2012/main" xmlns:ahyp="http://schemas.microsoft.com/office/drawing/2018/hyperlinkcolor">
+<p:sld xmlns:a="http://schemas.openxmlformats.org/drawingml/2006/main" xmlns:r="http://schemas.openxmlformats.org/officeDocument/2006/relationships" xmlns:p="http://schemas.openxmlformats.org/presentationml/2006/main">
   <p:cSld>
     <p:spTree>
       <p:nvGrpSpPr>
-        <p:cNvPr id="81" name="Shape 81"/>
+        <p:cNvPr id="1" name="Shape 81"/>
         <p:cNvGrpSpPr/>
         <p:nvPr/>
       </p:nvGrpSpPr>
@@ -7107,23 +7257,23 @@
           <a:solidFill>
             <a:schemeClr val="lt2"/>
           </a:solidFill>
-          <a:ln cap="flat" cmpd="sng" w="9525">
+          <a:ln w="9525" cap="flat" cmpd="sng">
             <a:solidFill>
               <a:schemeClr val="dk2"/>
             </a:solidFill>
             <a:prstDash val="solid"/>
             <a:round/>
-            <a:headEnd len="sm" w="sm" type="none"/>
-            <a:tailEnd len="sm" w="sm" type="none"/>
+            <a:headEnd type="none" w="sm" len="sm"/>
+            <a:tailEnd type="none" w="sm" len="sm"/>
           </a:ln>
         </p:spPr>
         <p:txBody>
-          <a:bodyPr anchorCtr="0" anchor="ctr" bIns="91425" lIns="91425" spcFirstLastPara="1" rIns="91425" wrap="square" tIns="91425">
+          <a:bodyPr spcFirstLastPara="1" wrap="square" lIns="91425" tIns="91425" rIns="91425" bIns="91425" anchor="ctr" anchorCtr="0">
             <a:noAutofit/>
           </a:bodyPr>
           <a:lstStyle/>
           <a:p>
-            <a:pPr indent="0" lvl="0" marL="0" rtl="0" algn="l">
+            <a:pPr marL="0" lvl="0" indent="0" algn="l" rtl="0">
               <a:spcBef>
                 <a:spcPts val="0"/>
               </a:spcBef>
@@ -7161,23 +7311,23 @@
           <a:solidFill>
             <a:schemeClr val="lt2"/>
           </a:solidFill>
-          <a:ln cap="flat" cmpd="sng" w="9525">
+          <a:ln w="9525" cap="flat" cmpd="sng">
             <a:solidFill>
               <a:schemeClr val="dk2"/>
             </a:solidFill>
             <a:prstDash val="solid"/>
             <a:round/>
-            <a:headEnd len="sm" w="sm" type="none"/>
-            <a:tailEnd len="sm" w="sm" type="none"/>
+            <a:headEnd type="none" w="sm" len="sm"/>
+            <a:tailEnd type="none" w="sm" len="sm"/>
           </a:ln>
         </p:spPr>
         <p:txBody>
-          <a:bodyPr anchorCtr="0" anchor="ctr" bIns="91425" lIns="91425" spcFirstLastPara="1" rIns="91425" wrap="square" tIns="91425">
+          <a:bodyPr spcFirstLastPara="1" wrap="square" lIns="91425" tIns="91425" rIns="91425" bIns="91425" anchor="ctr" anchorCtr="0">
             <a:noAutofit/>
           </a:bodyPr>
           <a:lstStyle/>
           <a:p>
-            <a:pPr indent="0" lvl="0" marL="0" rtl="0" algn="l">
+            <a:pPr marL="0" lvl="0" indent="0" algn="l" rtl="0">
               <a:spcBef>
                 <a:spcPts val="0"/>
               </a:spcBef>
@@ -7211,23 +7361,23 @@
           <a:solidFill>
             <a:schemeClr val="lt2"/>
           </a:solidFill>
-          <a:ln cap="flat" cmpd="sng" w="9525">
+          <a:ln w="9525" cap="flat" cmpd="sng">
             <a:solidFill>
               <a:schemeClr val="dk2"/>
             </a:solidFill>
             <a:prstDash val="solid"/>
             <a:round/>
-            <a:headEnd len="sm" w="sm" type="none"/>
-            <a:tailEnd len="sm" w="sm" type="none"/>
+            <a:headEnd type="none" w="sm" len="sm"/>
+            <a:tailEnd type="none" w="sm" len="sm"/>
           </a:ln>
         </p:spPr>
         <p:txBody>
-          <a:bodyPr anchorCtr="0" anchor="ctr" bIns="91425" lIns="91425" spcFirstLastPara="1" rIns="91425" wrap="square" tIns="91425">
+          <a:bodyPr spcFirstLastPara="1" wrap="square" lIns="91425" tIns="91425" rIns="91425" bIns="91425" anchor="ctr" anchorCtr="0">
             <a:noAutofit/>
           </a:bodyPr>
           <a:lstStyle/>
           <a:p>
-            <a:pPr indent="0" lvl="0" marL="0" rtl="0" algn="ctr">
+            <a:pPr marL="0" lvl="0" indent="0" algn="ctr" rtl="0">
               <a:spcBef>
                 <a:spcPts val="0"/>
               </a:spcBef>
@@ -7265,23 +7415,23 @@
           <a:solidFill>
             <a:schemeClr val="lt2"/>
           </a:solidFill>
-          <a:ln cap="flat" cmpd="sng" w="9525">
+          <a:ln w="9525" cap="flat" cmpd="sng">
             <a:solidFill>
               <a:schemeClr val="dk2"/>
             </a:solidFill>
             <a:prstDash val="solid"/>
             <a:round/>
-            <a:headEnd len="sm" w="sm" type="none"/>
-            <a:tailEnd len="sm" w="sm" type="none"/>
+            <a:headEnd type="none" w="sm" len="sm"/>
+            <a:tailEnd type="none" w="sm" len="sm"/>
           </a:ln>
         </p:spPr>
         <p:txBody>
-          <a:bodyPr anchorCtr="0" anchor="ctr" bIns="91425" lIns="91425" spcFirstLastPara="1" rIns="91425" wrap="square" tIns="91425">
+          <a:bodyPr spcFirstLastPara="1" wrap="square" lIns="91425" tIns="91425" rIns="91425" bIns="91425" anchor="ctr" anchorCtr="0">
             <a:noAutofit/>
           </a:bodyPr>
           <a:lstStyle/>
           <a:p>
-            <a:pPr indent="0" lvl="0" marL="0" rtl="0" algn="l">
+            <a:pPr marL="0" lvl="0" indent="0" algn="l" rtl="0">
               <a:spcBef>
                 <a:spcPts val="0"/>
               </a:spcBef>
@@ -7322,12 +7472,12 @@
           </a:ln>
         </p:spPr>
         <p:txBody>
-          <a:bodyPr anchorCtr="0" anchor="t" bIns="91425" lIns="91425" spcFirstLastPara="1" rIns="91425" wrap="square" tIns="91425">
+          <a:bodyPr spcFirstLastPara="1" wrap="square" lIns="91425" tIns="91425" rIns="91425" bIns="91425" anchor="t" anchorCtr="0">
             <a:spAutoFit/>
           </a:bodyPr>
           <a:lstStyle/>
           <a:p>
-            <a:pPr indent="0" lvl="0" marL="0" rtl="0" algn="l">
+            <a:pPr marL="0" lvl="0" indent="0" algn="l" rtl="0">
               <a:lnSpc>
                 <a:spcPct val="115000"/>
               </a:lnSpc>
@@ -7346,7 +7496,7 @@
             <a:endParaRPr sz="1100"/>
           </a:p>
           <a:p>
-            <a:pPr indent="0" lvl="0" marL="0" rtl="0" algn="l">
+            <a:pPr marL="0" lvl="0" indent="0" algn="l" rtl="0">
               <a:lnSpc>
                 <a:spcPct val="115000"/>
               </a:lnSpc>
@@ -7365,7 +7515,7 @@
             <a:endParaRPr sz="1100"/>
           </a:p>
           <a:p>
-            <a:pPr indent="0" lvl="0" marL="0" rtl="0" algn="l">
+            <a:pPr marL="0" lvl="0" indent="0" algn="l" rtl="0">
               <a:lnSpc>
                 <a:spcPct val="115000"/>
               </a:lnSpc>
@@ -7388,7 +7538,7 @@
             <a:endParaRPr sz="1100"/>
           </a:p>
           <a:p>
-            <a:pPr indent="0" lvl="0" marL="0" rtl="0" algn="l">
+            <a:pPr marL="0" lvl="0" indent="0" algn="l" rtl="0">
               <a:spcBef>
                 <a:spcPts val="0"/>
               </a:spcBef>
@@ -7397,9 +7547,6 @@
               </a:spcAft>
               <a:buNone/>
             </a:pPr>
-            <a:r>
-              <a:t/>
-            </a:r>
             <a:endParaRPr sz="1100"/>
           </a:p>
         </p:txBody>
@@ -7413,7 +7560,7 @@
           <p:nvPr/>
         </p:nvCxnSpPr>
         <p:spPr>
-          <a:xfrm flipH="1" rot="10800000">
+          <a:xfrm rot="10800000" flipH="1">
             <a:off x="1104300" y="822475"/>
             <a:ext cx="2314500" cy="1908600"/>
           </a:xfrm>
@@ -7421,14 +7568,14 @@
             <a:avLst/>
           </a:prstGeom>
           <a:noFill/>
-          <a:ln cap="flat" cmpd="sng" w="9525">
+          <a:ln w="9525" cap="flat" cmpd="sng">
             <a:solidFill>
               <a:schemeClr val="dk2"/>
             </a:solidFill>
             <a:prstDash val="solid"/>
             <a:round/>
-            <a:headEnd len="med" w="med" type="none"/>
-            <a:tailEnd len="med" w="med" type="triangle"/>
+            <a:headEnd type="none" w="med" len="med"/>
+            <a:tailEnd type="triangle" w="med" len="med"/>
           </a:ln>
         </p:spPr>
       </p:cxnSp>
@@ -7442,7 +7589,7 @@
           <p:nvPr/>
         </p:nvCxnSpPr>
         <p:spPr>
-          <a:xfrm flipH="1" rot="10800000">
+          <a:xfrm rot="10800000" flipH="1">
             <a:off x="1078357" y="1888738"/>
             <a:ext cx="2340300" cy="856500"/>
           </a:xfrm>
@@ -7450,14 +7597,14 @@
             <a:avLst/>
           </a:prstGeom>
           <a:noFill/>
-          <a:ln cap="flat" cmpd="sng" w="9525">
+          <a:ln w="9525" cap="flat" cmpd="sng">
             <a:solidFill>
               <a:schemeClr val="dk2"/>
             </a:solidFill>
             <a:prstDash val="solid"/>
             <a:round/>
-            <a:headEnd len="med" w="med" type="none"/>
-            <a:tailEnd len="med" w="med" type="triangle"/>
+            <a:headEnd type="none" w="med" len="med"/>
+            <a:tailEnd type="triangle" w="med" len="med"/>
           </a:ln>
         </p:spPr>
       </p:cxnSp>
@@ -7479,14 +7626,14 @@
             <a:avLst/>
           </a:prstGeom>
           <a:noFill/>
-          <a:ln cap="flat" cmpd="sng" w="9525">
+          <a:ln w="9525" cap="flat" cmpd="sng">
             <a:solidFill>
               <a:schemeClr val="dk2"/>
             </a:solidFill>
             <a:prstDash val="solid"/>
             <a:round/>
-            <a:headEnd len="med" w="med" type="none"/>
-            <a:tailEnd len="med" w="med" type="triangle"/>
+            <a:headEnd type="none" w="med" len="med"/>
+            <a:tailEnd type="triangle" w="med" len="med"/>
           </a:ln>
         </p:spPr>
       </p:cxnSp>
@@ -7508,14 +7655,14 @@
             <a:avLst/>
           </a:prstGeom>
           <a:noFill/>
-          <a:ln cap="flat" cmpd="sng" w="9525">
+          <a:ln w="9525" cap="flat" cmpd="sng">
             <a:solidFill>
               <a:schemeClr val="dk2"/>
             </a:solidFill>
             <a:prstDash val="solid"/>
             <a:round/>
-            <a:headEnd len="med" w="med" type="none"/>
-            <a:tailEnd len="med" w="med" type="triangle"/>
+            <a:headEnd type="none" w="med" len="med"/>
+            <a:tailEnd type="triangle" w="med" len="med"/>
           </a:ln>
         </p:spPr>
       </p:cxnSp>
@@ -7539,12 +7686,12 @@
           </a:ln>
         </p:spPr>
         <p:txBody>
-          <a:bodyPr anchorCtr="0" anchor="t" bIns="91425" lIns="91425" spcFirstLastPara="1" rIns="91425" wrap="square" tIns="91425">
+          <a:bodyPr spcFirstLastPara="1" wrap="square" lIns="91425" tIns="91425" rIns="91425" bIns="91425" anchor="t" anchorCtr="0">
             <a:spAutoFit/>
           </a:bodyPr>
           <a:lstStyle/>
           <a:p>
-            <a:pPr indent="0" lvl="0" marL="0" rtl="0" algn="l">
+            <a:pPr marL="0" lvl="0" indent="0" algn="l" rtl="0">
               <a:spcBef>
                 <a:spcPts val="0"/>
               </a:spcBef>
@@ -7578,11 +7725,11 @@
 </file>
 
 <file path=ppt/slides/slide4.xml><?xml version="1.0" encoding="utf-8"?>
-<p:sld xmlns:a="http://schemas.openxmlformats.org/drawingml/2006/main" xmlns:r="http://schemas.openxmlformats.org/officeDocument/2006/relationships" xmlns:mc="http://schemas.openxmlformats.org/markup-compatibility/2006" xmlns:mv="urn:schemas-microsoft-com:mac:vml" xmlns:p="http://schemas.openxmlformats.org/presentationml/2006/main" xmlns:c="http://schemas.openxmlformats.org/drawingml/2006/chart" xmlns:dgm="http://schemas.openxmlformats.org/drawingml/2006/diagram" xmlns:o="urn:schemas-microsoft-com:office:office" xmlns:v="urn:schemas-microsoft-com:vml" xmlns:pvml="urn:schemas-microsoft-com:office:powerpoint" xmlns:com="http://schemas.openxmlformats.org/drawingml/2006/compatibility" xmlns:p14="http://schemas.microsoft.com/office/powerpoint/2010/main" xmlns:p15="http://schemas.microsoft.com/office/powerpoint/2012/main" xmlns:ahyp="http://schemas.microsoft.com/office/drawing/2018/hyperlinkcolor">
+<p:sld xmlns:a="http://schemas.openxmlformats.org/drawingml/2006/main" xmlns:r="http://schemas.openxmlformats.org/officeDocument/2006/relationships" xmlns:p="http://schemas.openxmlformats.org/presentationml/2006/main">
   <p:cSld>
     <p:spTree>
       <p:nvGrpSpPr>
-        <p:cNvPr id="96" name="Shape 96"/>
+        <p:cNvPr id="1" name="Shape 96"/>
         <p:cNvGrpSpPr/>
         <p:nvPr/>
       </p:nvGrpSpPr>
@@ -7639,23 +7786,23 @@
           <a:solidFill>
             <a:schemeClr val="lt2"/>
           </a:solidFill>
-          <a:ln cap="flat" cmpd="sng" w="9525">
+          <a:ln w="9525" cap="flat" cmpd="sng">
             <a:solidFill>
               <a:schemeClr val="dk2"/>
             </a:solidFill>
             <a:prstDash val="solid"/>
             <a:round/>
-            <a:headEnd len="sm" w="sm" type="none"/>
-            <a:tailEnd len="sm" w="sm" type="none"/>
+            <a:headEnd type="none" w="sm" len="sm"/>
+            <a:tailEnd type="none" w="sm" len="sm"/>
           </a:ln>
         </p:spPr>
         <p:txBody>
-          <a:bodyPr anchorCtr="0" anchor="ctr" bIns="91425" lIns="91425" spcFirstLastPara="1" rIns="91425" wrap="square" tIns="91425">
+          <a:bodyPr spcFirstLastPara="1" wrap="square" lIns="91425" tIns="91425" rIns="91425" bIns="91425" anchor="ctr" anchorCtr="0">
             <a:noAutofit/>
           </a:bodyPr>
           <a:lstStyle/>
           <a:p>
-            <a:pPr indent="0" lvl="0" marL="0" rtl="0" algn="l">
+            <a:pPr marL="0" lvl="0" indent="0" algn="l" rtl="0">
               <a:spcBef>
                 <a:spcPts val="0"/>
               </a:spcBef>
@@ -7693,23 +7840,23 @@
           <a:solidFill>
             <a:schemeClr val="lt2"/>
           </a:solidFill>
-          <a:ln cap="flat" cmpd="sng" w="9525">
+          <a:ln w="9525" cap="flat" cmpd="sng">
             <a:solidFill>
               <a:schemeClr val="dk2"/>
             </a:solidFill>
             <a:prstDash val="solid"/>
             <a:round/>
-            <a:headEnd len="sm" w="sm" type="none"/>
-            <a:tailEnd len="sm" w="sm" type="none"/>
+            <a:headEnd type="none" w="sm" len="sm"/>
+            <a:tailEnd type="none" w="sm" len="sm"/>
           </a:ln>
         </p:spPr>
         <p:txBody>
-          <a:bodyPr anchorCtr="0" anchor="ctr" bIns="91425" lIns="91425" spcFirstLastPara="1" rIns="91425" wrap="square" tIns="91425">
+          <a:bodyPr spcFirstLastPara="1" wrap="square" lIns="91425" tIns="91425" rIns="91425" bIns="91425" anchor="ctr" anchorCtr="0">
             <a:noAutofit/>
           </a:bodyPr>
           <a:lstStyle/>
           <a:p>
-            <a:pPr indent="0" lvl="0" marL="0" rtl="0" algn="l">
+            <a:pPr marL="0" lvl="0" indent="0" algn="l" rtl="0">
               <a:spcBef>
                 <a:spcPts val="0"/>
               </a:spcBef>
@@ -7743,23 +7890,23 @@
           <a:solidFill>
             <a:schemeClr val="lt2"/>
           </a:solidFill>
-          <a:ln cap="flat" cmpd="sng" w="9525">
+          <a:ln w="9525" cap="flat" cmpd="sng">
             <a:solidFill>
               <a:schemeClr val="dk2"/>
             </a:solidFill>
             <a:prstDash val="solid"/>
             <a:round/>
-            <a:headEnd len="sm" w="sm" type="none"/>
-            <a:tailEnd len="sm" w="sm" type="none"/>
+            <a:headEnd type="none" w="sm" len="sm"/>
+            <a:tailEnd type="none" w="sm" len="sm"/>
           </a:ln>
         </p:spPr>
         <p:txBody>
-          <a:bodyPr anchorCtr="0" anchor="ctr" bIns="91425" lIns="91425" spcFirstLastPara="1" rIns="91425" wrap="square" tIns="91425">
+          <a:bodyPr spcFirstLastPara="1" wrap="square" lIns="91425" tIns="91425" rIns="91425" bIns="91425" anchor="ctr" anchorCtr="0">
             <a:noAutofit/>
           </a:bodyPr>
           <a:lstStyle/>
           <a:p>
-            <a:pPr indent="0" lvl="0" marL="0" rtl="0" algn="ctr">
+            <a:pPr marL="0" lvl="0" indent="0" algn="ctr" rtl="0">
               <a:spcBef>
                 <a:spcPts val="0"/>
               </a:spcBef>
@@ -7800,12 +7947,12 @@
           </a:ln>
         </p:spPr>
         <p:txBody>
-          <a:bodyPr anchorCtr="0" anchor="t" bIns="91425" lIns="91425" spcFirstLastPara="1" rIns="91425" wrap="square" tIns="91425">
+          <a:bodyPr spcFirstLastPara="1" wrap="square" lIns="91425" tIns="91425" rIns="91425" bIns="91425" anchor="t" anchorCtr="0">
             <a:spAutoFit/>
           </a:bodyPr>
           <a:lstStyle/>
           <a:p>
-            <a:pPr indent="0" lvl="0" marL="0" rtl="0" algn="l">
+            <a:pPr marL="0" lvl="0" indent="0" algn="l" rtl="0">
               <a:lnSpc>
                 <a:spcPct val="115000"/>
               </a:lnSpc>
@@ -7824,7 +7971,7 @@
             <a:endParaRPr sz="1100"/>
           </a:p>
           <a:p>
-            <a:pPr indent="0" lvl="0" marL="0" rtl="0" algn="l">
+            <a:pPr marL="0" lvl="0" indent="0" algn="l" rtl="0">
               <a:lnSpc>
                 <a:spcPct val="115000"/>
               </a:lnSpc>
@@ -7843,7 +7990,7 @@
             <a:endParaRPr sz="1100"/>
           </a:p>
           <a:p>
-            <a:pPr indent="0" lvl="0" marL="0" rtl="0" algn="l">
+            <a:pPr marL="0" lvl="0" indent="0" algn="l" rtl="0">
               <a:lnSpc>
                 <a:spcPct val="115000"/>
               </a:lnSpc>
@@ -7876,7 +8023,7 @@
             </a:endParaRPr>
           </a:p>
           <a:p>
-            <a:pPr indent="0" lvl="0" marL="0" rtl="0" algn="l">
+            <a:pPr marL="0" lvl="0" indent="0" algn="l" rtl="0">
               <a:spcBef>
                 <a:spcPts val="0"/>
               </a:spcBef>
@@ -7885,9 +8032,6 @@
               </a:spcAft>
               <a:buNone/>
             </a:pPr>
-            <a:r>
-              <a:t/>
-            </a:r>
             <a:endParaRPr sz="1100"/>
           </a:p>
         </p:txBody>
@@ -7901,7 +8045,7 @@
           <p:nvPr/>
         </p:nvCxnSpPr>
         <p:spPr>
-          <a:xfrm flipH="1" rot="10800000">
+          <a:xfrm rot="10800000" flipH="1">
             <a:off x="1104300" y="822475"/>
             <a:ext cx="2314500" cy="1908600"/>
           </a:xfrm>
@@ -7909,14 +8053,14 @@
             <a:avLst/>
           </a:prstGeom>
           <a:noFill/>
-          <a:ln cap="flat" cmpd="sng" w="9525">
+          <a:ln w="9525" cap="flat" cmpd="sng">
             <a:solidFill>
               <a:schemeClr val="dk2"/>
             </a:solidFill>
             <a:prstDash val="solid"/>
             <a:round/>
-            <a:headEnd len="med" w="med" type="none"/>
-            <a:tailEnd len="med" w="med" type="triangle"/>
+            <a:headEnd type="none" w="med" len="med"/>
+            <a:tailEnd type="triangle" w="med" len="med"/>
           </a:ln>
         </p:spPr>
       </p:cxnSp>
@@ -7930,7 +8074,7 @@
           <p:nvPr/>
         </p:nvCxnSpPr>
         <p:spPr>
-          <a:xfrm flipH="1" rot="10800000">
+          <a:xfrm rot="10800000" flipH="1">
             <a:off x="1078357" y="1888738"/>
             <a:ext cx="2340300" cy="856500"/>
           </a:xfrm>
@@ -7938,14 +8082,14 @@
             <a:avLst/>
           </a:prstGeom>
           <a:noFill/>
-          <a:ln cap="flat" cmpd="sng" w="9525">
+          <a:ln w="9525" cap="flat" cmpd="sng">
             <a:solidFill>
               <a:schemeClr val="dk2"/>
             </a:solidFill>
             <a:prstDash val="solid"/>
             <a:round/>
-            <a:headEnd len="med" w="med" type="none"/>
-            <a:tailEnd len="med" w="med" type="triangle"/>
+            <a:headEnd type="none" w="med" len="med"/>
+            <a:tailEnd type="triangle" w="med" len="med"/>
           </a:ln>
         </p:spPr>
       </p:cxnSp>
@@ -7967,14 +8111,14 @@
             <a:avLst/>
           </a:prstGeom>
           <a:noFill/>
-          <a:ln cap="flat" cmpd="sng" w="9525">
+          <a:ln w="9525" cap="flat" cmpd="sng">
             <a:solidFill>
               <a:schemeClr val="dk2"/>
             </a:solidFill>
             <a:prstDash val="solid"/>
             <a:round/>
-            <a:headEnd len="med" w="med" type="none"/>
-            <a:tailEnd len="med" w="med" type="triangle"/>
+            <a:headEnd type="none" w="med" len="med"/>
+            <a:tailEnd type="triangle" w="med" len="med"/>
           </a:ln>
         </p:spPr>
       </p:cxnSp>
@@ -7998,12 +8142,12 @@
           </a:ln>
         </p:spPr>
         <p:txBody>
-          <a:bodyPr anchorCtr="0" anchor="t" bIns="91425" lIns="91425" spcFirstLastPara="1" rIns="91425" wrap="square" tIns="91425">
+          <a:bodyPr spcFirstLastPara="1" wrap="square" lIns="91425" tIns="91425" rIns="91425" bIns="91425" anchor="t" anchorCtr="0">
             <a:spAutoFit/>
           </a:bodyPr>
           <a:lstStyle/>
           <a:p>
-            <a:pPr indent="0" lvl="0" marL="0" rtl="0" algn="l">
+            <a:pPr marL="0" lvl="0" indent="0" algn="l" rtl="0">
               <a:spcBef>
                 <a:spcPts val="0"/>
               </a:spcBef>
@@ -8037,11 +8181,11 @@
 </file>
 
 <file path=ppt/slides/slide5.xml><?xml version="1.0" encoding="utf-8"?>
-<p:sld xmlns:a="http://schemas.openxmlformats.org/drawingml/2006/main" xmlns:r="http://schemas.openxmlformats.org/officeDocument/2006/relationships" xmlns:mc="http://schemas.openxmlformats.org/markup-compatibility/2006" xmlns:mv="urn:schemas-microsoft-com:mac:vml" xmlns:p="http://schemas.openxmlformats.org/presentationml/2006/main" xmlns:c="http://schemas.openxmlformats.org/drawingml/2006/chart" xmlns:dgm="http://schemas.openxmlformats.org/drawingml/2006/diagram" xmlns:o="urn:schemas-microsoft-com:office:office" xmlns:v="urn:schemas-microsoft-com:vml" xmlns:pvml="urn:schemas-microsoft-com:office:powerpoint" xmlns:com="http://schemas.openxmlformats.org/drawingml/2006/compatibility" xmlns:p14="http://schemas.microsoft.com/office/powerpoint/2010/main" xmlns:p15="http://schemas.microsoft.com/office/powerpoint/2012/main" xmlns:ahyp="http://schemas.microsoft.com/office/drawing/2018/hyperlinkcolor">
+<p:sld xmlns:a="http://schemas.openxmlformats.org/drawingml/2006/main" xmlns:r="http://schemas.openxmlformats.org/officeDocument/2006/relationships" xmlns:p="http://schemas.openxmlformats.org/presentationml/2006/main">
   <p:cSld>
     <p:spTree>
       <p:nvGrpSpPr>
-        <p:cNvPr id="109" name="Shape 109"/>
+        <p:cNvPr id="1" name="Shape 109"/>
         <p:cNvGrpSpPr/>
         <p:nvPr/>
       </p:nvGrpSpPr>
@@ -8098,23 +8242,23 @@
           <a:solidFill>
             <a:schemeClr val="lt2"/>
           </a:solidFill>
-          <a:ln cap="flat" cmpd="sng" w="9525">
+          <a:ln w="9525" cap="flat" cmpd="sng">
             <a:solidFill>
               <a:schemeClr val="dk2"/>
             </a:solidFill>
             <a:prstDash val="solid"/>
             <a:round/>
-            <a:headEnd len="sm" w="sm" type="none"/>
-            <a:tailEnd len="sm" w="sm" type="none"/>
+            <a:headEnd type="none" w="sm" len="sm"/>
+            <a:tailEnd type="none" w="sm" len="sm"/>
           </a:ln>
         </p:spPr>
         <p:txBody>
-          <a:bodyPr anchorCtr="0" anchor="ctr" bIns="91425" lIns="91425" spcFirstLastPara="1" rIns="91425" wrap="square" tIns="91425">
+          <a:bodyPr spcFirstLastPara="1" wrap="square" lIns="91425" tIns="91425" rIns="91425" bIns="91425" anchor="ctr" anchorCtr="0">
             <a:noAutofit/>
           </a:bodyPr>
           <a:lstStyle/>
           <a:p>
-            <a:pPr indent="0" lvl="0" marL="0" rtl="0" algn="l">
+            <a:pPr marL="0" lvl="0" indent="0" algn="l" rtl="0">
               <a:spcBef>
                 <a:spcPts val="0"/>
               </a:spcBef>
@@ -8152,23 +8296,23 @@
           <a:solidFill>
             <a:schemeClr val="lt2"/>
           </a:solidFill>
-          <a:ln cap="flat" cmpd="sng" w="9525">
+          <a:ln w="9525" cap="flat" cmpd="sng">
             <a:solidFill>
               <a:schemeClr val="dk2"/>
             </a:solidFill>
             <a:prstDash val="solid"/>
             <a:round/>
-            <a:headEnd len="sm" w="sm" type="none"/>
-            <a:tailEnd len="sm" w="sm" type="none"/>
+            <a:headEnd type="none" w="sm" len="sm"/>
+            <a:tailEnd type="none" w="sm" len="sm"/>
           </a:ln>
         </p:spPr>
         <p:txBody>
-          <a:bodyPr anchorCtr="0" anchor="ctr" bIns="91425" lIns="91425" spcFirstLastPara="1" rIns="91425" wrap="square" tIns="91425">
+          <a:bodyPr spcFirstLastPara="1" wrap="square" lIns="91425" tIns="91425" rIns="91425" bIns="91425" anchor="ctr" anchorCtr="0">
             <a:noAutofit/>
           </a:bodyPr>
           <a:lstStyle/>
           <a:p>
-            <a:pPr indent="0" lvl="0" marL="0" rtl="0" algn="ctr">
+            <a:pPr marL="0" lvl="0" indent="0" algn="ctr" rtl="0">
               <a:spcBef>
                 <a:spcPts val="0"/>
               </a:spcBef>
@@ -8209,12 +8353,12 @@
           </a:ln>
         </p:spPr>
         <p:txBody>
-          <a:bodyPr anchorCtr="0" anchor="t" bIns="91425" lIns="91425" spcFirstLastPara="1" rIns="91425" wrap="square" tIns="91425">
+          <a:bodyPr spcFirstLastPara="1" wrap="square" lIns="91425" tIns="91425" rIns="91425" bIns="91425" anchor="t" anchorCtr="0">
             <a:spAutoFit/>
           </a:bodyPr>
           <a:lstStyle/>
           <a:p>
-            <a:pPr indent="0" lvl="0" marL="0" rtl="0" algn="l">
+            <a:pPr marL="0" lvl="0" indent="0" algn="l" rtl="0">
               <a:lnSpc>
                 <a:spcPct val="115000"/>
               </a:lnSpc>
@@ -8233,7 +8377,7 @@
             <a:endParaRPr sz="1100"/>
           </a:p>
           <a:p>
-            <a:pPr indent="0" lvl="0" marL="0" rtl="0" algn="l">
+            <a:pPr marL="0" lvl="0" indent="0" algn="l" rtl="0">
               <a:lnSpc>
                 <a:spcPct val="115000"/>
               </a:lnSpc>
@@ -8252,7 +8396,7 @@
             <a:endParaRPr sz="1100"/>
           </a:p>
           <a:p>
-            <a:pPr indent="0" lvl="0" marL="0" rtl="0" algn="l">
+            <a:pPr marL="0" lvl="0" indent="0" algn="l" rtl="0">
               <a:lnSpc>
                 <a:spcPct val="115000"/>
               </a:lnSpc>
@@ -8288,7 +8432,7 @@
           <p:nvPr/>
         </p:nvCxnSpPr>
         <p:spPr>
-          <a:xfrm flipH="1" rot="10800000">
+          <a:xfrm rot="10800000" flipH="1">
             <a:off x="1104300" y="822475"/>
             <a:ext cx="2314500" cy="1908600"/>
           </a:xfrm>
@@ -8296,14 +8440,14 @@
             <a:avLst/>
           </a:prstGeom>
           <a:noFill/>
-          <a:ln cap="flat" cmpd="sng" w="9525">
+          <a:ln w="9525" cap="flat" cmpd="sng">
             <a:solidFill>
               <a:schemeClr val="dk2"/>
             </a:solidFill>
             <a:prstDash val="solid"/>
             <a:round/>
-            <a:headEnd len="med" w="med" type="none"/>
-            <a:tailEnd len="med" w="med" type="triangle"/>
+            <a:headEnd type="none" w="med" len="med"/>
+            <a:tailEnd type="triangle" w="med" len="med"/>
           </a:ln>
         </p:spPr>
       </p:cxnSp>
@@ -8317,7 +8461,7 @@
           <p:nvPr/>
         </p:nvCxnSpPr>
         <p:spPr>
-          <a:xfrm flipH="1" rot="10800000">
+          <a:xfrm rot="10800000" flipH="1">
             <a:off x="1078357" y="1888738"/>
             <a:ext cx="2340300" cy="856500"/>
           </a:xfrm>
@@ -8325,14 +8469,14 @@
             <a:avLst/>
           </a:prstGeom>
           <a:noFill/>
-          <a:ln cap="flat" cmpd="sng" w="9525">
+          <a:ln w="9525" cap="flat" cmpd="sng">
             <a:solidFill>
               <a:schemeClr val="dk2"/>
             </a:solidFill>
             <a:prstDash val="solid"/>
             <a:round/>
-            <a:headEnd len="med" w="med" type="none"/>
-            <a:tailEnd len="med" w="med" type="triangle"/>
+            <a:headEnd type="none" w="med" len="med"/>
+            <a:tailEnd type="triangle" w="med" len="med"/>
           </a:ln>
         </p:spPr>
       </p:cxnSp>
@@ -8356,12 +8500,12 @@
           </a:ln>
         </p:spPr>
         <p:txBody>
-          <a:bodyPr anchorCtr="0" anchor="t" bIns="91425" lIns="91425" spcFirstLastPara="1" rIns="91425" wrap="square" tIns="91425">
+          <a:bodyPr spcFirstLastPara="1" wrap="square" lIns="91425" tIns="91425" rIns="91425" bIns="91425" anchor="t" anchorCtr="0">
             <a:spAutoFit/>
           </a:bodyPr>
           <a:lstStyle/>
           <a:p>
-            <a:pPr indent="0" lvl="0" marL="0" rtl="0" algn="l">
+            <a:pPr marL="0" lvl="0" indent="0" algn="l" rtl="0">
               <a:spcBef>
                 <a:spcPts val="0"/>
               </a:spcBef>
@@ -8395,11 +8539,11 @@
 </file>
 
 <file path=ppt/slides/slide6.xml><?xml version="1.0" encoding="utf-8"?>
-<p:sld xmlns:a="http://schemas.openxmlformats.org/drawingml/2006/main" xmlns:r="http://schemas.openxmlformats.org/officeDocument/2006/relationships" xmlns:mc="http://schemas.openxmlformats.org/markup-compatibility/2006" xmlns:mv="urn:schemas-microsoft-com:mac:vml" xmlns:p="http://schemas.openxmlformats.org/presentationml/2006/main" xmlns:c="http://schemas.openxmlformats.org/drawingml/2006/chart" xmlns:dgm="http://schemas.openxmlformats.org/drawingml/2006/diagram" xmlns:o="urn:schemas-microsoft-com:office:office" xmlns:v="urn:schemas-microsoft-com:vml" xmlns:pvml="urn:schemas-microsoft-com:office:powerpoint" xmlns:com="http://schemas.openxmlformats.org/drawingml/2006/compatibility" xmlns:p14="http://schemas.microsoft.com/office/powerpoint/2010/main" xmlns:p15="http://schemas.microsoft.com/office/powerpoint/2012/main" xmlns:ahyp="http://schemas.microsoft.com/office/drawing/2018/hyperlinkcolor">
+<p:sld xmlns:a="http://schemas.openxmlformats.org/drawingml/2006/main" xmlns:r="http://schemas.openxmlformats.org/officeDocument/2006/relationships" xmlns:p="http://schemas.openxmlformats.org/presentationml/2006/main">
   <p:cSld>
     <p:spTree>
       <p:nvGrpSpPr>
-        <p:cNvPr id="120" name="Shape 120"/>
+        <p:cNvPr id="1" name="Shape 120"/>
         <p:cNvGrpSpPr/>
         <p:nvPr/>
       </p:nvGrpSpPr>
@@ -8454,25 +8598,27 @@
             <a:avLst/>
           </a:prstGeom>
           <a:solidFill>
-            <a:schemeClr val="accent6"/>
+            <a:schemeClr val="bg1">
+              <a:lumMod val="95000"/>
+            </a:schemeClr>
           </a:solidFill>
-          <a:ln cap="flat" cmpd="sng" w="9525">
+          <a:ln w="9525" cap="flat" cmpd="sng">
             <a:solidFill>
               <a:schemeClr val="dk2"/>
             </a:solidFill>
             <a:prstDash val="solid"/>
             <a:round/>
-            <a:headEnd len="sm" w="sm" type="none"/>
-            <a:tailEnd len="sm" w="sm" type="none"/>
+            <a:headEnd type="none" w="sm" len="sm"/>
+            <a:tailEnd type="none" w="sm" len="sm"/>
           </a:ln>
         </p:spPr>
         <p:txBody>
-          <a:bodyPr anchorCtr="0" anchor="ctr" bIns="91425" lIns="91425" spcFirstLastPara="1" rIns="91425" wrap="square" tIns="91425">
+          <a:bodyPr spcFirstLastPara="1" wrap="square" lIns="91425" tIns="91425" rIns="91425" bIns="91425" anchor="ctr" anchorCtr="0">
             <a:noAutofit/>
           </a:bodyPr>
           <a:lstStyle/>
           <a:p>
-            <a:pPr indent="0" lvl="0" marL="0" rtl="0" algn="l">
+            <a:pPr marL="0" lvl="0" indent="0" algn="l" rtl="0">
               <a:spcBef>
                 <a:spcPts val="0"/>
               </a:spcBef>
@@ -8510,23 +8656,23 @@
           <a:solidFill>
             <a:schemeClr val="lt2"/>
           </a:solidFill>
-          <a:ln cap="flat" cmpd="sng" w="9525">
+          <a:ln w="9525" cap="flat" cmpd="sng">
             <a:solidFill>
               <a:schemeClr val="dk2"/>
             </a:solidFill>
             <a:prstDash val="solid"/>
             <a:round/>
-            <a:headEnd len="sm" w="sm" type="none"/>
-            <a:tailEnd len="sm" w="sm" type="none"/>
+            <a:headEnd type="none" w="sm" len="sm"/>
+            <a:tailEnd type="none" w="sm" len="sm"/>
           </a:ln>
         </p:spPr>
         <p:txBody>
-          <a:bodyPr anchorCtr="0" anchor="ctr" bIns="91425" lIns="91425" spcFirstLastPara="1" rIns="91425" wrap="square" tIns="91425">
+          <a:bodyPr spcFirstLastPara="1" wrap="square" lIns="91425" tIns="91425" rIns="91425" bIns="91425" anchor="ctr" anchorCtr="0">
             <a:noAutofit/>
           </a:bodyPr>
           <a:lstStyle/>
           <a:p>
-            <a:pPr indent="0" lvl="0" marL="0" rtl="0" algn="l">
+            <a:pPr marL="0" lvl="0" indent="0" algn="l" rtl="0">
               <a:spcBef>
                 <a:spcPts val="0"/>
               </a:spcBef>
@@ -8560,23 +8706,23 @@
           <a:solidFill>
             <a:schemeClr val="lt2"/>
           </a:solidFill>
-          <a:ln cap="flat" cmpd="sng" w="9525">
+          <a:ln w="9525" cap="flat" cmpd="sng">
             <a:solidFill>
               <a:schemeClr val="dk2"/>
             </a:solidFill>
             <a:prstDash val="solid"/>
             <a:round/>
-            <a:headEnd len="sm" w="sm" type="none"/>
-            <a:tailEnd len="sm" w="sm" type="none"/>
+            <a:headEnd type="none" w="sm" len="sm"/>
+            <a:tailEnd type="none" w="sm" len="sm"/>
           </a:ln>
         </p:spPr>
         <p:txBody>
-          <a:bodyPr anchorCtr="0" anchor="ctr" bIns="91425" lIns="91425" spcFirstLastPara="1" rIns="91425" wrap="square" tIns="91425">
+          <a:bodyPr spcFirstLastPara="1" wrap="square" lIns="91425" tIns="91425" rIns="91425" bIns="91425" anchor="ctr" anchorCtr="0">
             <a:noAutofit/>
           </a:bodyPr>
           <a:lstStyle/>
           <a:p>
-            <a:pPr indent="0" lvl="0" marL="0" rtl="0" algn="l">
+            <a:pPr marL="0" lvl="0" indent="0" algn="l" rtl="0">
               <a:spcBef>
                 <a:spcPts val="0"/>
               </a:spcBef>
@@ -8617,12 +8763,12 @@
           </a:ln>
         </p:spPr>
         <p:txBody>
-          <a:bodyPr anchorCtr="0" anchor="t" bIns="91425" lIns="91425" spcFirstLastPara="1" rIns="91425" wrap="square" tIns="91425">
+          <a:bodyPr spcFirstLastPara="1" wrap="square" lIns="91425" tIns="91425" rIns="91425" bIns="91425" anchor="t" anchorCtr="0">
             <a:spAutoFit/>
           </a:bodyPr>
           <a:lstStyle/>
           <a:p>
-            <a:pPr indent="0" lvl="0" marL="0" rtl="0" algn="l">
+            <a:pPr marL="0" lvl="0" indent="0" algn="l" rtl="0">
               <a:lnSpc>
                 <a:spcPct val="115000"/>
               </a:lnSpc>
@@ -8641,7 +8787,7 @@
             <a:endParaRPr sz="1100"/>
           </a:p>
           <a:p>
-            <a:pPr indent="0" lvl="0" marL="0" rtl="0" algn="l">
+            <a:pPr marL="0" lvl="0" indent="0" algn="l" rtl="0">
               <a:lnSpc>
                 <a:spcPct val="115000"/>
               </a:lnSpc>
@@ -8660,7 +8806,7 @@
             <a:endParaRPr sz="1100"/>
           </a:p>
           <a:p>
-            <a:pPr indent="0" lvl="0" marL="0" rtl="0" algn="l">
+            <a:pPr marL="0" lvl="0" indent="0" algn="l" rtl="0">
               <a:lnSpc>
                 <a:spcPct val="115000"/>
               </a:lnSpc>
@@ -8683,7 +8829,7 @@
             <a:endParaRPr sz="1100"/>
           </a:p>
           <a:p>
-            <a:pPr indent="0" lvl="0" marL="0" rtl="0" algn="l">
+            <a:pPr marL="0" lvl="0" indent="0" algn="l" rtl="0">
               <a:spcBef>
                 <a:spcPts val="0"/>
               </a:spcBef>
@@ -8692,9 +8838,6 @@
               </a:spcAft>
               <a:buNone/>
             </a:pPr>
-            <a:r>
-              <a:t/>
-            </a:r>
             <a:endParaRPr sz="1100"/>
           </a:p>
         </p:txBody>
@@ -8708,7 +8851,7 @@
           <p:nvPr/>
         </p:nvCxnSpPr>
         <p:spPr>
-          <a:xfrm flipH="1" rot="10800000">
+          <a:xfrm rot="10800000" flipH="1">
             <a:off x="1104300" y="822475"/>
             <a:ext cx="2314500" cy="1908600"/>
           </a:xfrm>
@@ -8716,14 +8859,14 @@
             <a:avLst/>
           </a:prstGeom>
           <a:noFill/>
-          <a:ln cap="flat" cmpd="sng" w="9525">
+          <a:ln w="9525" cap="flat" cmpd="sng">
             <a:solidFill>
               <a:schemeClr val="dk2"/>
             </a:solidFill>
             <a:prstDash val="solid"/>
             <a:round/>
-            <a:headEnd len="med" w="med" type="none"/>
-            <a:tailEnd len="med" w="med" type="triangle"/>
+            <a:headEnd type="none" w="med" len="med"/>
+            <a:tailEnd type="triangle" w="med" len="med"/>
           </a:ln>
         </p:spPr>
       </p:cxnSp>
@@ -8737,7 +8880,7 @@
           <p:nvPr/>
         </p:nvCxnSpPr>
         <p:spPr>
-          <a:xfrm flipH="1" rot="10800000">
+          <a:xfrm rot="10800000" flipH="1">
             <a:off x="1078357" y="1888738"/>
             <a:ext cx="2340300" cy="856500"/>
           </a:xfrm>
@@ -8745,14 +8888,14 @@
             <a:avLst/>
           </a:prstGeom>
           <a:noFill/>
-          <a:ln cap="flat" cmpd="sng" w="9525">
+          <a:ln w="9525" cap="flat" cmpd="sng">
             <a:solidFill>
               <a:schemeClr val="dk2"/>
             </a:solidFill>
             <a:prstDash val="solid"/>
             <a:round/>
-            <a:headEnd len="med" w="med" type="none"/>
-            <a:tailEnd len="med" w="med" type="triangle"/>
+            <a:headEnd type="none" w="med" len="med"/>
+            <a:tailEnd type="triangle" w="med" len="med"/>
           </a:ln>
         </p:spPr>
       </p:cxnSp>
@@ -8774,14 +8917,14 @@
             <a:avLst/>
           </a:prstGeom>
           <a:noFill/>
-          <a:ln cap="flat" cmpd="sng" w="9525">
+          <a:ln w="9525" cap="flat" cmpd="sng">
             <a:solidFill>
               <a:schemeClr val="dk2"/>
             </a:solidFill>
             <a:prstDash val="solid"/>
             <a:round/>
-            <a:headEnd len="med" w="med" type="none"/>
-            <a:tailEnd len="med" w="med" type="triangle"/>
+            <a:headEnd type="none" w="med" len="med"/>
+            <a:tailEnd type="triangle" w="med" len="med"/>
           </a:ln>
         </p:spPr>
       </p:cxnSp>
@@ -8793,8 +8936,8 @@
         </p:nvSpPr>
         <p:spPr>
           <a:xfrm>
-            <a:off x="282450" y="3533975"/>
-            <a:ext cx="982200" cy="400200"/>
+            <a:off x="282449" y="3533975"/>
+            <a:ext cx="1110581" cy="615523"/>
           </a:xfrm>
           <a:prstGeom prst="rect">
             <a:avLst/>
@@ -8805,12 +8948,12 @@
           </a:ln>
         </p:spPr>
         <p:txBody>
-          <a:bodyPr anchorCtr="0" anchor="t" bIns="91425" lIns="91425" spcFirstLastPara="1" rIns="91425" wrap="square" tIns="91425">
+          <a:bodyPr spcFirstLastPara="1" wrap="square" lIns="91425" tIns="91425" rIns="91425" bIns="91425" anchor="t" anchorCtr="0">
             <a:spAutoFit/>
           </a:bodyPr>
           <a:lstStyle/>
           <a:p>
-            <a:pPr indent="0" lvl="0" marL="0" rtl="0" algn="l">
+            <a:pPr marL="0" lvl="0" indent="0" algn="l" rtl="0">
               <a:spcBef>
                 <a:spcPts val="0"/>
               </a:spcBef>
@@ -8820,14 +8963,14 @@
               <a:buNone/>
             </a:pPr>
             <a:r>
-              <a:rPr lang="en-GB">
+              <a:rPr lang="en-GB" dirty="0">
                 <a:solidFill>
                   <a:schemeClr val="dk1"/>
                 </a:solidFill>
               </a:rPr>
-              <a:t>Customer</a:t>
+              <a:t>Advertising Customer</a:t>
             </a:r>
-            <a:endParaRPr>
+            <a:endParaRPr dirty="0">
               <a:solidFill>
                 <a:schemeClr val="dk1"/>
               </a:solidFill>
@@ -8844,11 +8987,11 @@
 </file>
 
 <file path=ppt/slides/slide7.xml><?xml version="1.0" encoding="utf-8"?>
-<p:sld xmlns:a="http://schemas.openxmlformats.org/drawingml/2006/main" xmlns:r="http://schemas.openxmlformats.org/officeDocument/2006/relationships" xmlns:mc="http://schemas.openxmlformats.org/markup-compatibility/2006" xmlns:mv="urn:schemas-microsoft-com:mac:vml" xmlns:p="http://schemas.openxmlformats.org/presentationml/2006/main" xmlns:c="http://schemas.openxmlformats.org/drawingml/2006/chart" xmlns:dgm="http://schemas.openxmlformats.org/drawingml/2006/diagram" xmlns:o="urn:schemas-microsoft-com:office:office" xmlns:v="urn:schemas-microsoft-com:vml" xmlns:pvml="urn:schemas-microsoft-com:office:powerpoint" xmlns:com="http://schemas.openxmlformats.org/drawingml/2006/compatibility" xmlns:p14="http://schemas.microsoft.com/office/powerpoint/2010/main" xmlns:p15="http://schemas.microsoft.com/office/powerpoint/2012/main" xmlns:ahyp="http://schemas.microsoft.com/office/drawing/2018/hyperlinkcolor">
+<p:sld xmlns:a="http://schemas.openxmlformats.org/drawingml/2006/main" xmlns:r="http://schemas.openxmlformats.org/officeDocument/2006/relationships" xmlns:p="http://schemas.openxmlformats.org/presentationml/2006/main">
   <p:cSld>
     <p:spTree>
       <p:nvGrpSpPr>
-        <p:cNvPr id="133" name="Shape 133"/>
+        <p:cNvPr id="1" name="Shape 133"/>
         <p:cNvGrpSpPr/>
         <p:nvPr/>
       </p:nvGrpSpPr>
@@ -8876,8 +9019,8 @@
         </p:blipFill>
         <p:spPr>
           <a:xfrm>
-            <a:off x="468757" y="2040388"/>
-            <a:ext cx="609600" cy="1409700"/>
+            <a:off x="694375" y="1615432"/>
+            <a:ext cx="409924" cy="571157"/>
           </a:xfrm>
           <a:prstGeom prst="rect">
             <a:avLst/>
@@ -8896,7 +9039,7 @@
         </p:nvSpPr>
         <p:spPr>
           <a:xfrm>
-            <a:off x="3418800" y="424525"/>
+            <a:off x="3811707" y="1217482"/>
             <a:ext cx="2306400" cy="795900"/>
           </a:xfrm>
           <a:prstGeom prst="ellipse">
@@ -8905,23 +9048,23 @@
           <a:solidFill>
             <a:schemeClr val="accent6"/>
           </a:solidFill>
-          <a:ln cap="flat" cmpd="sng" w="9525">
+          <a:ln w="9525" cap="flat" cmpd="sng">
             <a:solidFill>
               <a:schemeClr val="dk2"/>
             </a:solidFill>
             <a:prstDash val="solid"/>
             <a:round/>
-            <a:headEnd len="sm" w="sm" type="none"/>
-            <a:tailEnd len="sm" w="sm" type="none"/>
+            <a:headEnd type="none" w="sm" len="sm"/>
+            <a:tailEnd type="none" w="sm" len="sm"/>
           </a:ln>
         </p:spPr>
         <p:txBody>
-          <a:bodyPr anchorCtr="0" anchor="ctr" bIns="91425" lIns="91425" spcFirstLastPara="1" rIns="91425" wrap="square" tIns="91425">
+          <a:bodyPr spcFirstLastPara="1" wrap="square" lIns="91425" tIns="91425" rIns="91425" bIns="91425" anchor="ctr" anchorCtr="0">
             <a:noAutofit/>
           </a:bodyPr>
           <a:lstStyle/>
           <a:p>
-            <a:pPr indent="0" lvl="0" marL="0" rtl="0" algn="l">
+            <a:pPr marL="0" lvl="0" indent="0" algn="l" rtl="0">
               <a:spcBef>
                 <a:spcPts val="0"/>
               </a:spcBef>
@@ -8950,7 +9093,7 @@
         </p:nvSpPr>
         <p:spPr>
           <a:xfrm>
-            <a:off x="3418800" y="1490650"/>
+            <a:off x="3811707" y="2283607"/>
             <a:ext cx="2306400" cy="795900"/>
           </a:xfrm>
           <a:prstGeom prst="ellipse">
@@ -8959,23 +9102,23 @@
           <a:solidFill>
             <a:schemeClr val="lt2"/>
           </a:solidFill>
-          <a:ln cap="flat" cmpd="sng" w="9525">
+          <a:ln w="9525" cap="flat" cmpd="sng">
             <a:solidFill>
               <a:schemeClr val="dk2"/>
             </a:solidFill>
             <a:prstDash val="solid"/>
             <a:round/>
-            <a:headEnd len="sm" w="sm" type="none"/>
-            <a:tailEnd len="sm" w="sm" type="none"/>
+            <a:headEnd type="none" w="sm" len="sm"/>
+            <a:tailEnd type="none" w="sm" len="sm"/>
           </a:ln>
         </p:spPr>
         <p:txBody>
-          <a:bodyPr anchorCtr="0" anchor="ctr" bIns="91425" lIns="91425" spcFirstLastPara="1" rIns="91425" wrap="square" tIns="91425">
+          <a:bodyPr spcFirstLastPara="1" wrap="square" lIns="91425" tIns="91425" rIns="91425" bIns="91425" anchor="ctr" anchorCtr="0">
             <a:noAutofit/>
           </a:bodyPr>
           <a:lstStyle/>
           <a:p>
-            <a:pPr indent="0" lvl="0" marL="0" rtl="0" algn="l">
+            <a:pPr marL="0" lvl="0" indent="0" algn="l" rtl="0">
               <a:spcBef>
                 <a:spcPts val="0"/>
               </a:spcBef>
@@ -9004,7 +9147,7 @@
         </p:nvSpPr>
         <p:spPr>
           <a:xfrm>
-            <a:off x="3418800" y="2637752"/>
+            <a:off x="3811707" y="3430709"/>
             <a:ext cx="2306400" cy="795900"/>
           </a:xfrm>
           <a:prstGeom prst="ellipse">
@@ -9013,23 +9156,23 @@
           <a:solidFill>
             <a:schemeClr val="lt2"/>
           </a:solidFill>
-          <a:ln cap="flat" cmpd="sng" w="9525">
+          <a:ln w="9525" cap="flat" cmpd="sng">
             <a:solidFill>
               <a:schemeClr val="dk2"/>
             </a:solidFill>
             <a:prstDash val="solid"/>
             <a:round/>
-            <a:headEnd len="sm" w="sm" type="none"/>
-            <a:tailEnd len="sm" w="sm" type="none"/>
+            <a:headEnd type="none" w="sm" len="sm"/>
+            <a:tailEnd type="none" w="sm" len="sm"/>
           </a:ln>
         </p:spPr>
         <p:txBody>
-          <a:bodyPr anchorCtr="0" anchor="ctr" bIns="91425" lIns="91425" spcFirstLastPara="1" rIns="91425" wrap="square" tIns="91425">
+          <a:bodyPr spcFirstLastPara="1" wrap="square" lIns="91425" tIns="91425" rIns="91425" bIns="91425" anchor="ctr" anchorCtr="0">
             <a:noAutofit/>
           </a:bodyPr>
           <a:lstStyle/>
           <a:p>
-            <a:pPr indent="0" lvl="0" marL="0" rtl="0" algn="l">
+            <a:pPr marL="0" lvl="0" indent="0" algn="l" rtl="0">
               <a:spcBef>
                 <a:spcPts val="0"/>
               </a:spcBef>
@@ -9070,12 +9213,12 @@
           </a:ln>
         </p:spPr>
         <p:txBody>
-          <a:bodyPr anchorCtr="0" anchor="t" bIns="91425" lIns="91425" spcFirstLastPara="1" rIns="91425" wrap="square" tIns="91425">
+          <a:bodyPr spcFirstLastPara="1" wrap="square" lIns="91425" tIns="91425" rIns="91425" bIns="91425" anchor="t" anchorCtr="0">
             <a:spAutoFit/>
           </a:bodyPr>
           <a:lstStyle/>
           <a:p>
-            <a:pPr indent="0" lvl="0" marL="0" rtl="0" algn="l">
+            <a:pPr marL="0" lvl="0" indent="0" algn="l" rtl="0">
               <a:lnSpc>
                 <a:spcPct val="115000"/>
               </a:lnSpc>
@@ -9094,7 +9237,7 @@
             <a:endParaRPr sz="1100"/>
           </a:p>
           <a:p>
-            <a:pPr indent="0" lvl="0" marL="0" rtl="0" algn="l">
+            <a:pPr marL="0" lvl="0" indent="0" algn="l" rtl="0">
               <a:lnSpc>
                 <a:spcPct val="115000"/>
               </a:lnSpc>
@@ -9113,7 +9256,7 @@
             <a:endParaRPr sz="1100"/>
           </a:p>
           <a:p>
-            <a:pPr indent="0" lvl="0" marL="0" rtl="0" algn="l">
+            <a:pPr marL="0" lvl="0" indent="0" algn="l" rtl="0">
               <a:lnSpc>
                 <a:spcPct val="115000"/>
               </a:lnSpc>
@@ -9139,7 +9282,7 @@
             <a:endParaRPr sz="1100"/>
           </a:p>
           <a:p>
-            <a:pPr indent="0" lvl="0" marL="0" rtl="0" algn="l">
+            <a:pPr marL="0" lvl="0" indent="0" algn="l" rtl="0">
               <a:spcBef>
                 <a:spcPts val="0"/>
               </a:spcBef>
@@ -9148,9 +9291,6 @@
               </a:spcAft>
               <a:buNone/>
             </a:pPr>
-            <a:r>
-              <a:t/>
-            </a:r>
             <a:endParaRPr sz="1100"/>
           </a:p>
         </p:txBody>
@@ -9159,27 +9299,29 @@
         <p:nvCxnSpPr>
           <p:cNvPr id="139" name="Google Shape;139;p19"/>
           <p:cNvCxnSpPr>
+            <a:cxnSpLocks/>
+            <a:stCxn id="134" idx="3"/>
             <a:endCxn id="135" idx="2"/>
           </p:cNvCxnSpPr>
           <p:nvPr/>
         </p:nvCxnSpPr>
         <p:spPr>
-          <a:xfrm flipH="1" rot="10800000">
-            <a:off x="1104300" y="822475"/>
-            <a:ext cx="2314500" cy="1908600"/>
+          <a:xfrm flipV="1">
+            <a:off x="1104299" y="1615432"/>
+            <a:ext cx="2707408" cy="285579"/>
           </a:xfrm>
           <a:prstGeom prst="straightConnector1">
             <a:avLst/>
           </a:prstGeom>
           <a:noFill/>
-          <a:ln cap="flat" cmpd="sng" w="9525">
+          <a:ln w="9525" cap="flat" cmpd="sng">
             <a:solidFill>
               <a:schemeClr val="dk2"/>
             </a:solidFill>
             <a:prstDash val="solid"/>
             <a:round/>
-            <a:headEnd len="med" w="med" type="none"/>
-            <a:tailEnd len="med" w="med" type="triangle"/>
+            <a:headEnd type="none" w="med" len="med"/>
+            <a:tailEnd type="triangle" w="med" len="med"/>
           </a:ln>
         </p:spPr>
       </p:cxnSp>
@@ -9187,28 +9329,29 @@
         <p:nvCxnSpPr>
           <p:cNvPr id="140" name="Google Shape;140;p19"/>
           <p:cNvCxnSpPr>
+            <a:cxnSpLocks/>
             <a:stCxn id="134" idx="3"/>
             <a:endCxn id="136" idx="2"/>
           </p:cNvCxnSpPr>
           <p:nvPr/>
         </p:nvCxnSpPr>
         <p:spPr>
-          <a:xfrm flipH="1" rot="10800000">
-            <a:off x="1078357" y="1888738"/>
-            <a:ext cx="2340300" cy="856500"/>
+          <a:xfrm>
+            <a:off x="1104299" y="1901011"/>
+            <a:ext cx="2707408" cy="780546"/>
           </a:xfrm>
           <a:prstGeom prst="straightConnector1">
             <a:avLst/>
           </a:prstGeom>
           <a:noFill/>
-          <a:ln cap="flat" cmpd="sng" w="9525">
+          <a:ln w="9525" cap="flat" cmpd="sng">
             <a:solidFill>
               <a:schemeClr val="dk2"/>
             </a:solidFill>
             <a:prstDash val="solid"/>
             <a:round/>
-            <a:headEnd len="med" w="med" type="none"/>
-            <a:tailEnd len="med" w="med" type="triangle"/>
+            <a:headEnd type="none" w="med" len="med"/>
+            <a:tailEnd type="triangle" w="med" len="med"/>
           </a:ln>
         </p:spPr>
       </p:cxnSp>
@@ -9216,6 +9359,7 @@
         <p:nvCxnSpPr>
           <p:cNvPr id="141" name="Google Shape;141;p19"/>
           <p:cNvCxnSpPr>
+            <a:cxnSpLocks/>
             <a:stCxn id="134" idx="3"/>
             <a:endCxn id="137" idx="2"/>
           </p:cNvCxnSpPr>
@@ -9223,21 +9367,21 @@
         </p:nvCxnSpPr>
         <p:spPr>
           <a:xfrm>
-            <a:off x="1078357" y="2745238"/>
-            <a:ext cx="2340300" cy="290400"/>
+            <a:off x="1104299" y="1901011"/>
+            <a:ext cx="2707408" cy="1927648"/>
           </a:xfrm>
           <a:prstGeom prst="straightConnector1">
             <a:avLst/>
           </a:prstGeom>
           <a:noFill/>
-          <a:ln cap="flat" cmpd="sng" w="9525">
+          <a:ln w="9525" cap="flat" cmpd="sng">
             <a:solidFill>
               <a:schemeClr val="dk2"/>
             </a:solidFill>
             <a:prstDash val="solid"/>
             <a:round/>
-            <a:headEnd len="med" w="med" type="none"/>
-            <a:tailEnd len="med" w="med" type="triangle"/>
+            <a:headEnd type="none" w="med" len="med"/>
+            <a:tailEnd type="triangle" w="med" len="med"/>
           </a:ln>
         </p:spPr>
       </p:cxnSp>
@@ -9249,7 +9393,7 @@
         </p:nvSpPr>
         <p:spPr>
           <a:xfrm>
-            <a:off x="287700" y="3450100"/>
+            <a:off x="413487" y="2053324"/>
             <a:ext cx="971700" cy="400200"/>
           </a:xfrm>
           <a:prstGeom prst="rect">
@@ -9261,12 +9405,12 @@
           </a:ln>
         </p:spPr>
         <p:txBody>
-          <a:bodyPr anchorCtr="0" anchor="t" bIns="91425" lIns="91425" spcFirstLastPara="1" rIns="91425" wrap="square" tIns="91425">
+          <a:bodyPr spcFirstLastPara="1" wrap="square" lIns="91425" tIns="91425" rIns="91425" bIns="91425" anchor="t" anchorCtr="0">
             <a:spAutoFit/>
           </a:bodyPr>
           <a:lstStyle/>
           <a:p>
-            <a:pPr indent="0" lvl="0" marL="0" rtl="0" algn="l">
+            <a:pPr marL="0" lvl="0" indent="0" algn="l" rtl="0">
               <a:spcBef>
                 <a:spcPts val="0"/>
               </a:spcBef>
@@ -9276,14 +9420,14 @@
               <a:buNone/>
             </a:pPr>
             <a:r>
-              <a:rPr lang="en-GB">
+              <a:rPr lang="en-GB" dirty="0">
                 <a:solidFill>
                   <a:schemeClr val="dk1"/>
                 </a:solidFill>
               </a:rPr>
               <a:t>Customer</a:t>
             </a:r>
-            <a:endParaRPr>
+            <a:endParaRPr dirty="0">
               <a:solidFill>
                 <a:schemeClr val="dk1"/>
               </a:solidFill>
@@ -9291,6 +9435,201 @@
           </a:p>
         </p:txBody>
       </p:sp>
+      <p:pic>
+        <p:nvPicPr>
+          <p:cNvPr id="6" name="Google Shape;134;p19">
+            <a:extLst>
+              <a:ext uri="{FF2B5EF4-FFF2-40B4-BE49-F238E27FC236}">
+                <a16:creationId xmlns:a16="http://schemas.microsoft.com/office/drawing/2014/main" id="{9B6450E6-D494-399B-4834-42F506E5641B}"/>
+              </a:ext>
+            </a:extLst>
+          </p:cNvPr>
+          <p:cNvPicPr preferRelativeResize="0"/>
+          <p:nvPr/>
+        </p:nvPicPr>
+        <p:blipFill>
+          <a:blip r:embed="rId3">
+            <a:alphaModFix/>
+          </a:blip>
+          <a:stretch>
+            <a:fillRect/>
+          </a:stretch>
+        </p:blipFill>
+        <p:spPr>
+          <a:xfrm>
+            <a:off x="744381" y="3190667"/>
+            <a:ext cx="409924" cy="571157"/>
+          </a:xfrm>
+          <a:prstGeom prst="rect">
+            <a:avLst/>
+          </a:prstGeom>
+          <a:noFill/>
+          <a:ln>
+            <a:noFill/>
+          </a:ln>
+        </p:spPr>
+      </p:pic>
+      <p:sp>
+        <p:nvSpPr>
+          <p:cNvPr id="7" name="Google Shape;142;p19">
+            <a:extLst>
+              <a:ext uri="{FF2B5EF4-FFF2-40B4-BE49-F238E27FC236}">
+                <a16:creationId xmlns:a16="http://schemas.microsoft.com/office/drawing/2014/main" id="{5F86B0CA-ECF3-3DF4-B4AB-9FF8BFF284EF}"/>
+              </a:ext>
+            </a:extLst>
+          </p:cNvPr>
+          <p:cNvSpPr txBox="1"/>
+          <p:nvPr/>
+        </p:nvSpPr>
+        <p:spPr>
+          <a:xfrm>
+            <a:off x="463493" y="3628559"/>
+            <a:ext cx="1158138" cy="615523"/>
+          </a:xfrm>
+          <a:prstGeom prst="rect">
+            <a:avLst/>
+          </a:prstGeom>
+          <a:noFill/>
+          <a:ln>
+            <a:noFill/>
+          </a:ln>
+        </p:spPr>
+        <p:txBody>
+          <a:bodyPr spcFirstLastPara="1" wrap="square" lIns="91425" tIns="91425" rIns="91425" bIns="91425" anchor="t" anchorCtr="0">
+            <a:spAutoFit/>
+          </a:bodyPr>
+          <a:lstStyle/>
+          <a:p>
+            <a:pPr marL="0" lvl="0" indent="0" algn="l" rtl="0">
+              <a:spcBef>
+                <a:spcPts val="0"/>
+              </a:spcBef>
+              <a:spcAft>
+                <a:spcPts val="0"/>
+              </a:spcAft>
+              <a:buNone/>
+            </a:pPr>
+            <a:r>
+              <a:rPr lang="en-GB" dirty="0">
+                <a:solidFill>
+                  <a:schemeClr val="dk1"/>
+                </a:solidFill>
+              </a:rPr>
+              <a:t>Advertising Customer</a:t>
+            </a:r>
+            <a:endParaRPr dirty="0">
+              <a:solidFill>
+                <a:schemeClr val="dk1"/>
+              </a:solidFill>
+            </a:endParaRPr>
+          </a:p>
+        </p:txBody>
+      </p:sp>
+      <p:cxnSp>
+        <p:nvCxnSpPr>
+          <p:cNvPr id="13" name="Google Shape;139;p19">
+            <a:extLst>
+              <a:ext uri="{FF2B5EF4-FFF2-40B4-BE49-F238E27FC236}">
+                <a16:creationId xmlns:a16="http://schemas.microsoft.com/office/drawing/2014/main" id="{85E76F3B-EA02-A10A-CF7F-2A8B6D975AAF}"/>
+              </a:ext>
+            </a:extLst>
+          </p:cNvPr>
+          <p:cNvCxnSpPr>
+            <a:cxnSpLocks/>
+            <a:endCxn id="135" idx="2"/>
+          </p:cNvCxnSpPr>
+          <p:nvPr/>
+        </p:nvCxnSpPr>
+        <p:spPr>
+          <a:xfrm flipV="1">
+            <a:off x="1213836" y="1615432"/>
+            <a:ext cx="2597871" cy="1878169"/>
+          </a:xfrm>
+          <a:prstGeom prst="straightConnector1">
+            <a:avLst/>
+          </a:prstGeom>
+          <a:noFill/>
+          <a:ln w="9525" cap="flat" cmpd="sng">
+            <a:solidFill>
+              <a:schemeClr val="dk2"/>
+            </a:solidFill>
+            <a:prstDash val="solid"/>
+            <a:round/>
+            <a:headEnd type="none" w="med" len="med"/>
+            <a:tailEnd type="triangle" w="med" len="med"/>
+          </a:ln>
+        </p:spPr>
+      </p:cxnSp>
+      <p:cxnSp>
+        <p:nvCxnSpPr>
+          <p:cNvPr id="14" name="Google Shape;140;p19">
+            <a:extLst>
+              <a:ext uri="{FF2B5EF4-FFF2-40B4-BE49-F238E27FC236}">
+                <a16:creationId xmlns:a16="http://schemas.microsoft.com/office/drawing/2014/main" id="{C43F9EA8-422D-245F-547B-F16AD73CD41C}"/>
+              </a:ext>
+            </a:extLst>
+          </p:cNvPr>
+          <p:cNvCxnSpPr>
+            <a:cxnSpLocks/>
+            <a:endCxn id="136" idx="2"/>
+          </p:cNvCxnSpPr>
+          <p:nvPr/>
+        </p:nvCxnSpPr>
+        <p:spPr>
+          <a:xfrm flipV="1">
+            <a:off x="1213836" y="2681557"/>
+            <a:ext cx="2597871" cy="812044"/>
+          </a:xfrm>
+          <a:prstGeom prst="straightConnector1">
+            <a:avLst/>
+          </a:prstGeom>
+          <a:noFill/>
+          <a:ln w="9525" cap="flat" cmpd="sng">
+            <a:solidFill>
+              <a:schemeClr val="dk2"/>
+            </a:solidFill>
+            <a:prstDash val="solid"/>
+            <a:round/>
+            <a:headEnd type="none" w="med" len="med"/>
+            <a:tailEnd type="triangle" w="med" len="med"/>
+          </a:ln>
+        </p:spPr>
+      </p:cxnSp>
+      <p:cxnSp>
+        <p:nvCxnSpPr>
+          <p:cNvPr id="15" name="Google Shape;141;p19">
+            <a:extLst>
+              <a:ext uri="{FF2B5EF4-FFF2-40B4-BE49-F238E27FC236}">
+                <a16:creationId xmlns:a16="http://schemas.microsoft.com/office/drawing/2014/main" id="{E4A4E8C4-B080-047D-274D-23C48F32F4A8}"/>
+              </a:ext>
+            </a:extLst>
+          </p:cNvPr>
+          <p:cNvCxnSpPr>
+            <a:cxnSpLocks/>
+            <a:endCxn id="137" idx="2"/>
+          </p:cNvCxnSpPr>
+          <p:nvPr/>
+        </p:nvCxnSpPr>
+        <p:spPr>
+          <a:xfrm>
+            <a:off x="1213836" y="3493601"/>
+            <a:ext cx="2597871" cy="335058"/>
+          </a:xfrm>
+          <a:prstGeom prst="straightConnector1">
+            <a:avLst/>
+          </a:prstGeom>
+          <a:noFill/>
+          <a:ln w="9525" cap="flat" cmpd="sng">
+            <a:solidFill>
+              <a:schemeClr val="dk2"/>
+            </a:solidFill>
+            <a:prstDash val="solid"/>
+            <a:round/>
+            <a:headEnd type="none" w="med" len="med"/>
+            <a:tailEnd type="triangle" w="med" len="med"/>
+          </a:ln>
+        </p:spPr>
+      </p:cxnSp>
     </p:spTree>
   </p:cSld>
   <p:clrMapOvr>
@@ -9300,7 +9639,7 @@
 </file>
 
 <file path=ppt/theme/theme1.xml><?xml version="1.0" encoding="utf-8"?>
-<a:theme xmlns:a="http://schemas.openxmlformats.org/drawingml/2006/main" xmlns:r="http://schemas.openxmlformats.org/officeDocument/2006/relationships" name="Simple Light">
+<a:theme xmlns:a="http://schemas.openxmlformats.org/drawingml/2006/main" name="Simple Light">
   <a:themeElements>
     <a:clrScheme name="Simple Light">
       <a:dk1>
@@ -9575,11 +9914,13 @@
       </a:bgFillStyleLst>
     </a:fmtScheme>
   </a:themeElements>
+  <a:objectDefaults/>
+  <a:extraClrSchemeLst/>
 </a:theme>
 </file>
 
 <file path=ppt/theme/theme2.xml><?xml version="1.0" encoding="utf-8"?>
-<a:theme xmlns:a="http://schemas.openxmlformats.org/drawingml/2006/main" xmlns:r="http://schemas.openxmlformats.org/officeDocument/2006/relationships">
+<a:theme xmlns:a="http://schemas.openxmlformats.org/drawingml/2006/main">
   <a:themeElements>
     <a:clrScheme name="Default">
       <a:dk1>
@@ -9854,5 +10195,7 @@
       </a:bgFillStyleLst>
     </a:fmtScheme>
   </a:themeElements>
+  <a:objectDefaults/>
+  <a:extraClrSchemeLst/>
 </a:theme>
 </file>